--- a/DoAnCTDL.pptx
+++ b/DoAnCTDL.pptx
@@ -4,6 +4,9 @@
   <p:sldMasterIdLst>
     <p:sldMasterId id="2147483680" r:id="rId1"/>
   </p:sldMasterIdLst>
+  <p:notesMasterIdLst>
+    <p:notesMasterId r:id="rId17"/>
+  </p:notesMasterIdLst>
   <p:sldIdLst>
     <p:sldId id="257" r:id="rId2"/>
     <p:sldId id="260" r:id="rId3"/>
@@ -15,7 +18,11 @@
     <p:sldId id="262" r:id="rId9"/>
     <p:sldId id="263" r:id="rId10"/>
     <p:sldId id="264" r:id="rId11"/>
-    <p:sldId id="266" r:id="rId12"/>
+    <p:sldId id="267" r:id="rId12"/>
+    <p:sldId id="268" r:id="rId13"/>
+    <p:sldId id="269" r:id="rId14"/>
+    <p:sldId id="270" r:id="rId15"/>
+    <p:sldId id="266" r:id="rId16"/>
   </p:sldIdLst>
   <p:sldSz cx="12192000" cy="6858000"/>
   <p:notesSz cx="6858000" cy="9144000"/>
@@ -2351,6 +2358,13 @@
         </dgm:presLayoutVars>
       </dgm:prSet>
       <dgm:spPr/>
+      <dgm:t>
+        <a:bodyPr/>
+        <a:lstStyle/>
+        <a:p>
+          <a:endParaRPr lang="en-US"/>
+        </a:p>
+      </dgm:t>
     </dgm:pt>
     <dgm:pt modelId="{C11B638B-DB38-41BF-B8DF-5FB214A29E62}" type="pres">
       <dgm:prSet presAssocID="{F41958A4-D972-4B77-939A-5F98DF00DB85}" presName="composite" presStyleCnt="0"/>
@@ -2484,6 +2498,13 @@
         </dgm:presLayoutVars>
       </dgm:prSet>
       <dgm:spPr/>
+      <dgm:t>
+        <a:bodyPr/>
+        <a:lstStyle/>
+        <a:p>
+          <a:endParaRPr lang="en-US"/>
+        </a:p>
+      </dgm:t>
     </dgm:pt>
   </dgm:ptLst>
   <dgm:cxnLst>
@@ -6158,6 +6179,440 @@
 </dgm:styleDef>
 </file>
 
+<file path=ppt/notesMasters/notesMaster1.xml><?xml version="1.0" encoding="utf-8"?>
+<p:notesMaster xmlns:a="http://schemas.openxmlformats.org/drawingml/2006/main" xmlns:r="http://schemas.openxmlformats.org/officeDocument/2006/relationships" xmlns:p="http://schemas.openxmlformats.org/presentationml/2006/main">
+  <p:cSld>
+    <p:bg>
+      <p:bgRef idx="1001">
+        <a:schemeClr val="bg1"/>
+      </p:bgRef>
+    </p:bg>
+    <p:spTree>
+      <p:nvGrpSpPr>
+        <p:cNvPr id="1" name=""/>
+        <p:cNvGrpSpPr/>
+        <p:nvPr/>
+      </p:nvGrpSpPr>
+      <p:grpSpPr>
+        <a:xfrm>
+          <a:off x="0" y="0"/>
+          <a:ext cx="0" cy="0"/>
+          <a:chOff x="0" y="0"/>
+          <a:chExt cx="0" cy="0"/>
+        </a:xfrm>
+      </p:grpSpPr>
+      <p:sp>
+        <p:nvSpPr>
+          <p:cNvPr id="2" name="Header Placeholder 1"/>
+          <p:cNvSpPr>
+            <a:spLocks noGrp="1"/>
+          </p:cNvSpPr>
+          <p:nvPr>
+            <p:ph type="hdr" sz="quarter"/>
+          </p:nvPr>
+        </p:nvSpPr>
+        <p:spPr>
+          <a:xfrm>
+            <a:off x="0" y="0"/>
+            <a:ext cx="2971800" cy="458788"/>
+          </a:xfrm>
+          <a:prstGeom prst="rect">
+            <a:avLst/>
+          </a:prstGeom>
+        </p:spPr>
+        <p:txBody>
+          <a:bodyPr vert="horz" lIns="91440" tIns="45720" rIns="91440" bIns="45720" rtlCol="0"/>
+          <a:lstStyle>
+            <a:lvl1pPr algn="l">
+              <a:defRPr sz="1200"/>
+            </a:lvl1pPr>
+          </a:lstStyle>
+          <a:p>
+            <a:endParaRPr lang="en-US"/>
+          </a:p>
+        </p:txBody>
+      </p:sp>
+      <p:sp>
+        <p:nvSpPr>
+          <p:cNvPr id="3" name="Date Placeholder 2"/>
+          <p:cNvSpPr>
+            <a:spLocks noGrp="1"/>
+          </p:cNvSpPr>
+          <p:nvPr>
+            <p:ph type="dt" idx="1"/>
+          </p:nvPr>
+        </p:nvSpPr>
+        <p:spPr>
+          <a:xfrm>
+            <a:off x="3884613" y="0"/>
+            <a:ext cx="2971800" cy="458788"/>
+          </a:xfrm>
+          <a:prstGeom prst="rect">
+            <a:avLst/>
+          </a:prstGeom>
+        </p:spPr>
+        <p:txBody>
+          <a:bodyPr vert="horz" lIns="91440" tIns="45720" rIns="91440" bIns="45720" rtlCol="0"/>
+          <a:lstStyle>
+            <a:lvl1pPr algn="r">
+              <a:defRPr sz="1200"/>
+            </a:lvl1pPr>
+          </a:lstStyle>
+          <a:p>
+            <a:fld id="{2BC7298A-6EE1-4D61-AEB6-54A2DCB02043}" type="datetimeFigureOut">
+              <a:rPr lang="en-US" smtClean="0"/>
+              <a:t>12/7/2018</a:t>
+            </a:fld>
+            <a:endParaRPr lang="en-US"/>
+          </a:p>
+        </p:txBody>
+      </p:sp>
+      <p:sp>
+        <p:nvSpPr>
+          <p:cNvPr id="4" name="Slide Image Placeholder 3"/>
+          <p:cNvSpPr>
+            <a:spLocks noGrp="1" noRot="1" noChangeAspect="1"/>
+          </p:cNvSpPr>
+          <p:nvPr>
+            <p:ph type="sldImg" idx="2"/>
+          </p:nvPr>
+        </p:nvSpPr>
+        <p:spPr>
+          <a:xfrm>
+            <a:off x="685800" y="1143000"/>
+            <a:ext cx="5486400" cy="3086100"/>
+          </a:xfrm>
+          <a:prstGeom prst="rect">
+            <a:avLst/>
+          </a:prstGeom>
+          <a:noFill/>
+          <a:ln w="12700">
+            <a:solidFill>
+              <a:prstClr val="black"/>
+            </a:solidFill>
+          </a:ln>
+        </p:spPr>
+        <p:txBody>
+          <a:bodyPr vert="horz" lIns="91440" tIns="45720" rIns="91440" bIns="45720" rtlCol="0" anchor="ctr"/>
+          <a:lstStyle/>
+          <a:p>
+            <a:endParaRPr lang="en-US"/>
+          </a:p>
+        </p:txBody>
+      </p:sp>
+      <p:sp>
+        <p:nvSpPr>
+          <p:cNvPr id="5" name="Notes Placeholder 4"/>
+          <p:cNvSpPr>
+            <a:spLocks noGrp="1"/>
+          </p:cNvSpPr>
+          <p:nvPr>
+            <p:ph type="body" sz="quarter" idx="3"/>
+          </p:nvPr>
+        </p:nvSpPr>
+        <p:spPr>
+          <a:xfrm>
+            <a:off x="685800" y="4400550"/>
+            <a:ext cx="5486400" cy="3600450"/>
+          </a:xfrm>
+          <a:prstGeom prst="rect">
+            <a:avLst/>
+          </a:prstGeom>
+        </p:spPr>
+        <p:txBody>
+          <a:bodyPr vert="horz" lIns="91440" tIns="45720" rIns="91440" bIns="45720" rtlCol="0"/>
+          <a:lstStyle/>
+          <a:p>
+            <a:pPr lvl="0"/>
+            <a:r>
+              <a:rPr lang="en-US" smtClean="0"/>
+              <a:t>Click to edit Master text styles</a:t>
+            </a:r>
+          </a:p>
+          <a:p>
+            <a:pPr lvl="1"/>
+            <a:r>
+              <a:rPr lang="en-US" smtClean="0"/>
+              <a:t>Second level</a:t>
+            </a:r>
+          </a:p>
+          <a:p>
+            <a:pPr lvl="2"/>
+            <a:r>
+              <a:rPr lang="en-US" smtClean="0"/>
+              <a:t>Third level</a:t>
+            </a:r>
+          </a:p>
+          <a:p>
+            <a:pPr lvl="3"/>
+            <a:r>
+              <a:rPr lang="en-US" smtClean="0"/>
+              <a:t>Fourth level</a:t>
+            </a:r>
+          </a:p>
+          <a:p>
+            <a:pPr lvl="4"/>
+            <a:r>
+              <a:rPr lang="en-US" smtClean="0"/>
+              <a:t>Fifth level</a:t>
+            </a:r>
+            <a:endParaRPr lang="en-US"/>
+          </a:p>
+        </p:txBody>
+      </p:sp>
+      <p:sp>
+        <p:nvSpPr>
+          <p:cNvPr id="6" name="Footer Placeholder 5"/>
+          <p:cNvSpPr>
+            <a:spLocks noGrp="1"/>
+          </p:cNvSpPr>
+          <p:nvPr>
+            <p:ph type="ftr" sz="quarter" idx="4"/>
+          </p:nvPr>
+        </p:nvSpPr>
+        <p:spPr>
+          <a:xfrm>
+            <a:off x="0" y="8685213"/>
+            <a:ext cx="2971800" cy="458787"/>
+          </a:xfrm>
+          <a:prstGeom prst="rect">
+            <a:avLst/>
+          </a:prstGeom>
+        </p:spPr>
+        <p:txBody>
+          <a:bodyPr vert="horz" lIns="91440" tIns="45720" rIns="91440" bIns="45720" rtlCol="0" anchor="b"/>
+          <a:lstStyle>
+            <a:lvl1pPr algn="l">
+              <a:defRPr sz="1200"/>
+            </a:lvl1pPr>
+          </a:lstStyle>
+          <a:p>
+            <a:endParaRPr lang="en-US"/>
+          </a:p>
+        </p:txBody>
+      </p:sp>
+      <p:sp>
+        <p:nvSpPr>
+          <p:cNvPr id="7" name="Slide Number Placeholder 6"/>
+          <p:cNvSpPr>
+            <a:spLocks noGrp="1"/>
+          </p:cNvSpPr>
+          <p:nvPr>
+            <p:ph type="sldNum" sz="quarter" idx="5"/>
+          </p:nvPr>
+        </p:nvSpPr>
+        <p:spPr>
+          <a:xfrm>
+            <a:off x="3884613" y="8685213"/>
+            <a:ext cx="2971800" cy="458787"/>
+          </a:xfrm>
+          <a:prstGeom prst="rect">
+            <a:avLst/>
+          </a:prstGeom>
+        </p:spPr>
+        <p:txBody>
+          <a:bodyPr vert="horz" lIns="91440" tIns="45720" rIns="91440" bIns="45720" rtlCol="0" anchor="b"/>
+          <a:lstStyle>
+            <a:lvl1pPr algn="r">
+              <a:defRPr sz="1200"/>
+            </a:lvl1pPr>
+          </a:lstStyle>
+          <a:p>
+            <a:fld id="{5789AFBC-E8A1-4381-9DFF-76B4942ADF41}" type="slidenum">
+              <a:rPr lang="en-US" smtClean="0"/>
+              <a:t>‹#›</a:t>
+            </a:fld>
+            <a:endParaRPr lang="en-US"/>
+          </a:p>
+        </p:txBody>
+      </p:sp>
+    </p:spTree>
+    <p:extLst>
+      <p:ext uri="{BB962C8B-B14F-4D97-AF65-F5344CB8AC3E}">
+        <p14:creationId xmlns:p14="http://schemas.microsoft.com/office/powerpoint/2010/main" val="1028647745"/>
+      </p:ext>
+    </p:extLst>
+  </p:cSld>
+  <p:clrMap bg1="lt1" tx1="dk1" bg2="lt2" tx2="dk2" accent1="accent1" accent2="accent2" accent3="accent3" accent4="accent4" accent5="accent5" accent6="accent6" hlink="hlink" folHlink="folHlink"/>
+  <p:notesStyle>
+    <a:lvl1pPr marL="0" algn="l" defTabSz="914400" rtl="0" eaLnBrk="1" latinLnBrk="0" hangingPunct="1">
+      <a:defRPr sz="1200" kern="1200">
+        <a:solidFill>
+          <a:schemeClr val="tx1"/>
+        </a:solidFill>
+        <a:latin typeface="+mn-lt"/>
+        <a:ea typeface="+mn-ea"/>
+        <a:cs typeface="+mn-cs"/>
+      </a:defRPr>
+    </a:lvl1pPr>
+    <a:lvl2pPr marL="457200" algn="l" defTabSz="914400" rtl="0" eaLnBrk="1" latinLnBrk="0" hangingPunct="1">
+      <a:defRPr sz="1200" kern="1200">
+        <a:solidFill>
+          <a:schemeClr val="tx1"/>
+        </a:solidFill>
+        <a:latin typeface="+mn-lt"/>
+        <a:ea typeface="+mn-ea"/>
+        <a:cs typeface="+mn-cs"/>
+      </a:defRPr>
+    </a:lvl2pPr>
+    <a:lvl3pPr marL="914400" algn="l" defTabSz="914400" rtl="0" eaLnBrk="1" latinLnBrk="0" hangingPunct="1">
+      <a:defRPr sz="1200" kern="1200">
+        <a:solidFill>
+          <a:schemeClr val="tx1"/>
+        </a:solidFill>
+        <a:latin typeface="+mn-lt"/>
+        <a:ea typeface="+mn-ea"/>
+        <a:cs typeface="+mn-cs"/>
+      </a:defRPr>
+    </a:lvl3pPr>
+    <a:lvl4pPr marL="1371600" algn="l" defTabSz="914400" rtl="0" eaLnBrk="1" latinLnBrk="0" hangingPunct="1">
+      <a:defRPr sz="1200" kern="1200">
+        <a:solidFill>
+          <a:schemeClr val="tx1"/>
+        </a:solidFill>
+        <a:latin typeface="+mn-lt"/>
+        <a:ea typeface="+mn-ea"/>
+        <a:cs typeface="+mn-cs"/>
+      </a:defRPr>
+    </a:lvl4pPr>
+    <a:lvl5pPr marL="1828800" algn="l" defTabSz="914400" rtl="0" eaLnBrk="1" latinLnBrk="0" hangingPunct="1">
+      <a:defRPr sz="1200" kern="1200">
+        <a:solidFill>
+          <a:schemeClr val="tx1"/>
+        </a:solidFill>
+        <a:latin typeface="+mn-lt"/>
+        <a:ea typeface="+mn-ea"/>
+        <a:cs typeface="+mn-cs"/>
+      </a:defRPr>
+    </a:lvl5pPr>
+    <a:lvl6pPr marL="2286000" algn="l" defTabSz="914400" rtl="0" eaLnBrk="1" latinLnBrk="0" hangingPunct="1">
+      <a:defRPr sz="1200" kern="1200">
+        <a:solidFill>
+          <a:schemeClr val="tx1"/>
+        </a:solidFill>
+        <a:latin typeface="+mn-lt"/>
+        <a:ea typeface="+mn-ea"/>
+        <a:cs typeface="+mn-cs"/>
+      </a:defRPr>
+    </a:lvl6pPr>
+    <a:lvl7pPr marL="2743200" algn="l" defTabSz="914400" rtl="0" eaLnBrk="1" latinLnBrk="0" hangingPunct="1">
+      <a:defRPr sz="1200" kern="1200">
+        <a:solidFill>
+          <a:schemeClr val="tx1"/>
+        </a:solidFill>
+        <a:latin typeface="+mn-lt"/>
+        <a:ea typeface="+mn-ea"/>
+        <a:cs typeface="+mn-cs"/>
+      </a:defRPr>
+    </a:lvl7pPr>
+    <a:lvl8pPr marL="3200400" algn="l" defTabSz="914400" rtl="0" eaLnBrk="1" latinLnBrk="0" hangingPunct="1">
+      <a:defRPr sz="1200" kern="1200">
+        <a:solidFill>
+          <a:schemeClr val="tx1"/>
+        </a:solidFill>
+        <a:latin typeface="+mn-lt"/>
+        <a:ea typeface="+mn-ea"/>
+        <a:cs typeface="+mn-cs"/>
+      </a:defRPr>
+    </a:lvl8pPr>
+    <a:lvl9pPr marL="3657600" algn="l" defTabSz="914400" rtl="0" eaLnBrk="1" latinLnBrk="0" hangingPunct="1">
+      <a:defRPr sz="1200" kern="1200">
+        <a:solidFill>
+          <a:schemeClr val="tx1"/>
+        </a:solidFill>
+        <a:latin typeface="+mn-lt"/>
+        <a:ea typeface="+mn-ea"/>
+        <a:cs typeface="+mn-cs"/>
+      </a:defRPr>
+    </a:lvl9pPr>
+  </p:notesStyle>
+</p:notesMaster>
+</file>
+
+<file path=ppt/notesSlides/notesSlide1.xml><?xml version="1.0" encoding="utf-8"?>
+<p:notes xmlns:a="http://schemas.openxmlformats.org/drawingml/2006/main" xmlns:r="http://schemas.openxmlformats.org/officeDocument/2006/relationships" xmlns:p="http://schemas.openxmlformats.org/presentationml/2006/main">
+  <p:cSld>
+    <p:spTree>
+      <p:nvGrpSpPr>
+        <p:cNvPr id="1" name=""/>
+        <p:cNvGrpSpPr/>
+        <p:nvPr/>
+      </p:nvGrpSpPr>
+      <p:grpSpPr>
+        <a:xfrm>
+          <a:off x="0" y="0"/>
+          <a:ext cx="0" cy="0"/>
+          <a:chOff x="0" y="0"/>
+          <a:chExt cx="0" cy="0"/>
+        </a:xfrm>
+      </p:grpSpPr>
+      <p:sp>
+        <p:nvSpPr>
+          <p:cNvPr id="2" name="Slide Image Placeholder 1"/>
+          <p:cNvSpPr>
+            <a:spLocks noGrp="1" noRot="1" noChangeAspect="1"/>
+          </p:cNvSpPr>
+          <p:nvPr>
+            <p:ph type="sldImg"/>
+          </p:nvPr>
+        </p:nvSpPr>
+        <p:spPr/>
+      </p:sp>
+      <p:sp>
+        <p:nvSpPr>
+          <p:cNvPr id="3" name="Notes Placeholder 2"/>
+          <p:cNvSpPr>
+            <a:spLocks noGrp="1"/>
+          </p:cNvSpPr>
+          <p:nvPr>
+            <p:ph type="body" idx="1"/>
+          </p:nvPr>
+        </p:nvSpPr>
+        <p:spPr/>
+        <p:txBody>
+          <a:bodyPr/>
+          <a:lstStyle/>
+          <a:p>
+            <a:endParaRPr lang="en-US"/>
+          </a:p>
+        </p:txBody>
+      </p:sp>
+      <p:sp>
+        <p:nvSpPr>
+          <p:cNvPr id="4" name="Slide Number Placeholder 3"/>
+          <p:cNvSpPr>
+            <a:spLocks noGrp="1"/>
+          </p:cNvSpPr>
+          <p:nvPr>
+            <p:ph type="sldNum" sz="quarter" idx="10"/>
+          </p:nvPr>
+        </p:nvSpPr>
+        <p:spPr/>
+        <p:txBody>
+          <a:bodyPr/>
+          <a:lstStyle/>
+          <a:p>
+            <a:fld id="{5789AFBC-E8A1-4381-9DFF-76B4942ADF41}" type="slidenum">
+              <a:rPr lang="en-US" smtClean="0"/>
+              <a:t>1</a:t>
+            </a:fld>
+            <a:endParaRPr lang="en-US"/>
+          </a:p>
+        </p:txBody>
+      </p:sp>
+    </p:spTree>
+    <p:extLst>
+      <p:ext uri="{BB962C8B-B14F-4D97-AF65-F5344CB8AC3E}">
+        <p14:creationId xmlns:p14="http://schemas.microsoft.com/office/powerpoint/2010/main" val="3762780833"/>
+      </p:ext>
+    </p:extLst>
+  </p:cSld>
+  <p:clrMapOvr>
+    <a:masterClrMapping/>
+  </p:clrMapOvr>
+</p:notes>
+</file>
+
 <file path=ppt/slideLayouts/slideLayout1.xml><?xml version="1.0" encoding="utf-8"?>
 <p:sldLayout xmlns:a="http://schemas.openxmlformats.org/drawingml/2006/main" xmlns:r="http://schemas.openxmlformats.org/officeDocument/2006/relationships" xmlns:p="http://schemas.openxmlformats.org/presentationml/2006/main" showMasterSp="0" type="title" preserve="1">
   <p:cSld name="Title Slide">
@@ -6878,10 +7333,9 @@
           <a:bodyPr/>
           <a:lstStyle/>
           <a:p>
-            <a:fld id="{B61BEF0D-F0BB-DE4B-95CE-6DB70DBA9567}" type="datetimeFigureOut">
+            <a:fld id="{39AAAC5E-39F8-452F-9555-D0B109EE08CD}" type="datetime1">
               <a:rPr lang="en-US" smtClean="0"/>
-              <a:pPr/>
-              <a:t>12/6/2018</a:t>
+              <a:t>12/7/2018</a:t>
             </a:fld>
             <a:endParaRPr lang="en-US" dirty="0"/>
           </a:p>
@@ -7131,10 +7585,9 @@
           <a:bodyPr/>
           <a:lstStyle/>
           <a:p>
-            <a:fld id="{B61BEF0D-F0BB-DE4B-95CE-6DB70DBA9567}" type="datetimeFigureOut">
+            <a:fld id="{AC83A596-668A-4757-916A-936792CFE343}" type="datetime1">
               <a:rPr lang="en-US" smtClean="0"/>
-              <a:pPr/>
-              <a:t>12/6/2018</a:t>
+              <a:t>12/7/2018</a:t>
             </a:fld>
             <a:endParaRPr lang="en-US" dirty="0"/>
           </a:p>
@@ -7447,10 +7900,9 @@
           <a:bodyPr/>
           <a:lstStyle/>
           <a:p>
-            <a:fld id="{B61BEF0D-F0BB-DE4B-95CE-6DB70DBA9567}" type="datetimeFigureOut">
+            <a:fld id="{7B2CE9FA-6F9D-4142-955B-88F0F6F040DC}" type="datetime1">
               <a:rPr lang="en-US" smtClean="0"/>
-              <a:pPr/>
-              <a:t>12/6/2018</a:t>
+              <a:t>12/7/2018</a:t>
             </a:fld>
             <a:endParaRPr lang="en-US" dirty="0"/>
           </a:p>
@@ -7790,10 +8242,9 @@
           <a:bodyPr/>
           <a:lstStyle/>
           <a:p>
-            <a:fld id="{B61BEF0D-F0BB-DE4B-95CE-6DB70DBA9567}" type="datetimeFigureOut">
+            <a:fld id="{A1EEA27B-FEE4-438E-B5D4-45B598B0CC58}" type="datetime1">
               <a:rPr lang="en-US" smtClean="0"/>
-              <a:pPr/>
-              <a:t>12/6/2018</a:t>
+              <a:t>12/7/2018</a:t>
             </a:fld>
             <a:endParaRPr lang="en-US" dirty="0"/>
           </a:p>
@@ -8106,10 +8557,9 @@
           <a:bodyPr/>
           <a:lstStyle/>
           <a:p>
-            <a:fld id="{B61BEF0D-F0BB-DE4B-95CE-6DB70DBA9567}" type="datetimeFigureOut">
+            <a:fld id="{B5A498A6-5B3B-4CC4-8A80-73790EC3D935}" type="datetime1">
               <a:rPr lang="en-US" smtClean="0"/>
-              <a:pPr/>
-              <a:t>12/6/2018</a:t>
+              <a:t>12/7/2018</a:t>
             </a:fld>
             <a:endParaRPr lang="en-US" dirty="0"/>
           </a:p>
@@ -8501,10 +8951,9 @@
           <a:bodyPr/>
           <a:lstStyle/>
           <a:p>
-            <a:fld id="{B61BEF0D-F0BB-DE4B-95CE-6DB70DBA9567}" type="datetimeFigureOut">
+            <a:fld id="{1139A91C-096A-4776-A13A-74809A74F709}" type="datetime1">
               <a:rPr lang="en-US" smtClean="0"/>
-              <a:pPr/>
-              <a:t>12/6/2018</a:t>
+              <a:t>12/7/2018</a:t>
             </a:fld>
             <a:endParaRPr lang="en-US" dirty="0"/>
           </a:p>
@@ -8673,9 +9122,9 @@
           <a:bodyPr/>
           <a:lstStyle/>
           <a:p>
-            <a:fld id="{55C6B4A9-1611-4792-9094-5F34BCA07E0B}" type="datetimeFigureOut">
+            <a:fld id="{9CC86301-F96E-4B69-AE42-C399F8E89E05}" type="datetime1">
               <a:rPr lang="en-US" smtClean="0"/>
-              <a:t>12/6/2018</a:t>
+              <a:t>12/7/2018</a:t>
             </a:fld>
             <a:endParaRPr lang="en-US" dirty="0"/>
           </a:p>
@@ -8853,10 +9302,9 @@
           <a:bodyPr/>
           <a:lstStyle/>
           <a:p>
-            <a:fld id="{B61BEF0D-F0BB-DE4B-95CE-6DB70DBA9567}" type="datetimeFigureOut">
+            <a:fld id="{32D932DA-9A5D-469C-9475-0399DE61B68C}" type="datetime1">
               <a:rPr lang="en-US" smtClean="0"/>
-              <a:pPr/>
-              <a:t>12/6/2018</a:t>
+              <a:t>12/7/2018</a:t>
             </a:fld>
             <a:endParaRPr lang="en-US" dirty="0"/>
           </a:p>
@@ -9031,10 +9479,9 @@
           <a:bodyPr/>
           <a:lstStyle/>
           <a:p>
-            <a:fld id="{B61BEF0D-F0BB-DE4B-95CE-6DB70DBA9567}" type="datetimeFigureOut">
+            <a:fld id="{DE65C72A-05ED-4229-9E42-4E517E648D86}" type="datetime1">
               <a:rPr lang="en-US" smtClean="0"/>
-              <a:pPr/>
-              <a:t>12/6/2018</a:t>
+              <a:t>12/7/2018</a:t>
             </a:fld>
             <a:endParaRPr lang="en-US" dirty="0"/>
           </a:p>
@@ -9280,10 +9727,9 @@
           <a:bodyPr/>
           <a:lstStyle/>
           <a:p>
-            <a:fld id="{B61BEF0D-F0BB-DE4B-95CE-6DB70DBA9567}" type="datetimeFigureOut">
+            <a:fld id="{7C936C0F-3DF3-47EB-9274-2EDF64910DDD}" type="datetime1">
               <a:rPr lang="en-US" smtClean="0"/>
-              <a:pPr/>
-              <a:t>12/6/2018</a:t>
+              <a:t>12/7/2018</a:t>
             </a:fld>
             <a:endParaRPr lang="en-US" dirty="0"/>
           </a:p>
@@ -9514,9 +9960,9 @@
           <a:bodyPr/>
           <a:lstStyle/>
           <a:p>
-            <a:fld id="{EB712588-04B1-427B-82EE-E8DB90309F08}" type="datetimeFigureOut">
+            <a:fld id="{452035E8-D134-4544-B813-5534FBF1E7C6}" type="datetime1">
               <a:rPr lang="en-US" smtClean="0"/>
-              <a:t>12/6/2018</a:t>
+              <a:t>12/7/2018</a:t>
             </a:fld>
             <a:endParaRPr lang="en-US" dirty="0"/>
           </a:p>
@@ -9888,10 +10334,9 @@
           <a:bodyPr/>
           <a:lstStyle/>
           <a:p>
-            <a:fld id="{B61BEF0D-F0BB-DE4B-95CE-6DB70DBA9567}" type="datetimeFigureOut">
+            <a:fld id="{6A96E64E-B90D-4D3F-806C-059CC0B9C41A}" type="datetime1">
               <a:rPr lang="en-US" smtClean="0"/>
-              <a:pPr/>
-              <a:t>12/6/2018</a:t>
+              <a:t>12/7/2018</a:t>
             </a:fld>
             <a:endParaRPr lang="en-US" dirty="0"/>
           </a:p>
@@ -10013,10 +10458,9 @@
           <a:bodyPr/>
           <a:lstStyle/>
           <a:p>
-            <a:fld id="{B61BEF0D-F0BB-DE4B-95CE-6DB70DBA9567}" type="datetimeFigureOut">
+            <a:fld id="{CBD78D26-719B-4E2D-82B4-0BF50FEDD771}" type="datetime1">
               <a:rPr lang="en-US" smtClean="0"/>
-              <a:pPr/>
-              <a:t>12/6/2018</a:t>
+              <a:t>12/7/2018</a:t>
             </a:fld>
             <a:endParaRPr lang="en-US" dirty="0"/>
           </a:p>
@@ -10110,10 +10554,9 @@
           <a:bodyPr/>
           <a:lstStyle/>
           <a:p>
-            <a:fld id="{B61BEF0D-F0BB-DE4B-95CE-6DB70DBA9567}" type="datetimeFigureOut">
+            <a:fld id="{BDB9D1E1-FD8F-4176-9247-039DA8C6DCC2}" type="datetime1">
               <a:rPr lang="en-US" smtClean="0"/>
-              <a:pPr/>
-              <a:t>12/6/2018</a:t>
+              <a:t>12/7/2018</a:t>
             </a:fld>
             <a:endParaRPr lang="en-US" dirty="0"/>
           </a:p>
@@ -10367,9 +10810,9 @@
           <a:bodyPr/>
           <a:lstStyle/>
           <a:p>
-            <a:fld id="{42A54C80-263E-416B-A8E0-580EDEADCBDC}" type="datetimeFigureOut">
+            <a:fld id="{506EE708-3607-4631-9CE3-92B8C0C911EE}" type="datetime1">
               <a:rPr lang="en-US" smtClean="0"/>
-              <a:t>12/6/2018</a:t>
+              <a:t>12/7/2018</a:t>
             </a:fld>
             <a:endParaRPr lang="en-US" dirty="0"/>
           </a:p>
@@ -10630,10 +11073,9 @@
           <a:bodyPr/>
           <a:lstStyle/>
           <a:p>
-            <a:fld id="{B61BEF0D-F0BB-DE4B-95CE-6DB70DBA9567}" type="datetimeFigureOut">
+            <a:fld id="{232847D2-CCAA-43B6-8A5D-DF911C56FB31}" type="datetime1">
               <a:rPr lang="en-US" smtClean="0"/>
-              <a:pPr/>
-              <a:t>12/6/2018</a:t>
+              <a:t>12/7/2018</a:t>
             </a:fld>
             <a:endParaRPr lang="en-US" dirty="0"/>
           </a:p>
@@ -11307,37 +11749,41 @@
           <a:p>
             <a:pPr lvl="0"/>
             <a:r>
-              <a:rPr lang="en-US" smtClean="0"/>
+              <a:rPr lang="en-US" dirty="0" smtClean="0"/>
               <a:t>Click to edit Master text styles</a:t>
             </a:r>
           </a:p>
           <a:p>
             <a:pPr lvl="1"/>
             <a:r>
-              <a:rPr lang="en-US" smtClean="0"/>
+              <a:rPr lang="en-US" dirty="0" smtClean="0"/>
               <a:t>Second level</a:t>
             </a:r>
           </a:p>
           <a:p>
             <a:pPr lvl="2"/>
             <a:r>
-              <a:rPr lang="en-US" smtClean="0"/>
+              <a:rPr lang="en-US" dirty="0" smtClean="0"/>
               <a:t>Third level</a:t>
             </a:r>
           </a:p>
           <a:p>
             <a:pPr lvl="3"/>
             <a:r>
-              <a:rPr lang="en-US" smtClean="0"/>
+              <a:rPr lang="en-US" dirty="0" smtClean="0"/>
               <a:t>Fourth level</a:t>
             </a:r>
           </a:p>
           <a:p>
             <a:pPr lvl="4"/>
             <a:r>
+              <a:rPr lang="en-US" dirty="0" smtClean="0"/>
+              <a:t>Fifth level</a:t>
+            </a:r>
+            <a:fld id="{116E28D2-D6CB-416F-9636-7FCDC11D7ACF}" type="slidenum">
               <a:rPr lang="en-US" smtClean="0"/>
-              <a:t>Fifth level</a:t>
-            </a:r>
+              <a:t>‹#›</a:t>
+            </a:fld>
             <a:endParaRPr lang="en-US" dirty="0"/>
           </a:p>
         </p:txBody>
@@ -11375,10 +11821,9 @@
             </a:lvl1pPr>
           </a:lstStyle>
           <a:p>
-            <a:fld id="{B61BEF0D-F0BB-DE4B-95CE-6DB70DBA9567}" type="datetimeFigureOut">
+            <a:fld id="{B106F585-E490-470B-B37D-C18B53E97DB9}" type="datetime1">
               <a:rPr lang="en-US" smtClean="0"/>
-              <a:pPr/>
-              <a:t>12/6/2018</a:t>
+              <a:t>12/7/2018</a:t>
             </a:fld>
             <a:endParaRPr lang="en-US" dirty="0"/>
           </a:p>
@@ -11444,19 +11889,18 @@
           <a:bodyPr vert="horz" lIns="91440" tIns="45720" rIns="91440" bIns="45720" rtlCol="0" anchor="ctr"/>
           <a:lstStyle>
             <a:lvl1pPr algn="r">
-              <a:defRPr sz="900">
-                <a:solidFill>
-                  <a:schemeClr val="accent1"/>
+              <a:defRPr sz="3000">
+                <a:solidFill>
+                  <a:schemeClr val="tx1"/>
                 </a:solidFill>
               </a:defRPr>
             </a:lvl1pPr>
           </a:lstStyle>
           <a:p>
-            <a:fld id="{D57F1E4F-1CFF-5643-939E-217C01CDF565}" type="slidenum">
-              <a:rPr lang="en-US" smtClean="0"/>
-              <a:pPr/>
-              <a:t>‹#›</a:t>
-            </a:fld>
+            <a:r>
+              <a:rPr lang="en-US" dirty="0" smtClean="0"/>
+              <a:t>1</a:t>
+            </a:r>
             <a:endParaRPr lang="en-US" dirty="0"/>
           </a:p>
         </p:txBody>
@@ -11487,6 +11931,14 @@
     <p:sldLayoutId id="2147483695" r:id="rId15"/>
     <p:sldLayoutId id="2147483696" r:id="rId16"/>
   </p:sldLayoutIdLst>
+  <p:timing>
+    <p:tnLst>
+      <p:par>
+        <p:cTn id="1" dur="indefinite" restart="never" nodeType="tmRoot"/>
+      </p:par>
+    </p:tnLst>
+  </p:timing>
+  <p:hf hdr="0" ftr="0" dt="0"/>
   <p:txStyles>
     <p:titleStyle>
       <a:lvl1pPr algn="l" defTabSz="457200" rtl="0" eaLnBrk="1" latinLnBrk="0" hangingPunct="1">
@@ -11892,7 +12344,7 @@
     <p:bg>
       <p:bgPr>
         <a:blipFill dpi="0" rotWithShape="1">
-          <a:blip r:embed="rId2">
+          <a:blip r:embed="rId3">
             <a:lum/>
           </a:blip>
           <a:srcRect/>
@@ -12319,6 +12771,30 @@
           </a:p>
         </p:txBody>
       </p:sp>
+      <p:sp>
+        <p:nvSpPr>
+          <p:cNvPr id="6" name="Slide Number Placeholder 5"/>
+          <p:cNvSpPr>
+            <a:spLocks noGrp="1"/>
+          </p:cNvSpPr>
+          <p:nvPr>
+            <p:ph type="sldNum" sz="quarter" idx="12"/>
+          </p:nvPr>
+        </p:nvSpPr>
+        <p:spPr/>
+        <p:txBody>
+          <a:bodyPr/>
+          <a:lstStyle/>
+          <a:p>
+            <a:fld id="{D57F1E4F-1CFF-5643-939E-217C01CDF565}" type="slidenum">
+              <a:rPr lang="en-US" smtClean="0"/>
+              <a:pPr/>
+              <a:t>1</a:t>
+            </a:fld>
+            <a:endParaRPr lang="en-US" dirty="0"/>
+          </a:p>
+        </p:txBody>
+      </p:sp>
     </p:spTree>
     <p:extLst>
       <p:ext uri="{BB962C8B-B14F-4D97-AF65-F5344CB8AC3E}">
@@ -12329,11 +12805,11 @@
   <p:clrMapOvr>
     <a:masterClrMapping/>
   </p:clrMapOvr>
-  <mc:AlternateContent xmlns:mc="http://schemas.openxmlformats.org/markup-compatibility/2006">
-    <mc:Choice xmlns:p14="http://schemas.microsoft.com/office/powerpoint/2010/main" Requires="p14">
-      <p:transition p14:dur="0"/>
+  <mc:AlternateContent xmlns:mc="http://schemas.openxmlformats.org/markup-compatibility/2006" xmlns:p14="http://schemas.microsoft.com/office/powerpoint/2010/main">
+    <mc:Choice Requires="p14">
+      <p:transition p14:dur="10"/>
     </mc:Choice>
-    <mc:Fallback>
+    <mc:Fallback xmlns="">
       <p:transition/>
     </mc:Fallback>
   </mc:AlternateContent>
@@ -12630,16 +13106,19 @@
         </p:nvSpPr>
         <p:spPr>
           <a:xfrm>
-            <a:off x="5020055" y="676656"/>
-            <a:ext cx="2276857" cy="1170432"/>
+            <a:off x="4387072" y="625886"/>
+            <a:ext cx="3098042" cy="1170432"/>
           </a:xfrm>
         </p:spPr>
         <p:txBody>
-          <a:bodyPr/>
+          <a:bodyPr>
+            <a:noAutofit/>
+          </a:bodyPr>
           <a:lstStyle/>
           <a:p>
-            <a:r>
-              <a:rPr lang="en-US" b="1" dirty="0" err="1" smtClean="0">
+            <a:pPr algn="ctr"/>
+            <a:r>
+              <a:rPr lang="en-US" sz="5000" b="1" dirty="0" err="1" smtClean="0">
                 <a:solidFill>
                   <a:srgbClr val="002060"/>
                 </a:solidFill>
@@ -12649,7 +13128,7 @@
               <a:t>Nét</a:t>
             </a:r>
             <a:r>
-              <a:rPr lang="en-US" b="1" dirty="0" smtClean="0">
+              <a:rPr lang="en-US" sz="5000" b="1" dirty="0" smtClean="0">
                 <a:solidFill>
                   <a:srgbClr val="002060"/>
                 </a:solidFill>
@@ -12659,7 +13138,7 @@
               <a:t> </a:t>
             </a:r>
             <a:r>
-              <a:rPr lang="en-US" b="1" dirty="0" err="1" smtClean="0">
+              <a:rPr lang="en-US" sz="5000" b="1" dirty="0" err="1" smtClean="0">
                 <a:solidFill>
                   <a:srgbClr val="002060"/>
                 </a:solidFill>
@@ -12668,7 +13147,7 @@
               </a:rPr>
               <a:t>mới</a:t>
             </a:r>
-            <a:endParaRPr lang="en-US" b="1" dirty="0">
+            <a:endParaRPr lang="en-US" sz="5000" b="1" dirty="0">
               <a:solidFill>
                 <a:srgbClr val="002060"/>
               </a:solidFill>
@@ -12730,7 +13209,7 @@
         </p:nvSpPr>
         <p:spPr>
           <a:xfrm>
-            <a:off x="1248970" y="4179976"/>
+            <a:off x="1201403" y="4111167"/>
             <a:ext cx="8596668" cy="1513914"/>
           </a:xfrm>
         </p:spPr>
@@ -12806,7 +13285,7 @@
         </p:blipFill>
         <p:spPr>
           <a:xfrm>
-            <a:off x="3740783" y="2087299"/>
+            <a:off x="3552580" y="1970054"/>
             <a:ext cx="7488663" cy="1295209"/>
           </a:xfrm>
           <a:prstGeom prst="rect">
@@ -12830,7 +13309,7 @@
         </p:blipFill>
         <p:spPr>
           <a:xfrm>
-            <a:off x="3740783" y="4761939"/>
+            <a:off x="3552580" y="4868124"/>
             <a:ext cx="7112258" cy="931951"/>
           </a:xfrm>
           <a:prstGeom prst="rect">
@@ -12838,6 +13317,30 @@
           </a:prstGeom>
         </p:spPr>
       </p:pic>
+      <p:sp>
+        <p:nvSpPr>
+          <p:cNvPr id="5" name="Slide Number Placeholder 4"/>
+          <p:cNvSpPr>
+            <a:spLocks noGrp="1"/>
+          </p:cNvSpPr>
+          <p:nvPr>
+            <p:ph type="sldNum" sz="quarter" idx="12"/>
+          </p:nvPr>
+        </p:nvSpPr>
+        <p:spPr/>
+        <p:txBody>
+          <a:bodyPr/>
+          <a:lstStyle/>
+          <a:p>
+            <a:fld id="{D57F1E4F-1CFF-5643-939E-217C01CDF565}" type="slidenum">
+              <a:rPr lang="en-US" smtClean="0"/>
+              <a:pPr/>
+              <a:t>10</a:t>
+            </a:fld>
+            <a:endParaRPr lang="en-US" dirty="0"/>
+          </a:p>
+        </p:txBody>
+      </p:sp>
     </p:spTree>
     <p:extLst>
       <p:ext uri="{BB962C8B-B14F-4D97-AF65-F5344CB8AC3E}">
@@ -12848,13 +13351,13 @@
   <p:clrMapOvr>
     <a:masterClrMapping/>
   </p:clrMapOvr>
-  <mc:AlternateContent xmlns:mc="http://schemas.openxmlformats.org/markup-compatibility/2006">
-    <mc:Choice xmlns:p14="http://schemas.microsoft.com/office/powerpoint/2010/main" Requires="p14">
+  <mc:AlternateContent xmlns:mc="http://schemas.openxmlformats.org/markup-compatibility/2006" xmlns:p14="http://schemas.microsoft.com/office/powerpoint/2010/main">
+    <mc:Choice Requires="p14">
       <p:transition spd="slow" p14:dur="900">
         <p14:warp dir="in"/>
       </p:transition>
     </mc:Choice>
-    <mc:Fallback>
+    <mc:Fallback xmlns="">
       <p:transition spd="slow">
         <p:fade/>
       </p:transition>
@@ -13302,6 +13805,3435 @@
 </file>
 
 <file path=ppt/slides/slide11.xml><?xml version="1.0" encoding="utf-8"?>
+<p:sld xmlns:a="http://schemas.openxmlformats.org/drawingml/2006/main" xmlns:r="http://schemas.openxmlformats.org/officeDocument/2006/relationships" xmlns:p="http://schemas.openxmlformats.org/presentationml/2006/main" showMasterSp="0">
+  <p:cSld>
+    <p:bg>
+      <p:bgPr>
+        <a:blipFill dpi="0" rotWithShape="1">
+          <a:blip r:embed="rId2">
+            <a:lum/>
+          </a:blip>
+          <a:srcRect/>
+          <a:stretch>
+            <a:fillRect t="-9000" b="-9000"/>
+          </a:stretch>
+        </a:blipFill>
+        <a:effectLst/>
+      </p:bgPr>
+    </p:bg>
+    <p:spTree>
+      <p:nvGrpSpPr>
+        <p:cNvPr id="1" name=""/>
+        <p:cNvGrpSpPr/>
+        <p:nvPr/>
+      </p:nvGrpSpPr>
+      <p:grpSpPr>
+        <a:xfrm>
+          <a:off x="0" y="0"/>
+          <a:ext cx="0" cy="0"/>
+          <a:chOff x="0" y="0"/>
+          <a:chExt cx="0" cy="0"/>
+        </a:xfrm>
+      </p:grpSpPr>
+      <p:sp>
+        <p:nvSpPr>
+          <p:cNvPr id="2" name="Title 1"/>
+          <p:cNvSpPr>
+            <a:spLocks noGrp="1"/>
+          </p:cNvSpPr>
+          <p:nvPr>
+            <p:ph type="title"/>
+          </p:nvPr>
+        </p:nvSpPr>
+        <p:spPr>
+          <a:xfrm>
+            <a:off x="2541237" y="897198"/>
+            <a:ext cx="6738583" cy="1273791"/>
+          </a:xfrm>
+        </p:spPr>
+        <p:txBody>
+          <a:bodyPr>
+            <a:normAutofit/>
+          </a:bodyPr>
+          <a:lstStyle/>
+          <a:p>
+            <a:pPr algn="ctr"/>
+            <a:r>
+              <a:rPr lang="en-US" sz="4800" dirty="0" err="1" smtClean="0">
+                <a:solidFill>
+                  <a:schemeClr val="bg1"/>
+                </a:solidFill>
+                <a:latin typeface="Times New Roman" panose="02020603050405020304" pitchFamily="18" charset="0"/>
+                <a:cs typeface="Times New Roman" panose="02020603050405020304" pitchFamily="18" charset="0"/>
+              </a:rPr>
+              <a:t>Kiểm</a:t>
+            </a:r>
+            <a:r>
+              <a:rPr lang="en-US" sz="4800" dirty="0" smtClean="0">
+                <a:solidFill>
+                  <a:schemeClr val="bg1"/>
+                </a:solidFill>
+                <a:latin typeface="Times New Roman" panose="02020603050405020304" pitchFamily="18" charset="0"/>
+                <a:cs typeface="Times New Roman" panose="02020603050405020304" pitchFamily="18" charset="0"/>
+              </a:rPr>
+              <a:t> </a:t>
+            </a:r>
+            <a:r>
+              <a:rPr lang="en-US" sz="4800" dirty="0" err="1" smtClean="0">
+                <a:solidFill>
+                  <a:schemeClr val="bg1"/>
+                </a:solidFill>
+                <a:latin typeface="Times New Roman" panose="02020603050405020304" pitchFamily="18" charset="0"/>
+                <a:cs typeface="Times New Roman" panose="02020603050405020304" pitchFamily="18" charset="0"/>
+              </a:rPr>
+              <a:t>tra</a:t>
+            </a:r>
+            <a:r>
+              <a:rPr lang="en-US" sz="4800" dirty="0" smtClean="0">
+                <a:solidFill>
+                  <a:schemeClr val="bg1"/>
+                </a:solidFill>
+                <a:latin typeface="Times New Roman" panose="02020603050405020304" pitchFamily="18" charset="0"/>
+                <a:cs typeface="Times New Roman" panose="02020603050405020304" pitchFamily="18" charset="0"/>
+              </a:rPr>
+              <a:t> </a:t>
+            </a:r>
+            <a:r>
+              <a:rPr lang="en-US" sz="4800" dirty="0" err="1" smtClean="0">
+                <a:solidFill>
+                  <a:schemeClr val="bg1"/>
+                </a:solidFill>
+                <a:latin typeface="Times New Roman" panose="02020603050405020304" pitchFamily="18" charset="0"/>
+                <a:cs typeface="Times New Roman" panose="02020603050405020304" pitchFamily="18" charset="0"/>
+              </a:rPr>
+              <a:t>lỗi</a:t>
+            </a:r>
+            <a:r>
+              <a:rPr lang="en-US" sz="4800" dirty="0" smtClean="0">
+                <a:solidFill>
+                  <a:schemeClr val="bg1"/>
+                </a:solidFill>
+                <a:latin typeface="Times New Roman" panose="02020603050405020304" pitchFamily="18" charset="0"/>
+                <a:cs typeface="Times New Roman" panose="02020603050405020304" pitchFamily="18" charset="0"/>
+              </a:rPr>
+              <a:t> (Validation)</a:t>
+            </a:r>
+            <a:endParaRPr lang="en-US" sz="4800" dirty="0">
+              <a:solidFill>
+                <a:schemeClr val="bg1"/>
+              </a:solidFill>
+              <a:latin typeface="Times New Roman" panose="02020603050405020304" pitchFamily="18" charset="0"/>
+              <a:cs typeface="Times New Roman" panose="02020603050405020304" pitchFamily="18" charset="0"/>
+            </a:endParaRPr>
+          </a:p>
+        </p:txBody>
+      </p:sp>
+      <p:sp>
+        <p:nvSpPr>
+          <p:cNvPr id="5" name="Slide Number Placeholder 4"/>
+          <p:cNvSpPr>
+            <a:spLocks noGrp="1"/>
+          </p:cNvSpPr>
+          <p:nvPr>
+            <p:ph type="sldNum" sz="quarter" idx="12"/>
+          </p:nvPr>
+        </p:nvSpPr>
+        <p:spPr/>
+        <p:txBody>
+          <a:bodyPr/>
+          <a:lstStyle/>
+          <a:p>
+            <a:fld id="{D57F1E4F-1CFF-5643-939E-217C01CDF565}" type="slidenum">
+              <a:rPr lang="en-US" smtClean="0"/>
+              <a:pPr/>
+              <a:t>11</a:t>
+            </a:fld>
+            <a:endParaRPr lang="en-US" dirty="0"/>
+          </a:p>
+        </p:txBody>
+      </p:sp>
+      <p:pic>
+        <p:nvPicPr>
+          <p:cNvPr id="7" name="Picture 6"/>
+          <p:cNvPicPr>
+            <a:picLocks noChangeAspect="1"/>
+          </p:cNvPicPr>
+          <p:nvPr/>
+        </p:nvPicPr>
+        <p:blipFill>
+          <a:blip r:embed="rId3"/>
+          <a:stretch>
+            <a:fillRect/>
+          </a:stretch>
+        </p:blipFill>
+        <p:spPr>
+          <a:xfrm>
+            <a:off x="4166459" y="2606833"/>
+            <a:ext cx="3357872" cy="2905125"/>
+          </a:xfrm>
+          <a:prstGeom prst="rect">
+            <a:avLst/>
+          </a:prstGeom>
+        </p:spPr>
+      </p:pic>
+    </p:spTree>
+    <p:extLst>
+      <p:ext uri="{BB962C8B-B14F-4D97-AF65-F5344CB8AC3E}">
+        <p14:creationId xmlns:p14="http://schemas.microsoft.com/office/powerpoint/2010/main" val="2235035348"/>
+      </p:ext>
+    </p:extLst>
+  </p:cSld>
+  <p:clrMapOvr>
+    <a:masterClrMapping/>
+  </p:clrMapOvr>
+  <mc:AlternateContent xmlns:mc="http://schemas.openxmlformats.org/markup-compatibility/2006" xmlns:p15="http://schemas.microsoft.com/office/powerpoint/2012/main">
+    <mc:Choice Requires="p15">
+      <p:transition xmlns:p14="http://schemas.microsoft.com/office/powerpoint/2010/main" spd="slow" p14:dur="2000">
+        <p15:prstTrans prst="crush"/>
+      </p:transition>
+    </mc:Choice>
+    <mc:Fallback xmlns="">
+      <p:transition spd="slow">
+        <p:fade/>
+      </p:transition>
+    </mc:Fallback>
+  </mc:AlternateContent>
+  <p:timing>
+    <p:tnLst>
+      <p:par>
+        <p:cTn id="1" dur="indefinite" restart="never" nodeType="tmRoot">
+          <p:childTnLst>
+            <p:seq concurrent="1" nextAc="seek">
+              <p:cTn id="2" dur="indefinite" nodeType="mainSeq">
+                <p:childTnLst>
+                  <p:par>
+                    <p:cTn id="3" fill="hold">
+                      <p:stCondLst>
+                        <p:cond delay="indefinite"/>
+                      </p:stCondLst>
+                      <p:childTnLst>
+                        <p:par>
+                          <p:cTn id="4" fill="hold">
+                            <p:stCondLst>
+                              <p:cond delay="0"/>
+                            </p:stCondLst>
+                            <p:childTnLst>
+                              <p:par>
+                                <p:cTn id="5" presetID="14" presetClass="entr" presetSubtype="10" fill="hold" nodeType="clickEffect">
+                                  <p:stCondLst>
+                                    <p:cond delay="0"/>
+                                  </p:stCondLst>
+                                  <p:childTnLst>
+                                    <p:set>
+                                      <p:cBhvr>
+                                        <p:cTn id="6" dur="1" fill="hold">
+                                          <p:stCondLst>
+                                            <p:cond delay="0"/>
+                                          </p:stCondLst>
+                                        </p:cTn>
+                                        <p:tgtEl>
+                                          <p:spTgt spid="7"/>
+                                        </p:tgtEl>
+                                        <p:attrNameLst>
+                                          <p:attrName>style.visibility</p:attrName>
+                                        </p:attrNameLst>
+                                      </p:cBhvr>
+                                      <p:to>
+                                        <p:strVal val="visible"/>
+                                      </p:to>
+                                    </p:set>
+                                    <p:animEffect transition="in" filter="randombar(horizontal)">
+                                      <p:cBhvr>
+                                        <p:cTn id="7" dur="500"/>
+                                        <p:tgtEl>
+                                          <p:spTgt spid="7"/>
+                                        </p:tgtEl>
+                                      </p:cBhvr>
+                                    </p:animEffect>
+                                  </p:childTnLst>
+                                </p:cTn>
+                              </p:par>
+                            </p:childTnLst>
+                          </p:cTn>
+                        </p:par>
+                      </p:childTnLst>
+                    </p:cTn>
+                  </p:par>
+                </p:childTnLst>
+              </p:cTn>
+              <p:prevCondLst>
+                <p:cond evt="onPrev" delay="0">
+                  <p:tgtEl>
+                    <p:sldTgt/>
+                  </p:tgtEl>
+                </p:cond>
+              </p:prevCondLst>
+              <p:nextCondLst>
+                <p:cond evt="onNext" delay="0">
+                  <p:tgtEl>
+                    <p:sldTgt/>
+                  </p:tgtEl>
+                </p:cond>
+              </p:nextCondLst>
+            </p:seq>
+          </p:childTnLst>
+        </p:cTn>
+      </p:par>
+    </p:tnLst>
+  </p:timing>
+</p:sld>
+</file>
+
+<file path=ppt/slides/slide12.xml><?xml version="1.0" encoding="utf-8"?>
+<p:sld xmlns:a="http://schemas.openxmlformats.org/drawingml/2006/main" xmlns:r="http://schemas.openxmlformats.org/officeDocument/2006/relationships" xmlns:p="http://schemas.openxmlformats.org/presentationml/2006/main" showMasterSp="0">
+  <p:cSld>
+    <p:spTree>
+      <p:nvGrpSpPr>
+        <p:cNvPr id="1" name=""/>
+        <p:cNvGrpSpPr/>
+        <p:nvPr/>
+      </p:nvGrpSpPr>
+      <p:grpSpPr>
+        <a:xfrm>
+          <a:off x="0" y="0"/>
+          <a:ext cx="0" cy="0"/>
+          <a:chOff x="0" y="0"/>
+          <a:chExt cx="0" cy="0"/>
+        </a:xfrm>
+      </p:grpSpPr>
+      <p:sp>
+        <p:nvSpPr>
+          <p:cNvPr id="2" name="Title 1"/>
+          <p:cNvSpPr>
+            <a:spLocks noGrp="1"/>
+          </p:cNvSpPr>
+          <p:nvPr>
+            <p:ph type="title"/>
+          </p:nvPr>
+        </p:nvSpPr>
+        <p:spPr/>
+        <p:txBody>
+          <a:bodyPr/>
+          <a:lstStyle/>
+          <a:p>
+            <a:endParaRPr lang="en-US"/>
+          </a:p>
+        </p:txBody>
+      </p:sp>
+      <p:sp>
+        <p:nvSpPr>
+          <p:cNvPr id="3" name="Text Placeholder 2"/>
+          <p:cNvSpPr>
+            <a:spLocks noGrp="1"/>
+          </p:cNvSpPr>
+          <p:nvPr>
+            <p:ph type="body" sz="quarter" idx="13"/>
+          </p:nvPr>
+        </p:nvSpPr>
+        <p:spPr/>
+        <p:txBody>
+          <a:bodyPr/>
+          <a:lstStyle/>
+          <a:p>
+            <a:endParaRPr lang="en-US"/>
+          </a:p>
+        </p:txBody>
+      </p:sp>
+      <p:sp>
+        <p:nvSpPr>
+          <p:cNvPr id="4" name="Text Placeholder 3"/>
+          <p:cNvSpPr>
+            <a:spLocks noGrp="1"/>
+          </p:cNvSpPr>
+          <p:nvPr>
+            <p:ph type="body" idx="1"/>
+          </p:nvPr>
+        </p:nvSpPr>
+        <p:spPr/>
+        <p:txBody>
+          <a:bodyPr/>
+          <a:lstStyle/>
+          <a:p>
+            <a:endParaRPr lang="en-US"/>
+          </a:p>
+        </p:txBody>
+      </p:sp>
+      <p:sp>
+        <p:nvSpPr>
+          <p:cNvPr id="5" name="Slide Number Placeholder 4"/>
+          <p:cNvSpPr>
+            <a:spLocks noGrp="1"/>
+          </p:cNvSpPr>
+          <p:nvPr>
+            <p:ph type="sldNum" sz="quarter" idx="12"/>
+          </p:nvPr>
+        </p:nvSpPr>
+        <p:spPr/>
+        <p:txBody>
+          <a:bodyPr/>
+          <a:lstStyle/>
+          <a:p>
+            <a:fld id="{D57F1E4F-1CFF-5643-939E-217C01CDF565}" type="slidenum">
+              <a:rPr lang="en-US" smtClean="0"/>
+              <a:pPr/>
+              <a:t>12</a:t>
+            </a:fld>
+            <a:endParaRPr lang="en-US" dirty="0"/>
+          </a:p>
+        </p:txBody>
+      </p:sp>
+      <p:pic>
+        <p:nvPicPr>
+          <p:cNvPr id="6" name="Picture 5"/>
+          <p:cNvPicPr>
+            <a:picLocks noChangeAspect="1"/>
+          </p:cNvPicPr>
+          <p:nvPr/>
+        </p:nvPicPr>
+        <p:blipFill>
+          <a:blip r:embed="rId2">
+            <a:extLst>
+              <a:ext uri="{28A0092B-C50C-407E-A947-70E740481C1C}">
+                <a14:useLocalDpi xmlns:a14="http://schemas.microsoft.com/office/drawing/2010/main" val="0"/>
+              </a:ext>
+            </a:extLst>
+          </a:blip>
+          <a:stretch>
+            <a:fillRect/>
+          </a:stretch>
+        </p:blipFill>
+        <p:spPr>
+          <a:xfrm>
+            <a:off x="0" y="177797"/>
+            <a:ext cx="12192000" cy="6497640"/>
+          </a:xfrm>
+          <a:prstGeom prst="rect">
+            <a:avLst/>
+          </a:prstGeom>
+        </p:spPr>
+      </p:pic>
+      <p:pic>
+        <p:nvPicPr>
+          <p:cNvPr id="7" name="Picture 6"/>
+          <p:cNvPicPr>
+            <a:picLocks noChangeAspect="1"/>
+          </p:cNvPicPr>
+          <p:nvPr/>
+        </p:nvPicPr>
+        <p:blipFill>
+          <a:blip r:embed="rId3">
+            <a:extLst>
+              <a:ext uri="{28A0092B-C50C-407E-A947-70E740481C1C}">
+                <a14:useLocalDpi xmlns:a14="http://schemas.microsoft.com/office/drawing/2010/main" val="0"/>
+              </a:ext>
+            </a:extLst>
+          </a:blip>
+          <a:stretch>
+            <a:fillRect/>
+          </a:stretch>
+        </p:blipFill>
+        <p:spPr>
+          <a:xfrm>
+            <a:off x="0" y="180180"/>
+            <a:ext cx="12192000" cy="6497640"/>
+          </a:xfrm>
+          <a:prstGeom prst="rect">
+            <a:avLst/>
+          </a:prstGeom>
+        </p:spPr>
+      </p:pic>
+      <p:pic>
+        <p:nvPicPr>
+          <p:cNvPr id="8" name="Picture 7"/>
+          <p:cNvPicPr>
+            <a:picLocks noChangeAspect="1"/>
+          </p:cNvPicPr>
+          <p:nvPr/>
+        </p:nvPicPr>
+        <p:blipFill>
+          <a:blip r:embed="rId4"/>
+          <a:stretch>
+            <a:fillRect/>
+          </a:stretch>
+        </p:blipFill>
+        <p:spPr>
+          <a:xfrm>
+            <a:off x="31088" y="175414"/>
+            <a:ext cx="12129824" cy="6500023"/>
+          </a:xfrm>
+          <a:prstGeom prst="rect">
+            <a:avLst/>
+          </a:prstGeom>
+        </p:spPr>
+      </p:pic>
+    </p:spTree>
+    <p:extLst>
+      <p:ext uri="{BB962C8B-B14F-4D97-AF65-F5344CB8AC3E}">
+        <p14:creationId xmlns:p14="http://schemas.microsoft.com/office/powerpoint/2010/main" val="584364590"/>
+      </p:ext>
+    </p:extLst>
+  </p:cSld>
+  <p:clrMapOvr>
+    <a:masterClrMapping/>
+  </p:clrMapOvr>
+  <mc:AlternateContent xmlns:mc="http://schemas.openxmlformats.org/markup-compatibility/2006" xmlns:p15="http://schemas.microsoft.com/office/powerpoint/2012/main">
+    <mc:Choice Requires="p15">
+      <p:transition xmlns:p14="http://schemas.microsoft.com/office/powerpoint/2010/main" spd="slow" p14:dur="2000">
+        <p15:prstTrans prst="wind"/>
+      </p:transition>
+    </mc:Choice>
+    <mc:Fallback xmlns="">
+      <p:transition spd="slow">
+        <p:fade/>
+      </p:transition>
+    </mc:Fallback>
+  </mc:AlternateContent>
+  <p:timing>
+    <p:tnLst>
+      <p:par>
+        <p:cTn id="1" dur="indefinite" restart="never" nodeType="tmRoot">
+          <p:childTnLst>
+            <p:seq concurrent="1" nextAc="seek">
+              <p:cTn id="2" dur="indefinite" nodeType="mainSeq">
+                <p:childTnLst>
+                  <p:par>
+                    <p:cTn id="3" fill="hold">
+                      <p:stCondLst>
+                        <p:cond delay="indefinite"/>
+                      </p:stCondLst>
+                      <p:childTnLst>
+                        <p:par>
+                          <p:cTn id="4" fill="hold">
+                            <p:stCondLst>
+                              <p:cond delay="0"/>
+                            </p:stCondLst>
+                            <p:childTnLst>
+                              <p:par>
+                                <p:cTn id="5" presetID="16" presetClass="entr" presetSubtype="21" fill="hold" nodeType="clickEffect">
+                                  <p:stCondLst>
+                                    <p:cond delay="0"/>
+                                  </p:stCondLst>
+                                  <p:childTnLst>
+                                    <p:set>
+                                      <p:cBhvr>
+                                        <p:cTn id="6" dur="1" fill="hold">
+                                          <p:stCondLst>
+                                            <p:cond delay="0"/>
+                                          </p:stCondLst>
+                                        </p:cTn>
+                                        <p:tgtEl>
+                                          <p:spTgt spid="6"/>
+                                        </p:tgtEl>
+                                        <p:attrNameLst>
+                                          <p:attrName>style.visibility</p:attrName>
+                                        </p:attrNameLst>
+                                      </p:cBhvr>
+                                      <p:to>
+                                        <p:strVal val="visible"/>
+                                      </p:to>
+                                    </p:set>
+                                    <p:animEffect transition="in" filter="barn(inVertical)">
+                                      <p:cBhvr>
+                                        <p:cTn id="7" dur="500"/>
+                                        <p:tgtEl>
+                                          <p:spTgt spid="6"/>
+                                        </p:tgtEl>
+                                      </p:cBhvr>
+                                    </p:animEffect>
+                                  </p:childTnLst>
+                                </p:cTn>
+                              </p:par>
+                            </p:childTnLst>
+                          </p:cTn>
+                        </p:par>
+                      </p:childTnLst>
+                    </p:cTn>
+                  </p:par>
+                  <p:par>
+                    <p:cTn id="8" fill="hold">
+                      <p:stCondLst>
+                        <p:cond delay="indefinite"/>
+                      </p:stCondLst>
+                      <p:childTnLst>
+                        <p:par>
+                          <p:cTn id="9" fill="hold">
+                            <p:stCondLst>
+                              <p:cond delay="0"/>
+                            </p:stCondLst>
+                            <p:childTnLst>
+                              <p:par>
+                                <p:cTn id="10" presetID="16" presetClass="exit" presetSubtype="21" fill="hold" nodeType="clickEffect">
+                                  <p:stCondLst>
+                                    <p:cond delay="0"/>
+                                  </p:stCondLst>
+                                  <p:childTnLst>
+                                    <p:animEffect transition="out" filter="barn(inVertical)">
+                                      <p:cBhvr>
+                                        <p:cTn id="11" dur="500"/>
+                                        <p:tgtEl>
+                                          <p:spTgt spid="6"/>
+                                        </p:tgtEl>
+                                      </p:cBhvr>
+                                    </p:animEffect>
+                                    <p:set>
+                                      <p:cBhvr>
+                                        <p:cTn id="12" dur="1" fill="hold">
+                                          <p:stCondLst>
+                                            <p:cond delay="499"/>
+                                          </p:stCondLst>
+                                        </p:cTn>
+                                        <p:tgtEl>
+                                          <p:spTgt spid="6"/>
+                                        </p:tgtEl>
+                                        <p:attrNameLst>
+                                          <p:attrName>style.visibility</p:attrName>
+                                        </p:attrNameLst>
+                                      </p:cBhvr>
+                                      <p:to>
+                                        <p:strVal val="hidden"/>
+                                      </p:to>
+                                    </p:set>
+                                  </p:childTnLst>
+                                </p:cTn>
+                              </p:par>
+                            </p:childTnLst>
+                          </p:cTn>
+                        </p:par>
+                      </p:childTnLst>
+                    </p:cTn>
+                  </p:par>
+                  <p:par>
+                    <p:cTn id="13" fill="hold">
+                      <p:stCondLst>
+                        <p:cond delay="indefinite"/>
+                      </p:stCondLst>
+                      <p:childTnLst>
+                        <p:par>
+                          <p:cTn id="14" fill="hold">
+                            <p:stCondLst>
+                              <p:cond delay="0"/>
+                            </p:stCondLst>
+                            <p:childTnLst>
+                              <p:par>
+                                <p:cTn id="15" presetID="16" presetClass="entr" presetSubtype="21" fill="hold" nodeType="clickEffect">
+                                  <p:stCondLst>
+                                    <p:cond delay="0"/>
+                                  </p:stCondLst>
+                                  <p:childTnLst>
+                                    <p:set>
+                                      <p:cBhvr>
+                                        <p:cTn id="16" dur="1" fill="hold">
+                                          <p:stCondLst>
+                                            <p:cond delay="0"/>
+                                          </p:stCondLst>
+                                        </p:cTn>
+                                        <p:tgtEl>
+                                          <p:spTgt spid="7"/>
+                                        </p:tgtEl>
+                                        <p:attrNameLst>
+                                          <p:attrName>style.visibility</p:attrName>
+                                        </p:attrNameLst>
+                                      </p:cBhvr>
+                                      <p:to>
+                                        <p:strVal val="visible"/>
+                                      </p:to>
+                                    </p:set>
+                                    <p:animEffect transition="in" filter="barn(inVertical)">
+                                      <p:cBhvr>
+                                        <p:cTn id="17" dur="500"/>
+                                        <p:tgtEl>
+                                          <p:spTgt spid="7"/>
+                                        </p:tgtEl>
+                                      </p:cBhvr>
+                                    </p:animEffect>
+                                  </p:childTnLst>
+                                </p:cTn>
+                              </p:par>
+                            </p:childTnLst>
+                          </p:cTn>
+                        </p:par>
+                      </p:childTnLst>
+                    </p:cTn>
+                  </p:par>
+                  <p:par>
+                    <p:cTn id="18" fill="hold">
+                      <p:stCondLst>
+                        <p:cond delay="indefinite"/>
+                      </p:stCondLst>
+                      <p:childTnLst>
+                        <p:par>
+                          <p:cTn id="19" fill="hold">
+                            <p:stCondLst>
+                              <p:cond delay="0"/>
+                            </p:stCondLst>
+                            <p:childTnLst>
+                              <p:par>
+                                <p:cTn id="20" presetID="16" presetClass="exit" presetSubtype="21" fill="hold" nodeType="clickEffect">
+                                  <p:stCondLst>
+                                    <p:cond delay="0"/>
+                                  </p:stCondLst>
+                                  <p:childTnLst>
+                                    <p:animEffect transition="out" filter="barn(inVertical)">
+                                      <p:cBhvr>
+                                        <p:cTn id="21" dur="500"/>
+                                        <p:tgtEl>
+                                          <p:spTgt spid="7"/>
+                                        </p:tgtEl>
+                                      </p:cBhvr>
+                                    </p:animEffect>
+                                    <p:set>
+                                      <p:cBhvr>
+                                        <p:cTn id="22" dur="1" fill="hold">
+                                          <p:stCondLst>
+                                            <p:cond delay="499"/>
+                                          </p:stCondLst>
+                                        </p:cTn>
+                                        <p:tgtEl>
+                                          <p:spTgt spid="7"/>
+                                        </p:tgtEl>
+                                        <p:attrNameLst>
+                                          <p:attrName>style.visibility</p:attrName>
+                                        </p:attrNameLst>
+                                      </p:cBhvr>
+                                      <p:to>
+                                        <p:strVal val="hidden"/>
+                                      </p:to>
+                                    </p:set>
+                                  </p:childTnLst>
+                                </p:cTn>
+                              </p:par>
+                            </p:childTnLst>
+                          </p:cTn>
+                        </p:par>
+                      </p:childTnLst>
+                    </p:cTn>
+                  </p:par>
+                  <p:par>
+                    <p:cTn id="23" fill="hold">
+                      <p:stCondLst>
+                        <p:cond delay="indefinite"/>
+                      </p:stCondLst>
+                      <p:childTnLst>
+                        <p:par>
+                          <p:cTn id="24" fill="hold">
+                            <p:stCondLst>
+                              <p:cond delay="0"/>
+                            </p:stCondLst>
+                            <p:childTnLst>
+                              <p:par>
+                                <p:cTn id="25" presetID="42" presetClass="entr" presetSubtype="0" fill="hold" nodeType="clickEffect">
+                                  <p:stCondLst>
+                                    <p:cond delay="0"/>
+                                  </p:stCondLst>
+                                  <p:childTnLst>
+                                    <p:set>
+                                      <p:cBhvr>
+                                        <p:cTn id="26" dur="1" fill="hold">
+                                          <p:stCondLst>
+                                            <p:cond delay="0"/>
+                                          </p:stCondLst>
+                                        </p:cTn>
+                                        <p:tgtEl>
+                                          <p:spTgt spid="8"/>
+                                        </p:tgtEl>
+                                        <p:attrNameLst>
+                                          <p:attrName>style.visibility</p:attrName>
+                                        </p:attrNameLst>
+                                      </p:cBhvr>
+                                      <p:to>
+                                        <p:strVal val="visible"/>
+                                      </p:to>
+                                    </p:set>
+                                    <p:animEffect transition="in" filter="fade">
+                                      <p:cBhvr>
+                                        <p:cTn id="27" dur="1000"/>
+                                        <p:tgtEl>
+                                          <p:spTgt spid="8"/>
+                                        </p:tgtEl>
+                                      </p:cBhvr>
+                                    </p:animEffect>
+                                    <p:anim calcmode="lin" valueType="num">
+                                      <p:cBhvr>
+                                        <p:cTn id="28" dur="1000" fill="hold"/>
+                                        <p:tgtEl>
+                                          <p:spTgt spid="8"/>
+                                        </p:tgtEl>
+                                        <p:attrNameLst>
+                                          <p:attrName>ppt_x</p:attrName>
+                                        </p:attrNameLst>
+                                      </p:cBhvr>
+                                      <p:tavLst>
+                                        <p:tav tm="0">
+                                          <p:val>
+                                            <p:strVal val="#ppt_x"/>
+                                          </p:val>
+                                        </p:tav>
+                                        <p:tav tm="100000">
+                                          <p:val>
+                                            <p:strVal val="#ppt_x"/>
+                                          </p:val>
+                                        </p:tav>
+                                      </p:tavLst>
+                                    </p:anim>
+                                    <p:anim calcmode="lin" valueType="num">
+                                      <p:cBhvr>
+                                        <p:cTn id="29" dur="1000" fill="hold"/>
+                                        <p:tgtEl>
+                                          <p:spTgt spid="8"/>
+                                        </p:tgtEl>
+                                        <p:attrNameLst>
+                                          <p:attrName>ppt_y</p:attrName>
+                                        </p:attrNameLst>
+                                      </p:cBhvr>
+                                      <p:tavLst>
+                                        <p:tav tm="0">
+                                          <p:val>
+                                            <p:strVal val="#ppt_y+.1"/>
+                                          </p:val>
+                                        </p:tav>
+                                        <p:tav tm="100000">
+                                          <p:val>
+                                            <p:strVal val="#ppt_y"/>
+                                          </p:val>
+                                        </p:tav>
+                                      </p:tavLst>
+                                    </p:anim>
+                                  </p:childTnLst>
+                                </p:cTn>
+                              </p:par>
+                            </p:childTnLst>
+                          </p:cTn>
+                        </p:par>
+                      </p:childTnLst>
+                    </p:cTn>
+                  </p:par>
+                  <p:par>
+                    <p:cTn id="30" fill="hold">
+                      <p:stCondLst>
+                        <p:cond delay="indefinite"/>
+                      </p:stCondLst>
+                      <p:childTnLst>
+                        <p:par>
+                          <p:cTn id="31" fill="hold">
+                            <p:stCondLst>
+                              <p:cond delay="0"/>
+                            </p:stCondLst>
+                            <p:childTnLst>
+                              <p:par>
+                                <p:cTn id="32" presetID="42" presetClass="exit" presetSubtype="0" fill="hold" nodeType="clickEffect">
+                                  <p:stCondLst>
+                                    <p:cond delay="0"/>
+                                  </p:stCondLst>
+                                  <p:childTnLst>
+                                    <p:animEffect transition="out" filter="fade">
+                                      <p:cBhvr>
+                                        <p:cTn id="33" dur="1000"/>
+                                        <p:tgtEl>
+                                          <p:spTgt spid="8"/>
+                                        </p:tgtEl>
+                                      </p:cBhvr>
+                                    </p:animEffect>
+                                    <p:anim calcmode="lin" valueType="num">
+                                      <p:cBhvr>
+                                        <p:cTn id="34" dur="1000"/>
+                                        <p:tgtEl>
+                                          <p:spTgt spid="8"/>
+                                        </p:tgtEl>
+                                        <p:attrNameLst>
+                                          <p:attrName>ppt_x</p:attrName>
+                                        </p:attrNameLst>
+                                      </p:cBhvr>
+                                      <p:tavLst>
+                                        <p:tav tm="0">
+                                          <p:val>
+                                            <p:strVal val="ppt_x"/>
+                                          </p:val>
+                                        </p:tav>
+                                        <p:tav tm="100000">
+                                          <p:val>
+                                            <p:strVal val="ppt_x"/>
+                                          </p:val>
+                                        </p:tav>
+                                      </p:tavLst>
+                                    </p:anim>
+                                    <p:anim calcmode="lin" valueType="num">
+                                      <p:cBhvr>
+                                        <p:cTn id="35" dur="1000"/>
+                                        <p:tgtEl>
+                                          <p:spTgt spid="8"/>
+                                        </p:tgtEl>
+                                        <p:attrNameLst>
+                                          <p:attrName>ppt_y</p:attrName>
+                                        </p:attrNameLst>
+                                      </p:cBhvr>
+                                      <p:tavLst>
+                                        <p:tav tm="0">
+                                          <p:val>
+                                            <p:strVal val="ppt_y"/>
+                                          </p:val>
+                                        </p:tav>
+                                        <p:tav tm="100000">
+                                          <p:val>
+                                            <p:strVal val="ppt_y+.1"/>
+                                          </p:val>
+                                        </p:tav>
+                                      </p:tavLst>
+                                    </p:anim>
+                                    <p:set>
+                                      <p:cBhvr>
+                                        <p:cTn id="36" dur="1" fill="hold">
+                                          <p:stCondLst>
+                                            <p:cond delay="999"/>
+                                          </p:stCondLst>
+                                        </p:cTn>
+                                        <p:tgtEl>
+                                          <p:spTgt spid="8"/>
+                                        </p:tgtEl>
+                                        <p:attrNameLst>
+                                          <p:attrName>style.visibility</p:attrName>
+                                        </p:attrNameLst>
+                                      </p:cBhvr>
+                                      <p:to>
+                                        <p:strVal val="hidden"/>
+                                      </p:to>
+                                    </p:set>
+                                  </p:childTnLst>
+                                </p:cTn>
+                              </p:par>
+                            </p:childTnLst>
+                          </p:cTn>
+                        </p:par>
+                      </p:childTnLst>
+                    </p:cTn>
+                  </p:par>
+                </p:childTnLst>
+              </p:cTn>
+              <p:prevCondLst>
+                <p:cond evt="onPrev" delay="0">
+                  <p:tgtEl>
+                    <p:sldTgt/>
+                  </p:tgtEl>
+                </p:cond>
+              </p:prevCondLst>
+              <p:nextCondLst>
+                <p:cond evt="onNext" delay="0">
+                  <p:tgtEl>
+                    <p:sldTgt/>
+                  </p:tgtEl>
+                </p:cond>
+              </p:nextCondLst>
+            </p:seq>
+          </p:childTnLst>
+        </p:cTn>
+      </p:par>
+    </p:tnLst>
+  </p:timing>
+</p:sld>
+</file>
+
+<file path=ppt/slides/slide13.xml><?xml version="1.0" encoding="utf-8"?>
+<p:sld xmlns:a="http://schemas.openxmlformats.org/drawingml/2006/main" xmlns:r="http://schemas.openxmlformats.org/officeDocument/2006/relationships" xmlns:p="http://schemas.openxmlformats.org/presentationml/2006/main" showMasterSp="0">
+  <p:cSld>
+    <p:bg>
+      <p:bgPr>
+        <a:blipFill dpi="0" rotWithShape="1">
+          <a:blip r:embed="rId2">
+            <a:lum/>
+          </a:blip>
+          <a:srcRect/>
+          <a:stretch>
+            <a:fillRect t="-17000" b="-17000"/>
+          </a:stretch>
+        </a:blipFill>
+        <a:effectLst/>
+      </p:bgPr>
+    </p:bg>
+    <p:spTree>
+      <p:nvGrpSpPr>
+        <p:cNvPr id="1" name=""/>
+        <p:cNvGrpSpPr/>
+        <p:nvPr/>
+      </p:nvGrpSpPr>
+      <p:grpSpPr>
+        <a:xfrm>
+          <a:off x="0" y="0"/>
+          <a:ext cx="0" cy="0"/>
+          <a:chOff x="0" y="0"/>
+          <a:chExt cx="0" cy="0"/>
+        </a:xfrm>
+      </p:grpSpPr>
+      <p:sp>
+        <p:nvSpPr>
+          <p:cNvPr id="2" name="Title 1"/>
+          <p:cNvSpPr>
+            <a:spLocks noGrp="1"/>
+          </p:cNvSpPr>
+          <p:nvPr>
+            <p:ph type="title"/>
+          </p:nvPr>
+        </p:nvSpPr>
+        <p:spPr>
+          <a:xfrm>
+            <a:off x="832103" y="742576"/>
+            <a:ext cx="8588203" cy="3022600"/>
+          </a:xfrm>
+        </p:spPr>
+        <p:txBody>
+          <a:bodyPr anchor="t">
+            <a:normAutofit fontScale="90000"/>
+          </a:bodyPr>
+          <a:lstStyle/>
+          <a:p>
+            <a:r>
+              <a:rPr lang="en-US" sz="5000" dirty="0" smtClean="0">
+                <a:solidFill>
+                  <a:schemeClr val="tx1"/>
+                </a:solidFill>
+                <a:latin typeface="Times New Roman" panose="02020603050405020304" pitchFamily="18" charset="0"/>
+                <a:cs typeface="Times New Roman" panose="02020603050405020304" pitchFamily="18" charset="0"/>
+              </a:rPr>
+              <a:t>ƯU ĐIỂM</a:t>
+            </a:r>
+            <a:br>
+              <a:rPr lang="en-US" sz="5000" dirty="0" smtClean="0">
+                <a:solidFill>
+                  <a:schemeClr val="tx1"/>
+                </a:solidFill>
+                <a:latin typeface="Times New Roman" panose="02020603050405020304" pitchFamily="18" charset="0"/>
+                <a:cs typeface="Times New Roman" panose="02020603050405020304" pitchFamily="18" charset="0"/>
+              </a:rPr>
+            </a:br>
+            <a:r>
+              <a:rPr lang="en-US" sz="4000" dirty="0" smtClean="0">
+                <a:solidFill>
+                  <a:schemeClr val="tx1"/>
+                </a:solidFill>
+                <a:latin typeface="Times New Roman" panose="02020603050405020304" pitchFamily="18" charset="0"/>
+                <a:cs typeface="Times New Roman" panose="02020603050405020304" pitchFamily="18" charset="0"/>
+              </a:rPr>
+              <a:t>- </a:t>
+            </a:r>
+            <a:r>
+              <a:rPr lang="en-US" sz="4000" dirty="0" err="1" smtClean="0">
+                <a:solidFill>
+                  <a:schemeClr val="tx1"/>
+                </a:solidFill>
+                <a:latin typeface="Times New Roman" panose="02020603050405020304" pitchFamily="18" charset="0"/>
+                <a:cs typeface="Times New Roman" panose="02020603050405020304" pitchFamily="18" charset="0"/>
+              </a:rPr>
+              <a:t>Dùng</a:t>
+            </a:r>
+            <a:r>
+              <a:rPr lang="en-US" sz="4000" dirty="0" smtClean="0">
+                <a:solidFill>
+                  <a:schemeClr val="tx1"/>
+                </a:solidFill>
+                <a:latin typeface="Times New Roman" panose="02020603050405020304" pitchFamily="18" charset="0"/>
+                <a:cs typeface="Times New Roman" panose="02020603050405020304" pitchFamily="18" charset="0"/>
+              </a:rPr>
+              <a:t> </a:t>
+            </a:r>
+            <a:r>
+              <a:rPr lang="en-US" sz="4000" dirty="0" err="1" smtClean="0">
+                <a:solidFill>
+                  <a:schemeClr val="tx1"/>
+                </a:solidFill>
+                <a:latin typeface="Times New Roman" panose="02020603050405020304" pitchFamily="18" charset="0"/>
+                <a:cs typeface="Times New Roman" panose="02020603050405020304" pitchFamily="18" charset="0"/>
+              </a:rPr>
+              <a:t>được</a:t>
+            </a:r>
+            <a:r>
+              <a:rPr lang="en-US" sz="4000" dirty="0" smtClean="0">
+                <a:solidFill>
+                  <a:schemeClr val="tx1"/>
+                </a:solidFill>
+                <a:latin typeface="Times New Roman" panose="02020603050405020304" pitchFamily="18" charset="0"/>
+                <a:cs typeface="Times New Roman" panose="02020603050405020304" pitchFamily="18" charset="0"/>
+              </a:rPr>
+              <a:t> </a:t>
+            </a:r>
+            <a:r>
+              <a:rPr lang="en-US" sz="4000" dirty="0" err="1" smtClean="0">
+                <a:solidFill>
+                  <a:schemeClr val="tx1"/>
+                </a:solidFill>
+                <a:latin typeface="Times New Roman" panose="02020603050405020304" pitchFamily="18" charset="0"/>
+                <a:cs typeface="Times New Roman" panose="02020603050405020304" pitchFamily="18" charset="0"/>
+              </a:rPr>
+              <a:t>cho</a:t>
+            </a:r>
+            <a:r>
+              <a:rPr lang="en-US" sz="4000" dirty="0" smtClean="0">
+                <a:solidFill>
+                  <a:schemeClr val="tx1"/>
+                </a:solidFill>
+                <a:latin typeface="Times New Roman" panose="02020603050405020304" pitchFamily="18" charset="0"/>
+                <a:cs typeface="Times New Roman" panose="02020603050405020304" pitchFamily="18" charset="0"/>
+              </a:rPr>
+              <a:t> </a:t>
+            </a:r>
+            <a:r>
+              <a:rPr lang="en-US" sz="4000" dirty="0" err="1" smtClean="0">
+                <a:solidFill>
+                  <a:schemeClr val="tx1"/>
+                </a:solidFill>
+                <a:latin typeface="Times New Roman" panose="02020603050405020304" pitchFamily="18" charset="0"/>
+                <a:cs typeface="Times New Roman" panose="02020603050405020304" pitchFamily="18" charset="0"/>
+              </a:rPr>
+              <a:t>các</a:t>
+            </a:r>
+            <a:r>
+              <a:rPr lang="en-US" sz="4000" dirty="0" smtClean="0">
+                <a:solidFill>
+                  <a:schemeClr val="tx1"/>
+                </a:solidFill>
+                <a:latin typeface="Times New Roman" panose="02020603050405020304" pitchFamily="18" charset="0"/>
+                <a:cs typeface="Times New Roman" panose="02020603050405020304" pitchFamily="18" charset="0"/>
+              </a:rPr>
+              <a:t> </a:t>
+            </a:r>
+            <a:r>
+              <a:rPr lang="en-US" sz="4000" dirty="0" err="1" smtClean="0">
+                <a:solidFill>
+                  <a:schemeClr val="tx1"/>
+                </a:solidFill>
+                <a:latin typeface="Times New Roman" panose="02020603050405020304" pitchFamily="18" charset="0"/>
+                <a:cs typeface="Times New Roman" panose="02020603050405020304" pitchFamily="18" charset="0"/>
+              </a:rPr>
+              <a:t>chương</a:t>
+            </a:r>
+            <a:r>
+              <a:rPr lang="en-US" sz="4000" dirty="0" smtClean="0">
+                <a:solidFill>
+                  <a:schemeClr val="tx1"/>
+                </a:solidFill>
+                <a:latin typeface="Times New Roman" panose="02020603050405020304" pitchFamily="18" charset="0"/>
+                <a:cs typeface="Times New Roman" panose="02020603050405020304" pitchFamily="18" charset="0"/>
+              </a:rPr>
+              <a:t> </a:t>
+            </a:r>
+            <a:r>
+              <a:rPr lang="en-US" sz="4000" dirty="0" err="1" smtClean="0">
+                <a:solidFill>
+                  <a:schemeClr val="tx1"/>
+                </a:solidFill>
+                <a:latin typeface="Times New Roman" panose="02020603050405020304" pitchFamily="18" charset="0"/>
+                <a:cs typeface="Times New Roman" panose="02020603050405020304" pitchFamily="18" charset="0"/>
+              </a:rPr>
+              <a:t>trình</a:t>
+            </a:r>
+            <a:r>
+              <a:rPr lang="en-US" sz="4000" dirty="0" smtClean="0">
+                <a:solidFill>
+                  <a:schemeClr val="tx1"/>
+                </a:solidFill>
+                <a:latin typeface="Times New Roman" panose="02020603050405020304" pitchFamily="18" charset="0"/>
+                <a:cs typeface="Times New Roman" panose="02020603050405020304" pitchFamily="18" charset="0"/>
+              </a:rPr>
+              <a:t> </a:t>
+            </a:r>
+            <a:r>
+              <a:rPr lang="en-US" sz="4000" dirty="0" err="1" smtClean="0">
+                <a:solidFill>
+                  <a:schemeClr val="tx1"/>
+                </a:solidFill>
+                <a:latin typeface="Times New Roman" panose="02020603050405020304" pitchFamily="18" charset="0"/>
+                <a:cs typeface="Times New Roman" panose="02020603050405020304" pitchFamily="18" charset="0"/>
+              </a:rPr>
+              <a:t>lớn</a:t>
+            </a:r>
+            <a:r>
+              <a:rPr lang="en-US" sz="4000" dirty="0" smtClean="0">
+                <a:solidFill>
+                  <a:schemeClr val="tx1"/>
+                </a:solidFill>
+                <a:latin typeface="Times New Roman" panose="02020603050405020304" pitchFamily="18" charset="0"/>
+                <a:cs typeface="Times New Roman" panose="02020603050405020304" pitchFamily="18" charset="0"/>
+              </a:rPr>
+              <a:t>.</a:t>
+            </a:r>
+            <a:br>
+              <a:rPr lang="en-US" sz="4000" dirty="0" smtClean="0">
+                <a:solidFill>
+                  <a:schemeClr val="tx1"/>
+                </a:solidFill>
+                <a:latin typeface="Times New Roman" panose="02020603050405020304" pitchFamily="18" charset="0"/>
+                <a:cs typeface="Times New Roman" panose="02020603050405020304" pitchFamily="18" charset="0"/>
+              </a:rPr>
+            </a:br>
+            <a:r>
+              <a:rPr lang="en-US" sz="4000" dirty="0" smtClean="0">
+                <a:solidFill>
+                  <a:schemeClr val="tx1"/>
+                </a:solidFill>
+                <a:latin typeface="Times New Roman" panose="02020603050405020304" pitchFamily="18" charset="0"/>
+                <a:cs typeface="Times New Roman" panose="02020603050405020304" pitchFamily="18" charset="0"/>
+              </a:rPr>
+              <a:t>- </a:t>
+            </a:r>
+            <a:r>
+              <a:rPr lang="en-US" sz="4000" dirty="0" err="1" smtClean="0">
+                <a:solidFill>
+                  <a:schemeClr val="tx1"/>
+                </a:solidFill>
+                <a:latin typeface="Times New Roman" panose="02020603050405020304" pitchFamily="18" charset="0"/>
+                <a:cs typeface="Times New Roman" panose="02020603050405020304" pitchFamily="18" charset="0"/>
+              </a:rPr>
+              <a:t>Có</a:t>
+            </a:r>
+            <a:r>
+              <a:rPr lang="en-US" sz="4000" dirty="0" smtClean="0">
+                <a:solidFill>
+                  <a:schemeClr val="tx1"/>
+                </a:solidFill>
+                <a:latin typeface="Times New Roman" panose="02020603050405020304" pitchFamily="18" charset="0"/>
+                <a:cs typeface="Times New Roman" panose="02020603050405020304" pitchFamily="18" charset="0"/>
+              </a:rPr>
+              <a:t> </a:t>
+            </a:r>
+            <a:r>
+              <a:rPr lang="en-US" sz="4000" dirty="0" err="1" smtClean="0">
+                <a:solidFill>
+                  <a:schemeClr val="tx1"/>
+                </a:solidFill>
+                <a:latin typeface="Times New Roman" panose="02020603050405020304" pitchFamily="18" charset="0"/>
+                <a:cs typeface="Times New Roman" panose="02020603050405020304" pitchFamily="18" charset="0"/>
+              </a:rPr>
+              <a:t>thể</a:t>
+            </a:r>
+            <a:r>
+              <a:rPr lang="en-US" sz="4000" dirty="0" smtClean="0">
+                <a:solidFill>
+                  <a:schemeClr val="tx1"/>
+                </a:solidFill>
+                <a:latin typeface="Times New Roman" panose="02020603050405020304" pitchFamily="18" charset="0"/>
+                <a:cs typeface="Times New Roman" panose="02020603050405020304" pitchFamily="18" charset="0"/>
+              </a:rPr>
+              <a:t> </a:t>
+            </a:r>
+            <a:r>
+              <a:rPr lang="en-US" sz="4000" dirty="0" err="1" smtClean="0">
+                <a:solidFill>
+                  <a:schemeClr val="tx1"/>
+                </a:solidFill>
+                <a:latin typeface="Times New Roman" panose="02020603050405020304" pitchFamily="18" charset="0"/>
+                <a:cs typeface="Times New Roman" panose="02020603050405020304" pitchFamily="18" charset="0"/>
+              </a:rPr>
+              <a:t>xuất</a:t>
+            </a:r>
+            <a:r>
+              <a:rPr lang="en-US" sz="4000" dirty="0" smtClean="0">
+                <a:solidFill>
+                  <a:schemeClr val="tx1"/>
+                </a:solidFill>
+                <a:latin typeface="Times New Roman" panose="02020603050405020304" pitchFamily="18" charset="0"/>
+                <a:cs typeface="Times New Roman" panose="02020603050405020304" pitchFamily="18" charset="0"/>
+              </a:rPr>
+              <a:t> </a:t>
+            </a:r>
+            <a:r>
+              <a:rPr lang="en-US" sz="4000" dirty="0" err="1" smtClean="0">
+                <a:solidFill>
+                  <a:schemeClr val="tx1"/>
+                </a:solidFill>
+                <a:latin typeface="Times New Roman" panose="02020603050405020304" pitchFamily="18" charset="0"/>
+                <a:cs typeface="Times New Roman" panose="02020603050405020304" pitchFamily="18" charset="0"/>
+              </a:rPr>
+              <a:t>thành</a:t>
+            </a:r>
+            <a:r>
+              <a:rPr lang="en-US" sz="4000" dirty="0" smtClean="0">
+                <a:solidFill>
+                  <a:schemeClr val="tx1"/>
+                </a:solidFill>
+                <a:latin typeface="Times New Roman" panose="02020603050405020304" pitchFamily="18" charset="0"/>
+                <a:cs typeface="Times New Roman" panose="02020603050405020304" pitchFamily="18" charset="0"/>
+              </a:rPr>
+              <a:t> file excel, </a:t>
+            </a:r>
+            <a:r>
+              <a:rPr lang="en-US" sz="4000" dirty="0" err="1" smtClean="0">
+                <a:solidFill>
+                  <a:schemeClr val="tx1"/>
+                </a:solidFill>
+                <a:latin typeface="Times New Roman" panose="02020603050405020304" pitchFamily="18" charset="0"/>
+                <a:cs typeface="Times New Roman" panose="02020603050405020304" pitchFamily="18" charset="0"/>
+              </a:rPr>
+              <a:t>tiện</a:t>
+            </a:r>
+            <a:r>
+              <a:rPr lang="en-US" sz="4000" dirty="0" smtClean="0">
+                <a:solidFill>
+                  <a:schemeClr val="tx1"/>
+                </a:solidFill>
+                <a:latin typeface="Times New Roman" panose="02020603050405020304" pitchFamily="18" charset="0"/>
+                <a:cs typeface="Times New Roman" panose="02020603050405020304" pitchFamily="18" charset="0"/>
+              </a:rPr>
+              <a:t> </a:t>
+            </a:r>
+            <a:r>
+              <a:rPr lang="en-US" sz="4000" dirty="0" err="1" smtClean="0">
+                <a:solidFill>
+                  <a:schemeClr val="tx1"/>
+                </a:solidFill>
+                <a:latin typeface="Times New Roman" panose="02020603050405020304" pitchFamily="18" charset="0"/>
+                <a:cs typeface="Times New Roman" panose="02020603050405020304" pitchFamily="18" charset="0"/>
+              </a:rPr>
+              <a:t>dụng</a:t>
+            </a:r>
+            <a:r>
+              <a:rPr lang="en-US" sz="4000" dirty="0" smtClean="0">
+                <a:solidFill>
+                  <a:schemeClr val="tx1"/>
+                </a:solidFill>
+                <a:latin typeface="Times New Roman" panose="02020603050405020304" pitchFamily="18" charset="0"/>
+                <a:cs typeface="Times New Roman" panose="02020603050405020304" pitchFamily="18" charset="0"/>
+              </a:rPr>
+              <a:t>.</a:t>
+            </a:r>
+            <a:br>
+              <a:rPr lang="en-US" sz="4000" dirty="0" smtClean="0">
+                <a:solidFill>
+                  <a:schemeClr val="tx1"/>
+                </a:solidFill>
+                <a:latin typeface="Times New Roman" panose="02020603050405020304" pitchFamily="18" charset="0"/>
+                <a:cs typeface="Times New Roman" panose="02020603050405020304" pitchFamily="18" charset="0"/>
+              </a:rPr>
+            </a:br>
+            <a:r>
+              <a:rPr lang="en-US" sz="4000" dirty="0" smtClean="0">
+                <a:solidFill>
+                  <a:schemeClr val="tx1"/>
+                </a:solidFill>
+                <a:latin typeface="Times New Roman" panose="02020603050405020304" pitchFamily="18" charset="0"/>
+                <a:cs typeface="Times New Roman" panose="02020603050405020304" pitchFamily="18" charset="0"/>
+              </a:rPr>
+              <a:t/>
+            </a:r>
+            <a:br>
+              <a:rPr lang="en-US" sz="4000" dirty="0" smtClean="0">
+                <a:solidFill>
+                  <a:schemeClr val="tx1"/>
+                </a:solidFill>
+                <a:latin typeface="Times New Roman" panose="02020603050405020304" pitchFamily="18" charset="0"/>
+                <a:cs typeface="Times New Roman" panose="02020603050405020304" pitchFamily="18" charset="0"/>
+              </a:rPr>
+            </a:br>
+            <a:endParaRPr lang="en-US" sz="4000" dirty="0">
+              <a:solidFill>
+                <a:schemeClr val="tx1"/>
+              </a:solidFill>
+              <a:latin typeface="Times New Roman" panose="02020603050405020304" pitchFamily="18" charset="0"/>
+              <a:cs typeface="Times New Roman" panose="02020603050405020304" pitchFamily="18" charset="0"/>
+            </a:endParaRPr>
+          </a:p>
+        </p:txBody>
+      </p:sp>
+      <p:sp>
+        <p:nvSpPr>
+          <p:cNvPr id="3" name="Text Placeholder 2"/>
+          <p:cNvSpPr>
+            <a:spLocks noGrp="1"/>
+          </p:cNvSpPr>
+          <p:nvPr>
+            <p:ph type="body" sz="quarter" idx="13"/>
+          </p:nvPr>
+        </p:nvSpPr>
+        <p:spPr>
+          <a:xfrm>
+            <a:off x="750485" y="2869928"/>
+            <a:ext cx="8596669" cy="895248"/>
+          </a:xfrm>
+        </p:spPr>
+        <p:txBody>
+          <a:bodyPr/>
+          <a:lstStyle/>
+          <a:p>
+            <a:r>
+              <a:rPr lang="en-US" sz="4500" dirty="0" smtClean="0">
+                <a:solidFill>
+                  <a:schemeClr val="tx1"/>
+                </a:solidFill>
+                <a:latin typeface="Times New Roman" panose="02020603050405020304" pitchFamily="18" charset="0"/>
+                <a:cs typeface="Times New Roman" panose="02020603050405020304" pitchFamily="18" charset="0"/>
+              </a:rPr>
+              <a:t>NHƯỢC ĐIỂM</a:t>
+            </a:r>
+            <a:endParaRPr lang="en-US" sz="4500" dirty="0">
+              <a:solidFill>
+                <a:schemeClr val="tx1"/>
+              </a:solidFill>
+              <a:latin typeface="Times New Roman" panose="02020603050405020304" pitchFamily="18" charset="0"/>
+              <a:cs typeface="Times New Roman" panose="02020603050405020304" pitchFamily="18" charset="0"/>
+            </a:endParaRPr>
+          </a:p>
+        </p:txBody>
+      </p:sp>
+      <p:sp>
+        <p:nvSpPr>
+          <p:cNvPr id="4" name="Text Placeholder 3"/>
+          <p:cNvSpPr>
+            <a:spLocks noGrp="1"/>
+          </p:cNvSpPr>
+          <p:nvPr>
+            <p:ph type="body" idx="1"/>
+          </p:nvPr>
+        </p:nvSpPr>
+        <p:spPr>
+          <a:xfrm>
+            <a:off x="685799" y="3765176"/>
+            <a:ext cx="8588204" cy="2276186"/>
+          </a:xfrm>
+        </p:spPr>
+        <p:txBody>
+          <a:bodyPr>
+            <a:normAutofit/>
+          </a:bodyPr>
+          <a:lstStyle/>
+          <a:p>
+            <a:r>
+              <a:rPr lang="en-US" sz="3600" dirty="0" smtClean="0">
+                <a:solidFill>
+                  <a:schemeClr val="tx1"/>
+                </a:solidFill>
+                <a:latin typeface="Times New Roman" panose="02020603050405020304" pitchFamily="18" charset="0"/>
+                <a:cs typeface="Times New Roman" panose="02020603050405020304" pitchFamily="18" charset="0"/>
+              </a:rPr>
+              <a:t>- </a:t>
+            </a:r>
+            <a:r>
+              <a:rPr lang="en-US" sz="3600" dirty="0" err="1" smtClean="0">
+                <a:solidFill>
+                  <a:schemeClr val="tx1"/>
+                </a:solidFill>
+                <a:latin typeface="Times New Roman" panose="02020603050405020304" pitchFamily="18" charset="0"/>
+                <a:cs typeface="Times New Roman" panose="02020603050405020304" pitchFamily="18" charset="0"/>
+              </a:rPr>
+              <a:t>Dữ</a:t>
+            </a:r>
+            <a:r>
+              <a:rPr lang="en-US" sz="3600" dirty="0" smtClean="0">
+                <a:solidFill>
+                  <a:schemeClr val="tx1"/>
+                </a:solidFill>
+                <a:latin typeface="Times New Roman" panose="02020603050405020304" pitchFamily="18" charset="0"/>
+                <a:cs typeface="Times New Roman" panose="02020603050405020304" pitchFamily="18" charset="0"/>
+              </a:rPr>
+              <a:t> </a:t>
+            </a:r>
+            <a:r>
+              <a:rPr lang="en-US" sz="3600" dirty="0" err="1" smtClean="0">
+                <a:solidFill>
+                  <a:schemeClr val="tx1"/>
+                </a:solidFill>
+                <a:latin typeface="Times New Roman" panose="02020603050405020304" pitchFamily="18" charset="0"/>
+                <a:cs typeface="Times New Roman" panose="02020603050405020304" pitchFamily="18" charset="0"/>
+              </a:rPr>
+              <a:t>liệu</a:t>
+            </a:r>
+            <a:r>
+              <a:rPr lang="en-US" sz="3600" dirty="0" smtClean="0">
+                <a:solidFill>
+                  <a:schemeClr val="tx1"/>
+                </a:solidFill>
+                <a:latin typeface="Times New Roman" panose="02020603050405020304" pitchFamily="18" charset="0"/>
+                <a:cs typeface="Times New Roman" panose="02020603050405020304" pitchFamily="18" charset="0"/>
+              </a:rPr>
+              <a:t> </a:t>
+            </a:r>
+            <a:r>
+              <a:rPr lang="en-US" sz="3600" dirty="0" err="1" smtClean="0">
+                <a:solidFill>
+                  <a:schemeClr val="tx1"/>
+                </a:solidFill>
+                <a:latin typeface="Times New Roman" panose="02020603050405020304" pitchFamily="18" charset="0"/>
+                <a:cs typeface="Times New Roman" panose="02020603050405020304" pitchFamily="18" charset="0"/>
+              </a:rPr>
+              <a:t>trong</a:t>
+            </a:r>
+            <a:r>
+              <a:rPr lang="en-US" sz="3600" dirty="0" smtClean="0">
+                <a:solidFill>
+                  <a:schemeClr val="tx1"/>
+                </a:solidFill>
+                <a:latin typeface="Times New Roman" panose="02020603050405020304" pitchFamily="18" charset="0"/>
+                <a:cs typeface="Times New Roman" panose="02020603050405020304" pitchFamily="18" charset="0"/>
+              </a:rPr>
+              <a:t> </a:t>
+            </a:r>
+            <a:r>
+              <a:rPr lang="en-US" sz="3600" dirty="0" err="1" smtClean="0">
+                <a:solidFill>
+                  <a:schemeClr val="tx1"/>
+                </a:solidFill>
+                <a:latin typeface="Times New Roman" panose="02020603050405020304" pitchFamily="18" charset="0"/>
+                <a:cs typeface="Times New Roman" panose="02020603050405020304" pitchFamily="18" charset="0"/>
+              </a:rPr>
+              <a:t>chương</a:t>
+            </a:r>
+            <a:r>
+              <a:rPr lang="en-US" sz="3600" dirty="0" smtClean="0">
+                <a:solidFill>
+                  <a:schemeClr val="tx1"/>
+                </a:solidFill>
+                <a:latin typeface="Times New Roman" panose="02020603050405020304" pitchFamily="18" charset="0"/>
+                <a:cs typeface="Times New Roman" panose="02020603050405020304" pitchFamily="18" charset="0"/>
+              </a:rPr>
+              <a:t> </a:t>
+            </a:r>
+            <a:r>
+              <a:rPr lang="en-US" sz="3600" dirty="0" err="1" smtClean="0">
+                <a:solidFill>
+                  <a:schemeClr val="tx1"/>
+                </a:solidFill>
+                <a:latin typeface="Times New Roman" panose="02020603050405020304" pitchFamily="18" charset="0"/>
+                <a:cs typeface="Times New Roman" panose="02020603050405020304" pitchFamily="18" charset="0"/>
+              </a:rPr>
+              <a:t>trình</a:t>
+            </a:r>
+            <a:r>
+              <a:rPr lang="en-US" sz="3600" dirty="0" smtClean="0">
+                <a:solidFill>
+                  <a:schemeClr val="tx1"/>
+                </a:solidFill>
+                <a:latin typeface="Times New Roman" panose="02020603050405020304" pitchFamily="18" charset="0"/>
+                <a:cs typeface="Times New Roman" panose="02020603050405020304" pitchFamily="18" charset="0"/>
+              </a:rPr>
+              <a:t> </a:t>
+            </a:r>
+            <a:r>
+              <a:rPr lang="en-US" sz="3600" dirty="0" err="1" smtClean="0">
+                <a:solidFill>
+                  <a:schemeClr val="tx1"/>
+                </a:solidFill>
+                <a:latin typeface="Times New Roman" panose="02020603050405020304" pitchFamily="18" charset="0"/>
+                <a:cs typeface="Times New Roman" panose="02020603050405020304" pitchFamily="18" charset="0"/>
+              </a:rPr>
+              <a:t>là</a:t>
+            </a:r>
+            <a:r>
+              <a:rPr lang="en-US" sz="3600" dirty="0" smtClean="0">
+                <a:solidFill>
+                  <a:schemeClr val="tx1"/>
+                </a:solidFill>
+                <a:latin typeface="Times New Roman" panose="02020603050405020304" pitchFamily="18" charset="0"/>
+                <a:cs typeface="Times New Roman" panose="02020603050405020304" pitchFamily="18" charset="0"/>
+              </a:rPr>
+              <a:t> </a:t>
+            </a:r>
+            <a:r>
+              <a:rPr lang="en-US" sz="3600" dirty="0" err="1" smtClean="0">
+                <a:solidFill>
+                  <a:schemeClr val="tx1"/>
+                </a:solidFill>
+                <a:latin typeface="Times New Roman" panose="02020603050405020304" pitchFamily="18" charset="0"/>
+                <a:cs typeface="Times New Roman" panose="02020603050405020304" pitchFamily="18" charset="0"/>
+              </a:rPr>
+              <a:t>tạm</a:t>
+            </a:r>
+            <a:r>
+              <a:rPr lang="en-US" sz="3600" dirty="0" smtClean="0">
+                <a:solidFill>
+                  <a:schemeClr val="tx1"/>
+                </a:solidFill>
+                <a:latin typeface="Times New Roman" panose="02020603050405020304" pitchFamily="18" charset="0"/>
+                <a:cs typeface="Times New Roman" panose="02020603050405020304" pitchFamily="18" charset="0"/>
+              </a:rPr>
+              <a:t> </a:t>
+            </a:r>
+            <a:r>
+              <a:rPr lang="en-US" sz="3600" dirty="0" err="1" smtClean="0">
+                <a:solidFill>
+                  <a:schemeClr val="tx1"/>
+                </a:solidFill>
+                <a:latin typeface="Times New Roman" panose="02020603050405020304" pitchFamily="18" charset="0"/>
+                <a:cs typeface="Times New Roman" panose="02020603050405020304" pitchFamily="18" charset="0"/>
+              </a:rPr>
+              <a:t>thời</a:t>
+            </a:r>
+            <a:r>
+              <a:rPr lang="en-US" sz="3600" dirty="0" smtClean="0">
+                <a:solidFill>
+                  <a:schemeClr val="tx1"/>
+                </a:solidFill>
+                <a:latin typeface="Times New Roman" panose="02020603050405020304" pitchFamily="18" charset="0"/>
+                <a:cs typeface="Times New Roman" panose="02020603050405020304" pitchFamily="18" charset="0"/>
+              </a:rPr>
+              <a:t>.</a:t>
+            </a:r>
+          </a:p>
+          <a:p>
+            <a:r>
+              <a:rPr lang="en-US" sz="3600" dirty="0" smtClean="0">
+                <a:solidFill>
+                  <a:schemeClr val="tx1"/>
+                </a:solidFill>
+                <a:latin typeface="Times New Roman" panose="02020603050405020304" pitchFamily="18" charset="0"/>
+                <a:cs typeface="Times New Roman" panose="02020603050405020304" pitchFamily="18" charset="0"/>
+              </a:rPr>
+              <a:t>- </a:t>
+            </a:r>
+            <a:r>
+              <a:rPr lang="en-US" sz="3600" dirty="0" err="1" smtClean="0">
+                <a:solidFill>
+                  <a:schemeClr val="tx1"/>
+                </a:solidFill>
+                <a:latin typeface="Times New Roman" panose="02020603050405020304" pitchFamily="18" charset="0"/>
+                <a:cs typeface="Times New Roman" panose="02020603050405020304" pitchFamily="18" charset="0"/>
+              </a:rPr>
+              <a:t>Lần</a:t>
+            </a:r>
+            <a:r>
+              <a:rPr lang="en-US" sz="3600" dirty="0" smtClean="0">
+                <a:solidFill>
+                  <a:schemeClr val="tx1"/>
+                </a:solidFill>
+                <a:latin typeface="Times New Roman" panose="02020603050405020304" pitchFamily="18" charset="0"/>
+                <a:cs typeface="Times New Roman" panose="02020603050405020304" pitchFamily="18" charset="0"/>
+              </a:rPr>
+              <a:t> </a:t>
+            </a:r>
+            <a:r>
+              <a:rPr lang="en-US" sz="3600" dirty="0" err="1" smtClean="0">
+                <a:solidFill>
+                  <a:schemeClr val="tx1"/>
+                </a:solidFill>
+                <a:latin typeface="Times New Roman" panose="02020603050405020304" pitchFamily="18" charset="0"/>
+                <a:cs typeface="Times New Roman" panose="02020603050405020304" pitchFamily="18" charset="0"/>
+              </a:rPr>
+              <a:t>khởi</a:t>
+            </a:r>
+            <a:r>
+              <a:rPr lang="en-US" sz="3600" dirty="0" smtClean="0">
+                <a:solidFill>
+                  <a:schemeClr val="tx1"/>
+                </a:solidFill>
+                <a:latin typeface="Times New Roman" panose="02020603050405020304" pitchFamily="18" charset="0"/>
+                <a:cs typeface="Times New Roman" panose="02020603050405020304" pitchFamily="18" charset="0"/>
+              </a:rPr>
+              <a:t> </a:t>
+            </a:r>
+            <a:r>
+              <a:rPr lang="en-US" sz="3600" dirty="0" err="1" smtClean="0">
+                <a:solidFill>
+                  <a:schemeClr val="tx1"/>
+                </a:solidFill>
+                <a:latin typeface="Times New Roman" panose="02020603050405020304" pitchFamily="18" charset="0"/>
+                <a:cs typeface="Times New Roman" panose="02020603050405020304" pitchFamily="18" charset="0"/>
+              </a:rPr>
+              <a:t>tạo</a:t>
+            </a:r>
+            <a:r>
+              <a:rPr lang="en-US" sz="3600" dirty="0" smtClean="0">
+                <a:solidFill>
+                  <a:schemeClr val="tx1"/>
+                </a:solidFill>
+                <a:latin typeface="Times New Roman" panose="02020603050405020304" pitchFamily="18" charset="0"/>
+                <a:cs typeface="Times New Roman" panose="02020603050405020304" pitchFamily="18" charset="0"/>
+              </a:rPr>
+              <a:t> </a:t>
+            </a:r>
+            <a:r>
+              <a:rPr lang="en-US" sz="3600" dirty="0" err="1" smtClean="0">
+                <a:solidFill>
+                  <a:schemeClr val="tx1"/>
+                </a:solidFill>
+                <a:latin typeface="Times New Roman" panose="02020603050405020304" pitchFamily="18" charset="0"/>
+                <a:cs typeface="Times New Roman" panose="02020603050405020304" pitchFamily="18" charset="0"/>
+              </a:rPr>
+              <a:t>sau</a:t>
+            </a:r>
+            <a:r>
+              <a:rPr lang="en-US" sz="3600" dirty="0" smtClean="0">
+                <a:solidFill>
+                  <a:schemeClr val="tx1"/>
+                </a:solidFill>
+                <a:latin typeface="Times New Roman" panose="02020603050405020304" pitchFamily="18" charset="0"/>
+                <a:cs typeface="Times New Roman" panose="02020603050405020304" pitchFamily="18" charset="0"/>
+              </a:rPr>
+              <a:t> </a:t>
+            </a:r>
+            <a:r>
+              <a:rPr lang="en-US" sz="3600" dirty="0" err="1" smtClean="0">
+                <a:solidFill>
+                  <a:schemeClr val="tx1"/>
+                </a:solidFill>
+                <a:latin typeface="Times New Roman" panose="02020603050405020304" pitchFamily="18" charset="0"/>
+                <a:cs typeface="Times New Roman" panose="02020603050405020304" pitchFamily="18" charset="0"/>
+              </a:rPr>
+              <a:t>sẽ</a:t>
+            </a:r>
+            <a:r>
+              <a:rPr lang="en-US" sz="3600" dirty="0" smtClean="0">
+                <a:solidFill>
+                  <a:schemeClr val="tx1"/>
+                </a:solidFill>
+                <a:latin typeface="Times New Roman" panose="02020603050405020304" pitchFamily="18" charset="0"/>
+                <a:cs typeface="Times New Roman" panose="02020603050405020304" pitchFamily="18" charset="0"/>
+              </a:rPr>
+              <a:t> </a:t>
+            </a:r>
+            <a:r>
+              <a:rPr lang="en-US" sz="3600" dirty="0" err="1" smtClean="0">
+                <a:solidFill>
+                  <a:schemeClr val="tx1"/>
+                </a:solidFill>
+                <a:latin typeface="Times New Roman" panose="02020603050405020304" pitchFamily="18" charset="0"/>
+                <a:cs typeface="Times New Roman" panose="02020603050405020304" pitchFamily="18" charset="0"/>
+              </a:rPr>
+              <a:t>không</a:t>
+            </a:r>
+            <a:r>
+              <a:rPr lang="en-US" sz="3600" dirty="0" smtClean="0">
+                <a:solidFill>
+                  <a:schemeClr val="tx1"/>
+                </a:solidFill>
+                <a:latin typeface="Times New Roman" panose="02020603050405020304" pitchFamily="18" charset="0"/>
+                <a:cs typeface="Times New Roman" panose="02020603050405020304" pitchFamily="18" charset="0"/>
+              </a:rPr>
+              <a:t> </a:t>
+            </a:r>
+            <a:r>
+              <a:rPr lang="en-US" sz="3600" dirty="0" err="1" smtClean="0">
+                <a:solidFill>
+                  <a:schemeClr val="tx1"/>
+                </a:solidFill>
+                <a:latin typeface="Times New Roman" panose="02020603050405020304" pitchFamily="18" charset="0"/>
+                <a:cs typeface="Times New Roman" panose="02020603050405020304" pitchFamily="18" charset="0"/>
+              </a:rPr>
+              <a:t>còn</a:t>
+            </a:r>
+            <a:r>
+              <a:rPr lang="en-US" sz="3600" dirty="0" smtClean="0">
+                <a:solidFill>
+                  <a:schemeClr val="tx1"/>
+                </a:solidFill>
+                <a:latin typeface="Times New Roman" panose="02020603050405020304" pitchFamily="18" charset="0"/>
+                <a:cs typeface="Times New Roman" panose="02020603050405020304" pitchFamily="18" charset="0"/>
+              </a:rPr>
+              <a:t> </a:t>
+            </a:r>
+            <a:r>
+              <a:rPr lang="en-US" sz="3600" dirty="0" err="1" smtClean="0">
+                <a:solidFill>
+                  <a:schemeClr val="tx1"/>
+                </a:solidFill>
+                <a:latin typeface="Times New Roman" panose="02020603050405020304" pitchFamily="18" charset="0"/>
+                <a:cs typeface="Times New Roman" panose="02020603050405020304" pitchFamily="18" charset="0"/>
+              </a:rPr>
+              <a:t>dữ</a:t>
+            </a:r>
+            <a:r>
+              <a:rPr lang="en-US" sz="3600" dirty="0" smtClean="0">
+                <a:solidFill>
+                  <a:schemeClr val="tx1"/>
+                </a:solidFill>
+                <a:latin typeface="Times New Roman" panose="02020603050405020304" pitchFamily="18" charset="0"/>
+                <a:cs typeface="Times New Roman" panose="02020603050405020304" pitchFamily="18" charset="0"/>
+              </a:rPr>
+              <a:t> </a:t>
+            </a:r>
+            <a:r>
+              <a:rPr lang="en-US" sz="3600" dirty="0" err="1" smtClean="0">
+                <a:solidFill>
+                  <a:schemeClr val="tx1"/>
+                </a:solidFill>
+                <a:latin typeface="Times New Roman" panose="02020603050405020304" pitchFamily="18" charset="0"/>
+                <a:cs typeface="Times New Roman" panose="02020603050405020304" pitchFamily="18" charset="0"/>
+              </a:rPr>
+              <a:t>liệu</a:t>
+            </a:r>
+            <a:r>
+              <a:rPr lang="en-US" sz="3600" dirty="0" smtClean="0">
+                <a:solidFill>
+                  <a:schemeClr val="tx1"/>
+                </a:solidFill>
+                <a:latin typeface="Times New Roman" panose="02020603050405020304" pitchFamily="18" charset="0"/>
+                <a:cs typeface="Times New Roman" panose="02020603050405020304" pitchFamily="18" charset="0"/>
+              </a:rPr>
+              <a:t> </a:t>
+            </a:r>
+            <a:r>
+              <a:rPr lang="en-US" sz="3600" dirty="0" err="1" smtClean="0">
+                <a:solidFill>
+                  <a:schemeClr val="tx1"/>
+                </a:solidFill>
+                <a:latin typeface="Times New Roman" panose="02020603050405020304" pitchFamily="18" charset="0"/>
+                <a:cs typeface="Times New Roman" panose="02020603050405020304" pitchFamily="18" charset="0"/>
+              </a:rPr>
+              <a:t>của</a:t>
+            </a:r>
+            <a:r>
+              <a:rPr lang="en-US" sz="3600" dirty="0" smtClean="0">
+                <a:solidFill>
+                  <a:schemeClr val="tx1"/>
+                </a:solidFill>
+                <a:latin typeface="Times New Roman" panose="02020603050405020304" pitchFamily="18" charset="0"/>
+                <a:cs typeface="Times New Roman" panose="02020603050405020304" pitchFamily="18" charset="0"/>
+              </a:rPr>
+              <a:t> </a:t>
+            </a:r>
+            <a:r>
+              <a:rPr lang="en-US" sz="3600" dirty="0" err="1" smtClean="0">
+                <a:solidFill>
+                  <a:schemeClr val="tx1"/>
+                </a:solidFill>
+                <a:latin typeface="Times New Roman" panose="02020603050405020304" pitchFamily="18" charset="0"/>
+                <a:cs typeface="Times New Roman" panose="02020603050405020304" pitchFamily="18" charset="0"/>
+              </a:rPr>
+              <a:t>lần</a:t>
+            </a:r>
+            <a:r>
+              <a:rPr lang="en-US" sz="3600" dirty="0" smtClean="0">
+                <a:solidFill>
+                  <a:schemeClr val="tx1"/>
+                </a:solidFill>
+                <a:latin typeface="Times New Roman" panose="02020603050405020304" pitchFamily="18" charset="0"/>
+                <a:cs typeface="Times New Roman" panose="02020603050405020304" pitchFamily="18" charset="0"/>
+              </a:rPr>
+              <a:t> </a:t>
+            </a:r>
+            <a:r>
+              <a:rPr lang="en-US" sz="3600" dirty="0" err="1" smtClean="0">
+                <a:solidFill>
+                  <a:schemeClr val="tx1"/>
+                </a:solidFill>
+                <a:latin typeface="Times New Roman" panose="02020603050405020304" pitchFamily="18" charset="0"/>
+                <a:cs typeface="Times New Roman" panose="02020603050405020304" pitchFamily="18" charset="0"/>
+              </a:rPr>
+              <a:t>trước</a:t>
+            </a:r>
+            <a:r>
+              <a:rPr lang="en-US" sz="3600" dirty="0" smtClean="0">
+                <a:solidFill>
+                  <a:schemeClr val="tx1"/>
+                </a:solidFill>
+                <a:latin typeface="Times New Roman" panose="02020603050405020304" pitchFamily="18" charset="0"/>
+                <a:cs typeface="Times New Roman" panose="02020603050405020304" pitchFamily="18" charset="0"/>
+              </a:rPr>
+              <a:t>.</a:t>
+            </a:r>
+            <a:endParaRPr lang="en-US" sz="3600" dirty="0">
+              <a:solidFill>
+                <a:schemeClr val="tx1"/>
+              </a:solidFill>
+              <a:latin typeface="Times New Roman" panose="02020603050405020304" pitchFamily="18" charset="0"/>
+              <a:cs typeface="Times New Roman" panose="02020603050405020304" pitchFamily="18" charset="0"/>
+            </a:endParaRPr>
+          </a:p>
+        </p:txBody>
+      </p:sp>
+      <p:sp>
+        <p:nvSpPr>
+          <p:cNvPr id="5" name="Slide Number Placeholder 4"/>
+          <p:cNvSpPr>
+            <a:spLocks noGrp="1"/>
+          </p:cNvSpPr>
+          <p:nvPr>
+            <p:ph type="sldNum" sz="quarter" idx="12"/>
+          </p:nvPr>
+        </p:nvSpPr>
+        <p:spPr/>
+        <p:txBody>
+          <a:bodyPr/>
+          <a:lstStyle/>
+          <a:p>
+            <a:fld id="{D57F1E4F-1CFF-5643-939E-217C01CDF565}" type="slidenum">
+              <a:rPr lang="en-US" smtClean="0"/>
+              <a:pPr/>
+              <a:t>13</a:t>
+            </a:fld>
+            <a:endParaRPr lang="en-US" dirty="0"/>
+          </a:p>
+        </p:txBody>
+      </p:sp>
+    </p:spTree>
+    <p:extLst>
+      <p:ext uri="{BB962C8B-B14F-4D97-AF65-F5344CB8AC3E}">
+        <p14:creationId xmlns:p14="http://schemas.microsoft.com/office/powerpoint/2010/main" val="2201057337"/>
+      </p:ext>
+    </p:extLst>
+  </p:cSld>
+  <p:clrMapOvr>
+    <a:masterClrMapping/>
+  </p:clrMapOvr>
+  <mc:AlternateContent xmlns:mc="http://schemas.openxmlformats.org/markup-compatibility/2006">
+    <mc:Choice xmlns:p15="http://schemas.microsoft.com/office/powerpoint/2012/main" Requires="p15">
+      <p:transition xmlns:p14="http://schemas.microsoft.com/office/powerpoint/2010/main" spd="slow" p14:dur="6000">
+        <p15:prstTrans prst="curtains"/>
+      </p:transition>
+    </mc:Choice>
+    <mc:Fallback>
+      <p:transition spd="slow">
+        <p:fade/>
+      </p:transition>
+    </mc:Fallback>
+  </mc:AlternateContent>
+  <p:timing>
+    <p:tnLst>
+      <p:par>
+        <p:cTn id="1" dur="indefinite" restart="never" nodeType="tmRoot">
+          <p:childTnLst>
+            <p:seq concurrent="1" nextAc="seek">
+              <p:cTn id="2" dur="indefinite" nodeType="mainSeq">
+                <p:childTnLst>
+                  <p:par>
+                    <p:cTn id="3" fill="hold">
+                      <p:stCondLst>
+                        <p:cond delay="indefinite"/>
+                      </p:stCondLst>
+                      <p:childTnLst>
+                        <p:par>
+                          <p:cTn id="4" fill="hold">
+                            <p:stCondLst>
+                              <p:cond delay="0"/>
+                            </p:stCondLst>
+                            <p:childTnLst>
+                              <p:par>
+                                <p:cTn id="5" presetID="16" presetClass="entr" presetSubtype="21" fill="hold" grpId="0" nodeType="clickEffect">
+                                  <p:stCondLst>
+                                    <p:cond delay="0"/>
+                                  </p:stCondLst>
+                                  <p:childTnLst>
+                                    <p:set>
+                                      <p:cBhvr>
+                                        <p:cTn id="6" dur="1" fill="hold">
+                                          <p:stCondLst>
+                                            <p:cond delay="0"/>
+                                          </p:stCondLst>
+                                        </p:cTn>
+                                        <p:tgtEl>
+                                          <p:spTgt spid="2"/>
+                                        </p:tgtEl>
+                                        <p:attrNameLst>
+                                          <p:attrName>style.visibility</p:attrName>
+                                        </p:attrNameLst>
+                                      </p:cBhvr>
+                                      <p:to>
+                                        <p:strVal val="visible"/>
+                                      </p:to>
+                                    </p:set>
+                                    <p:animEffect transition="in" filter="barn(inVertical)">
+                                      <p:cBhvr>
+                                        <p:cTn id="7" dur="500"/>
+                                        <p:tgtEl>
+                                          <p:spTgt spid="2"/>
+                                        </p:tgtEl>
+                                      </p:cBhvr>
+                                    </p:animEffect>
+                                  </p:childTnLst>
+                                </p:cTn>
+                              </p:par>
+                            </p:childTnLst>
+                          </p:cTn>
+                        </p:par>
+                      </p:childTnLst>
+                    </p:cTn>
+                  </p:par>
+                  <p:par>
+                    <p:cTn id="8" fill="hold">
+                      <p:stCondLst>
+                        <p:cond delay="indefinite"/>
+                      </p:stCondLst>
+                      <p:childTnLst>
+                        <p:par>
+                          <p:cTn id="9" fill="hold">
+                            <p:stCondLst>
+                              <p:cond delay="0"/>
+                            </p:stCondLst>
+                            <p:childTnLst>
+                              <p:par>
+                                <p:cTn id="10" presetID="14" presetClass="exit" presetSubtype="10" fill="hold" grpId="1" nodeType="clickEffect">
+                                  <p:stCondLst>
+                                    <p:cond delay="0"/>
+                                  </p:stCondLst>
+                                  <p:childTnLst>
+                                    <p:animEffect transition="out" filter="randombar(horizontal)">
+                                      <p:cBhvr>
+                                        <p:cTn id="11" dur="500"/>
+                                        <p:tgtEl>
+                                          <p:spTgt spid="2"/>
+                                        </p:tgtEl>
+                                      </p:cBhvr>
+                                    </p:animEffect>
+                                    <p:set>
+                                      <p:cBhvr>
+                                        <p:cTn id="12" dur="1" fill="hold">
+                                          <p:stCondLst>
+                                            <p:cond delay="499"/>
+                                          </p:stCondLst>
+                                        </p:cTn>
+                                        <p:tgtEl>
+                                          <p:spTgt spid="2"/>
+                                        </p:tgtEl>
+                                        <p:attrNameLst>
+                                          <p:attrName>style.visibility</p:attrName>
+                                        </p:attrNameLst>
+                                      </p:cBhvr>
+                                      <p:to>
+                                        <p:strVal val="hidden"/>
+                                      </p:to>
+                                    </p:set>
+                                  </p:childTnLst>
+                                </p:cTn>
+                              </p:par>
+                            </p:childTnLst>
+                          </p:cTn>
+                        </p:par>
+                      </p:childTnLst>
+                    </p:cTn>
+                  </p:par>
+                  <p:par>
+                    <p:cTn id="13" fill="hold">
+                      <p:stCondLst>
+                        <p:cond delay="indefinite"/>
+                      </p:stCondLst>
+                      <p:childTnLst>
+                        <p:par>
+                          <p:cTn id="14" fill="hold">
+                            <p:stCondLst>
+                              <p:cond delay="0"/>
+                            </p:stCondLst>
+                            <p:childTnLst>
+                              <p:par>
+                                <p:cTn id="15" presetID="22" presetClass="entr" presetSubtype="4" fill="hold" nodeType="clickEffect">
+                                  <p:stCondLst>
+                                    <p:cond delay="0"/>
+                                  </p:stCondLst>
+                                  <p:childTnLst>
+                                    <p:set>
+                                      <p:cBhvr>
+                                        <p:cTn id="16" dur="1" fill="hold">
+                                          <p:stCondLst>
+                                            <p:cond delay="0"/>
+                                          </p:stCondLst>
+                                        </p:cTn>
+                                        <p:tgtEl>
+                                          <p:spTgt spid="3">
+                                            <p:txEl>
+                                              <p:pRg st="0" end="0"/>
+                                            </p:txEl>
+                                          </p:spTgt>
+                                        </p:tgtEl>
+                                        <p:attrNameLst>
+                                          <p:attrName>style.visibility</p:attrName>
+                                        </p:attrNameLst>
+                                      </p:cBhvr>
+                                      <p:to>
+                                        <p:strVal val="visible"/>
+                                      </p:to>
+                                    </p:set>
+                                    <p:animEffect transition="in" filter="wipe(down)">
+                                      <p:cBhvr>
+                                        <p:cTn id="17" dur="500"/>
+                                        <p:tgtEl>
+                                          <p:spTgt spid="3">
+                                            <p:txEl>
+                                              <p:pRg st="0" end="0"/>
+                                            </p:txEl>
+                                          </p:spTgt>
+                                        </p:tgtEl>
+                                      </p:cBhvr>
+                                    </p:animEffect>
+                                  </p:childTnLst>
+                                </p:cTn>
+                              </p:par>
+                            </p:childTnLst>
+                          </p:cTn>
+                        </p:par>
+                      </p:childTnLst>
+                    </p:cTn>
+                  </p:par>
+                  <p:par>
+                    <p:cTn id="18" fill="hold">
+                      <p:stCondLst>
+                        <p:cond delay="indefinite"/>
+                      </p:stCondLst>
+                      <p:childTnLst>
+                        <p:par>
+                          <p:cTn id="19" fill="hold">
+                            <p:stCondLst>
+                              <p:cond delay="0"/>
+                            </p:stCondLst>
+                            <p:childTnLst>
+                              <p:par>
+                                <p:cTn id="20" presetID="16" presetClass="entr" presetSubtype="21" fill="hold" nodeType="clickEffect">
+                                  <p:stCondLst>
+                                    <p:cond delay="0"/>
+                                  </p:stCondLst>
+                                  <p:childTnLst>
+                                    <p:set>
+                                      <p:cBhvr>
+                                        <p:cTn id="21" dur="1" fill="hold">
+                                          <p:stCondLst>
+                                            <p:cond delay="0"/>
+                                          </p:stCondLst>
+                                        </p:cTn>
+                                        <p:tgtEl>
+                                          <p:spTgt spid="4">
+                                            <p:txEl>
+                                              <p:pRg st="0" end="0"/>
+                                            </p:txEl>
+                                          </p:spTgt>
+                                        </p:tgtEl>
+                                        <p:attrNameLst>
+                                          <p:attrName>style.visibility</p:attrName>
+                                        </p:attrNameLst>
+                                      </p:cBhvr>
+                                      <p:to>
+                                        <p:strVal val="visible"/>
+                                      </p:to>
+                                    </p:set>
+                                    <p:animEffect transition="in" filter="barn(inVertical)">
+                                      <p:cBhvr>
+                                        <p:cTn id="22" dur="500"/>
+                                        <p:tgtEl>
+                                          <p:spTgt spid="4">
+                                            <p:txEl>
+                                              <p:pRg st="0" end="0"/>
+                                            </p:txEl>
+                                          </p:spTgt>
+                                        </p:tgtEl>
+                                      </p:cBhvr>
+                                    </p:animEffect>
+                                  </p:childTnLst>
+                                </p:cTn>
+                              </p:par>
+                            </p:childTnLst>
+                          </p:cTn>
+                        </p:par>
+                      </p:childTnLst>
+                    </p:cTn>
+                  </p:par>
+                  <p:par>
+                    <p:cTn id="23" fill="hold">
+                      <p:stCondLst>
+                        <p:cond delay="indefinite"/>
+                      </p:stCondLst>
+                      <p:childTnLst>
+                        <p:par>
+                          <p:cTn id="24" fill="hold">
+                            <p:stCondLst>
+                              <p:cond delay="0"/>
+                            </p:stCondLst>
+                            <p:childTnLst>
+                              <p:par>
+                                <p:cTn id="25" presetID="42" presetClass="entr" presetSubtype="0" fill="hold" nodeType="clickEffect">
+                                  <p:stCondLst>
+                                    <p:cond delay="0"/>
+                                  </p:stCondLst>
+                                  <p:childTnLst>
+                                    <p:set>
+                                      <p:cBhvr>
+                                        <p:cTn id="26" dur="1" fill="hold">
+                                          <p:stCondLst>
+                                            <p:cond delay="0"/>
+                                          </p:stCondLst>
+                                        </p:cTn>
+                                        <p:tgtEl>
+                                          <p:spTgt spid="4">
+                                            <p:txEl>
+                                              <p:pRg st="1" end="1"/>
+                                            </p:txEl>
+                                          </p:spTgt>
+                                        </p:tgtEl>
+                                        <p:attrNameLst>
+                                          <p:attrName>style.visibility</p:attrName>
+                                        </p:attrNameLst>
+                                      </p:cBhvr>
+                                      <p:to>
+                                        <p:strVal val="visible"/>
+                                      </p:to>
+                                    </p:set>
+                                    <p:animEffect transition="in" filter="fade">
+                                      <p:cBhvr>
+                                        <p:cTn id="27" dur="1000"/>
+                                        <p:tgtEl>
+                                          <p:spTgt spid="4">
+                                            <p:txEl>
+                                              <p:pRg st="1" end="1"/>
+                                            </p:txEl>
+                                          </p:spTgt>
+                                        </p:tgtEl>
+                                      </p:cBhvr>
+                                    </p:animEffect>
+                                    <p:anim calcmode="lin" valueType="num">
+                                      <p:cBhvr>
+                                        <p:cTn id="28" dur="1000" fill="hold"/>
+                                        <p:tgtEl>
+                                          <p:spTgt spid="4">
+                                            <p:txEl>
+                                              <p:pRg st="1" end="1"/>
+                                            </p:txEl>
+                                          </p:spTgt>
+                                        </p:tgtEl>
+                                        <p:attrNameLst>
+                                          <p:attrName>ppt_x</p:attrName>
+                                        </p:attrNameLst>
+                                      </p:cBhvr>
+                                      <p:tavLst>
+                                        <p:tav tm="0">
+                                          <p:val>
+                                            <p:strVal val="#ppt_x"/>
+                                          </p:val>
+                                        </p:tav>
+                                        <p:tav tm="100000">
+                                          <p:val>
+                                            <p:strVal val="#ppt_x"/>
+                                          </p:val>
+                                        </p:tav>
+                                      </p:tavLst>
+                                    </p:anim>
+                                    <p:anim calcmode="lin" valueType="num">
+                                      <p:cBhvr>
+                                        <p:cTn id="29" dur="1000" fill="hold"/>
+                                        <p:tgtEl>
+                                          <p:spTgt spid="4">
+                                            <p:txEl>
+                                              <p:pRg st="1" end="1"/>
+                                            </p:txEl>
+                                          </p:spTgt>
+                                        </p:tgtEl>
+                                        <p:attrNameLst>
+                                          <p:attrName>ppt_y</p:attrName>
+                                        </p:attrNameLst>
+                                      </p:cBhvr>
+                                      <p:tavLst>
+                                        <p:tav tm="0">
+                                          <p:val>
+                                            <p:strVal val="#ppt_y+.1"/>
+                                          </p:val>
+                                        </p:tav>
+                                        <p:tav tm="100000">
+                                          <p:val>
+                                            <p:strVal val="#ppt_y"/>
+                                          </p:val>
+                                        </p:tav>
+                                      </p:tavLst>
+                                    </p:anim>
+                                  </p:childTnLst>
+                                </p:cTn>
+                              </p:par>
+                            </p:childTnLst>
+                          </p:cTn>
+                        </p:par>
+                      </p:childTnLst>
+                    </p:cTn>
+                  </p:par>
+                </p:childTnLst>
+              </p:cTn>
+              <p:prevCondLst>
+                <p:cond evt="onPrev" delay="0">
+                  <p:tgtEl>
+                    <p:sldTgt/>
+                  </p:tgtEl>
+                </p:cond>
+              </p:prevCondLst>
+              <p:nextCondLst>
+                <p:cond evt="onNext" delay="0">
+                  <p:tgtEl>
+                    <p:sldTgt/>
+                  </p:tgtEl>
+                </p:cond>
+              </p:nextCondLst>
+            </p:seq>
+          </p:childTnLst>
+        </p:cTn>
+      </p:par>
+    </p:tnLst>
+    <p:bldLst>
+      <p:bldP spid="2" grpId="0"/>
+      <p:bldP spid="2" grpId="1"/>
+    </p:bldLst>
+  </p:timing>
+</p:sld>
+</file>
+
+<file path=ppt/slides/slide14.xml><?xml version="1.0" encoding="utf-8"?>
+<p:sld xmlns:a="http://schemas.openxmlformats.org/drawingml/2006/main" xmlns:r="http://schemas.openxmlformats.org/officeDocument/2006/relationships" xmlns:p="http://schemas.openxmlformats.org/presentationml/2006/main" showMasterSp="0">
+  <p:cSld>
+    <p:bg>
+      <p:bgPr>
+        <a:blipFill dpi="0" rotWithShape="1">
+          <a:blip r:embed="rId2">
+            <a:lum/>
+          </a:blip>
+          <a:srcRect/>
+          <a:stretch>
+            <a:fillRect t="-27000" b="-27000"/>
+          </a:stretch>
+        </a:blipFill>
+        <a:effectLst/>
+      </p:bgPr>
+    </p:bg>
+    <p:spTree>
+      <p:nvGrpSpPr>
+        <p:cNvPr id="1" name=""/>
+        <p:cNvGrpSpPr/>
+        <p:nvPr/>
+      </p:nvGrpSpPr>
+      <p:grpSpPr>
+        <a:xfrm>
+          <a:off x="0" y="0"/>
+          <a:ext cx="0" cy="0"/>
+          <a:chOff x="0" y="0"/>
+          <a:chExt cx="0" cy="0"/>
+        </a:xfrm>
+      </p:grpSpPr>
+      <p:sp>
+        <p:nvSpPr>
+          <p:cNvPr id="3" name="Text Placeholder 2"/>
+          <p:cNvSpPr>
+            <a:spLocks noGrp="1"/>
+          </p:cNvSpPr>
+          <p:nvPr>
+            <p:ph type="body" sz="quarter" idx="13"/>
+          </p:nvPr>
+        </p:nvSpPr>
+        <p:spPr>
+          <a:xfrm>
+            <a:off x="6126480" y="849376"/>
+            <a:ext cx="5762705" cy="514248"/>
+          </a:xfrm>
+        </p:spPr>
+        <p:txBody>
+          <a:bodyPr/>
+          <a:lstStyle/>
+          <a:p>
+            <a:r>
+              <a:rPr lang="en-US" sz="5000" dirty="0" err="1" smtClean="0">
+                <a:solidFill>
+                  <a:schemeClr val="tx1"/>
+                </a:solidFill>
+                <a:latin typeface="Times New Roman" panose="02020603050405020304" pitchFamily="18" charset="0"/>
+                <a:cs typeface="Times New Roman" panose="02020603050405020304" pitchFamily="18" charset="0"/>
+              </a:rPr>
+              <a:t>Hướng</a:t>
+            </a:r>
+            <a:r>
+              <a:rPr lang="en-US" sz="5000" dirty="0" smtClean="0">
+                <a:solidFill>
+                  <a:schemeClr val="tx1"/>
+                </a:solidFill>
+                <a:latin typeface="Times New Roman" panose="02020603050405020304" pitchFamily="18" charset="0"/>
+                <a:cs typeface="Times New Roman" panose="02020603050405020304" pitchFamily="18" charset="0"/>
+              </a:rPr>
+              <a:t> </a:t>
+            </a:r>
+            <a:r>
+              <a:rPr lang="en-US" sz="5000" dirty="0" err="1" smtClean="0">
+                <a:solidFill>
+                  <a:schemeClr val="tx1"/>
+                </a:solidFill>
+                <a:latin typeface="Times New Roman" panose="02020603050405020304" pitchFamily="18" charset="0"/>
+                <a:cs typeface="Times New Roman" panose="02020603050405020304" pitchFamily="18" charset="0"/>
+              </a:rPr>
+              <a:t>phát</a:t>
+            </a:r>
+            <a:r>
+              <a:rPr lang="en-US" sz="5000" dirty="0" smtClean="0">
+                <a:solidFill>
+                  <a:schemeClr val="tx1"/>
+                </a:solidFill>
+                <a:latin typeface="Times New Roman" panose="02020603050405020304" pitchFamily="18" charset="0"/>
+                <a:cs typeface="Times New Roman" panose="02020603050405020304" pitchFamily="18" charset="0"/>
+              </a:rPr>
+              <a:t> </a:t>
+            </a:r>
+            <a:r>
+              <a:rPr lang="en-US" sz="5000" dirty="0" err="1" smtClean="0">
+                <a:solidFill>
+                  <a:schemeClr val="tx1"/>
+                </a:solidFill>
+                <a:latin typeface="Times New Roman" panose="02020603050405020304" pitchFamily="18" charset="0"/>
+                <a:cs typeface="Times New Roman" panose="02020603050405020304" pitchFamily="18" charset="0"/>
+              </a:rPr>
+              <a:t>triển</a:t>
+            </a:r>
+            <a:endParaRPr lang="en-US" sz="5000" dirty="0">
+              <a:solidFill>
+                <a:schemeClr val="tx1"/>
+              </a:solidFill>
+              <a:latin typeface="Times New Roman" panose="02020603050405020304" pitchFamily="18" charset="0"/>
+              <a:cs typeface="Times New Roman" panose="02020603050405020304" pitchFamily="18" charset="0"/>
+            </a:endParaRPr>
+          </a:p>
+        </p:txBody>
+      </p:sp>
+      <p:sp>
+        <p:nvSpPr>
+          <p:cNvPr id="4" name="Text Placeholder 3"/>
+          <p:cNvSpPr>
+            <a:spLocks noGrp="1"/>
+          </p:cNvSpPr>
+          <p:nvPr>
+            <p:ph type="body" idx="1"/>
+          </p:nvPr>
+        </p:nvSpPr>
+        <p:spPr>
+          <a:xfrm>
+            <a:off x="4700016" y="1431622"/>
+            <a:ext cx="7491984" cy="4438826"/>
+          </a:xfrm>
+        </p:spPr>
+        <p:txBody>
+          <a:bodyPr anchor="ctr">
+            <a:normAutofit/>
+          </a:bodyPr>
+          <a:lstStyle/>
+          <a:p>
+            <a:pPr>
+              <a:lnSpc>
+                <a:spcPct val="150000"/>
+              </a:lnSpc>
+            </a:pPr>
+            <a:r>
+              <a:rPr lang="en-US" sz="3600" dirty="0" smtClean="0">
+                <a:solidFill>
+                  <a:schemeClr val="tx1"/>
+                </a:solidFill>
+                <a:latin typeface="Times New Roman" panose="02020603050405020304" pitchFamily="18" charset="0"/>
+                <a:cs typeface="Times New Roman" panose="02020603050405020304" pitchFamily="18" charset="0"/>
+              </a:rPr>
+              <a:t>- </a:t>
+            </a:r>
+            <a:r>
+              <a:rPr lang="en-US" sz="3600" dirty="0" err="1" smtClean="0">
+                <a:solidFill>
+                  <a:schemeClr val="tx1"/>
+                </a:solidFill>
+                <a:latin typeface="Times New Roman" panose="02020603050405020304" pitchFamily="18" charset="0"/>
+                <a:cs typeface="Times New Roman" panose="02020603050405020304" pitchFamily="18" charset="0"/>
+              </a:rPr>
+              <a:t>Thêm</a:t>
+            </a:r>
+            <a:r>
+              <a:rPr lang="en-US" sz="3600" dirty="0" smtClean="0">
+                <a:solidFill>
+                  <a:schemeClr val="tx1"/>
+                </a:solidFill>
+                <a:latin typeface="Times New Roman" panose="02020603050405020304" pitchFamily="18" charset="0"/>
+                <a:cs typeface="Times New Roman" panose="02020603050405020304" pitchFamily="18" charset="0"/>
+              </a:rPr>
+              <a:t> </a:t>
+            </a:r>
+            <a:r>
+              <a:rPr lang="en-US" sz="3600" dirty="0" err="1" smtClean="0">
+                <a:solidFill>
+                  <a:schemeClr val="tx1"/>
+                </a:solidFill>
+                <a:latin typeface="Times New Roman" panose="02020603050405020304" pitchFamily="18" charset="0"/>
+                <a:cs typeface="Times New Roman" panose="02020603050405020304" pitchFamily="18" charset="0"/>
+              </a:rPr>
+              <a:t>chức</a:t>
+            </a:r>
+            <a:r>
+              <a:rPr lang="en-US" sz="3600" dirty="0" smtClean="0">
+                <a:solidFill>
+                  <a:schemeClr val="tx1"/>
+                </a:solidFill>
+                <a:latin typeface="Times New Roman" panose="02020603050405020304" pitchFamily="18" charset="0"/>
+                <a:cs typeface="Times New Roman" panose="02020603050405020304" pitchFamily="18" charset="0"/>
+              </a:rPr>
+              <a:t> </a:t>
+            </a:r>
+            <a:r>
+              <a:rPr lang="en-US" sz="3600" dirty="0" err="1" smtClean="0">
+                <a:solidFill>
+                  <a:schemeClr val="tx1"/>
+                </a:solidFill>
+                <a:latin typeface="Times New Roman" panose="02020603050405020304" pitchFamily="18" charset="0"/>
+                <a:cs typeface="Times New Roman" panose="02020603050405020304" pitchFamily="18" charset="0"/>
+              </a:rPr>
+              <a:t>năng</a:t>
+            </a:r>
+            <a:r>
+              <a:rPr lang="en-US" sz="3600" dirty="0" smtClean="0">
+                <a:solidFill>
+                  <a:schemeClr val="tx1"/>
+                </a:solidFill>
+                <a:latin typeface="Times New Roman" panose="02020603050405020304" pitchFamily="18" charset="0"/>
+                <a:cs typeface="Times New Roman" panose="02020603050405020304" pitchFamily="18" charset="0"/>
+              </a:rPr>
+              <a:t> </a:t>
+            </a:r>
+            <a:r>
+              <a:rPr lang="en-US" sz="3600" dirty="0" err="1" smtClean="0">
+                <a:solidFill>
+                  <a:schemeClr val="tx1"/>
+                </a:solidFill>
+                <a:latin typeface="Times New Roman" panose="02020603050405020304" pitchFamily="18" charset="0"/>
+                <a:cs typeface="Times New Roman" panose="02020603050405020304" pitchFamily="18" charset="0"/>
+              </a:rPr>
+              <a:t>đọc</a:t>
+            </a:r>
+            <a:r>
+              <a:rPr lang="en-US" sz="3600" dirty="0" smtClean="0">
+                <a:solidFill>
+                  <a:schemeClr val="tx1"/>
+                </a:solidFill>
+                <a:latin typeface="Times New Roman" panose="02020603050405020304" pitchFamily="18" charset="0"/>
+                <a:cs typeface="Times New Roman" panose="02020603050405020304" pitchFamily="18" charset="0"/>
+              </a:rPr>
+              <a:t> </a:t>
+            </a:r>
+            <a:r>
+              <a:rPr lang="en-US" sz="3600" dirty="0" err="1" smtClean="0">
+                <a:solidFill>
+                  <a:schemeClr val="tx1"/>
+                </a:solidFill>
+                <a:latin typeface="Times New Roman" panose="02020603050405020304" pitchFamily="18" charset="0"/>
+                <a:cs typeface="Times New Roman" panose="02020603050405020304" pitchFamily="18" charset="0"/>
+              </a:rPr>
+              <a:t>dữ</a:t>
+            </a:r>
+            <a:r>
+              <a:rPr lang="en-US" sz="3600" dirty="0" smtClean="0">
+                <a:solidFill>
+                  <a:schemeClr val="tx1"/>
+                </a:solidFill>
+                <a:latin typeface="Times New Roman" panose="02020603050405020304" pitchFamily="18" charset="0"/>
+                <a:cs typeface="Times New Roman" panose="02020603050405020304" pitchFamily="18" charset="0"/>
+              </a:rPr>
+              <a:t> </a:t>
+            </a:r>
+            <a:r>
+              <a:rPr lang="en-US" sz="3600" dirty="0" err="1" smtClean="0">
+                <a:solidFill>
+                  <a:schemeClr val="tx1"/>
+                </a:solidFill>
+                <a:latin typeface="Times New Roman" panose="02020603050405020304" pitchFamily="18" charset="0"/>
+                <a:cs typeface="Times New Roman" panose="02020603050405020304" pitchFamily="18" charset="0"/>
+              </a:rPr>
+              <a:t>liệu</a:t>
+            </a:r>
+            <a:r>
+              <a:rPr lang="en-US" sz="3600" dirty="0" smtClean="0">
+                <a:solidFill>
+                  <a:schemeClr val="tx1"/>
+                </a:solidFill>
+                <a:latin typeface="Times New Roman" panose="02020603050405020304" pitchFamily="18" charset="0"/>
+                <a:cs typeface="Times New Roman" panose="02020603050405020304" pitchFamily="18" charset="0"/>
+              </a:rPr>
+              <a:t> </a:t>
+            </a:r>
+            <a:r>
+              <a:rPr lang="en-US" sz="3600" dirty="0" err="1" smtClean="0">
+                <a:solidFill>
+                  <a:schemeClr val="tx1"/>
+                </a:solidFill>
+                <a:latin typeface="Times New Roman" panose="02020603050405020304" pitchFamily="18" charset="0"/>
+                <a:cs typeface="Times New Roman" panose="02020603050405020304" pitchFamily="18" charset="0"/>
+              </a:rPr>
+              <a:t>trên</a:t>
+            </a:r>
+            <a:r>
+              <a:rPr lang="en-US" sz="3600" dirty="0" smtClean="0">
+                <a:solidFill>
+                  <a:schemeClr val="tx1"/>
+                </a:solidFill>
+                <a:latin typeface="Times New Roman" panose="02020603050405020304" pitchFamily="18" charset="0"/>
+                <a:cs typeface="Times New Roman" panose="02020603050405020304" pitchFamily="18" charset="0"/>
+              </a:rPr>
+              <a:t> file excel.</a:t>
+            </a:r>
+          </a:p>
+          <a:p>
+            <a:pPr>
+              <a:lnSpc>
+                <a:spcPct val="150000"/>
+              </a:lnSpc>
+            </a:pPr>
+            <a:r>
+              <a:rPr lang="en-US" sz="3600" dirty="0" smtClean="0">
+                <a:solidFill>
+                  <a:schemeClr val="tx1"/>
+                </a:solidFill>
+                <a:latin typeface="Times New Roman" panose="02020603050405020304" pitchFamily="18" charset="0"/>
+                <a:cs typeface="Times New Roman" panose="02020603050405020304" pitchFamily="18" charset="0"/>
+              </a:rPr>
+              <a:t>- </a:t>
+            </a:r>
+            <a:r>
+              <a:rPr lang="en-US" sz="3600" dirty="0" err="1" smtClean="0">
+                <a:solidFill>
+                  <a:schemeClr val="tx1"/>
+                </a:solidFill>
+                <a:latin typeface="Times New Roman" panose="02020603050405020304" pitchFamily="18" charset="0"/>
+                <a:cs typeface="Times New Roman" panose="02020603050405020304" pitchFamily="18" charset="0"/>
+              </a:rPr>
+              <a:t>Dùng</a:t>
+            </a:r>
+            <a:r>
+              <a:rPr lang="en-US" sz="3600" dirty="0" smtClean="0">
+                <a:solidFill>
+                  <a:schemeClr val="tx1"/>
+                </a:solidFill>
+                <a:latin typeface="Times New Roman" panose="02020603050405020304" pitchFamily="18" charset="0"/>
+                <a:cs typeface="Times New Roman" panose="02020603050405020304" pitchFamily="18" charset="0"/>
+              </a:rPr>
+              <a:t> </a:t>
+            </a:r>
+            <a:r>
+              <a:rPr lang="en-US" sz="3600" dirty="0" err="1" smtClean="0">
+                <a:solidFill>
+                  <a:schemeClr val="tx1"/>
+                </a:solidFill>
+                <a:latin typeface="Times New Roman" panose="02020603050405020304" pitchFamily="18" charset="0"/>
+                <a:cs typeface="Times New Roman" panose="02020603050405020304" pitchFamily="18" charset="0"/>
+              </a:rPr>
+              <a:t>với</a:t>
+            </a:r>
+            <a:r>
+              <a:rPr lang="en-US" sz="3600" dirty="0" smtClean="0">
+                <a:solidFill>
+                  <a:schemeClr val="tx1"/>
+                </a:solidFill>
+                <a:latin typeface="Times New Roman" panose="02020603050405020304" pitchFamily="18" charset="0"/>
+                <a:cs typeface="Times New Roman" panose="02020603050405020304" pitchFamily="18" charset="0"/>
+              </a:rPr>
+              <a:t> </a:t>
+            </a:r>
+            <a:r>
+              <a:rPr lang="en-US" sz="3600" dirty="0" err="1" smtClean="0">
+                <a:solidFill>
+                  <a:schemeClr val="tx1"/>
+                </a:solidFill>
+                <a:latin typeface="Times New Roman" panose="02020603050405020304" pitchFamily="18" charset="0"/>
+                <a:cs typeface="Times New Roman" panose="02020603050405020304" pitchFamily="18" charset="0"/>
+              </a:rPr>
+              <a:t>quy</a:t>
+            </a:r>
+            <a:r>
+              <a:rPr lang="en-US" sz="3600" dirty="0" smtClean="0">
+                <a:solidFill>
+                  <a:schemeClr val="tx1"/>
+                </a:solidFill>
+                <a:latin typeface="Times New Roman" panose="02020603050405020304" pitchFamily="18" charset="0"/>
+                <a:cs typeface="Times New Roman" panose="02020603050405020304" pitchFamily="18" charset="0"/>
+              </a:rPr>
+              <a:t> </a:t>
+            </a:r>
+            <a:r>
+              <a:rPr lang="en-US" sz="3600" dirty="0" err="1" smtClean="0">
+                <a:solidFill>
+                  <a:schemeClr val="tx1"/>
+                </a:solidFill>
+                <a:latin typeface="Times New Roman" panose="02020603050405020304" pitchFamily="18" charset="0"/>
+                <a:cs typeface="Times New Roman" panose="02020603050405020304" pitchFamily="18" charset="0"/>
+              </a:rPr>
+              <a:t>mô</a:t>
+            </a:r>
+            <a:r>
+              <a:rPr lang="en-US" sz="3600" dirty="0" smtClean="0">
+                <a:solidFill>
+                  <a:schemeClr val="tx1"/>
+                </a:solidFill>
+                <a:latin typeface="Times New Roman" panose="02020603050405020304" pitchFamily="18" charset="0"/>
+                <a:cs typeface="Times New Roman" panose="02020603050405020304" pitchFamily="18" charset="0"/>
+              </a:rPr>
+              <a:t> </a:t>
+            </a:r>
+            <a:r>
+              <a:rPr lang="en-US" sz="3600" dirty="0" err="1" smtClean="0">
+                <a:solidFill>
+                  <a:schemeClr val="tx1"/>
+                </a:solidFill>
+                <a:latin typeface="Times New Roman" panose="02020603050405020304" pitchFamily="18" charset="0"/>
+                <a:cs typeface="Times New Roman" panose="02020603050405020304" pitchFamily="18" charset="0"/>
+              </a:rPr>
+              <a:t>lớn</a:t>
+            </a:r>
+            <a:r>
+              <a:rPr lang="en-US" sz="3600" dirty="0" smtClean="0">
+                <a:solidFill>
+                  <a:schemeClr val="tx1"/>
+                </a:solidFill>
+                <a:latin typeface="Times New Roman" panose="02020603050405020304" pitchFamily="18" charset="0"/>
+                <a:cs typeface="Times New Roman" panose="02020603050405020304" pitchFamily="18" charset="0"/>
+              </a:rPr>
+              <a:t> </a:t>
+            </a:r>
+            <a:r>
+              <a:rPr lang="en-US" sz="3600" dirty="0" err="1" smtClean="0">
+                <a:solidFill>
+                  <a:schemeClr val="tx1"/>
+                </a:solidFill>
+                <a:latin typeface="Times New Roman" panose="02020603050405020304" pitchFamily="18" charset="0"/>
+                <a:cs typeface="Times New Roman" panose="02020603050405020304" pitchFamily="18" charset="0"/>
+              </a:rPr>
+              <a:t>hơn</a:t>
+            </a:r>
+            <a:r>
+              <a:rPr lang="en-US" sz="3600" dirty="0" smtClean="0">
+                <a:solidFill>
+                  <a:schemeClr val="tx1"/>
+                </a:solidFill>
+                <a:latin typeface="Times New Roman" panose="02020603050405020304" pitchFamily="18" charset="0"/>
+                <a:cs typeface="Times New Roman" panose="02020603050405020304" pitchFamily="18" charset="0"/>
+              </a:rPr>
+              <a:t>.</a:t>
+            </a:r>
+          </a:p>
+          <a:p>
+            <a:pPr>
+              <a:lnSpc>
+                <a:spcPct val="150000"/>
+              </a:lnSpc>
+            </a:pPr>
+            <a:r>
+              <a:rPr lang="en-US" sz="3600" dirty="0">
+                <a:solidFill>
+                  <a:schemeClr val="tx1"/>
+                </a:solidFill>
+                <a:latin typeface="Times New Roman" panose="02020603050405020304" pitchFamily="18" charset="0"/>
+                <a:cs typeface="Times New Roman" panose="02020603050405020304" pitchFamily="18" charset="0"/>
+              </a:rPr>
+              <a:t>-</a:t>
+            </a:r>
+            <a:r>
+              <a:rPr lang="en-US" sz="3600" dirty="0" smtClean="0">
+                <a:solidFill>
+                  <a:schemeClr val="tx1"/>
+                </a:solidFill>
+                <a:latin typeface="Times New Roman" panose="02020603050405020304" pitchFamily="18" charset="0"/>
+                <a:cs typeface="Times New Roman" panose="02020603050405020304" pitchFamily="18" charset="0"/>
+              </a:rPr>
+              <a:t> </a:t>
+            </a:r>
+            <a:r>
+              <a:rPr lang="en-US" sz="3600" dirty="0" err="1" smtClean="0">
+                <a:solidFill>
+                  <a:schemeClr val="tx1"/>
+                </a:solidFill>
+                <a:latin typeface="Times New Roman" panose="02020603050405020304" pitchFamily="18" charset="0"/>
+                <a:cs typeface="Times New Roman" panose="02020603050405020304" pitchFamily="18" charset="0"/>
+              </a:rPr>
+              <a:t>Dùng</a:t>
+            </a:r>
+            <a:r>
+              <a:rPr lang="en-US" sz="3600" dirty="0" smtClean="0">
+                <a:solidFill>
+                  <a:schemeClr val="tx1"/>
+                </a:solidFill>
+                <a:latin typeface="Times New Roman" panose="02020603050405020304" pitchFamily="18" charset="0"/>
+                <a:cs typeface="Times New Roman" panose="02020603050405020304" pitchFamily="18" charset="0"/>
+              </a:rPr>
+              <a:t> </a:t>
+            </a:r>
+            <a:r>
+              <a:rPr lang="en-US" sz="3600" dirty="0" err="1" smtClean="0">
+                <a:solidFill>
+                  <a:schemeClr val="tx1"/>
+                </a:solidFill>
+                <a:latin typeface="Times New Roman" panose="02020603050405020304" pitchFamily="18" charset="0"/>
+                <a:cs typeface="Times New Roman" panose="02020603050405020304" pitchFamily="18" charset="0"/>
+              </a:rPr>
+              <a:t>cho</a:t>
+            </a:r>
+            <a:r>
+              <a:rPr lang="en-US" sz="3600" dirty="0" smtClean="0">
+                <a:solidFill>
+                  <a:schemeClr val="tx1"/>
+                </a:solidFill>
+                <a:latin typeface="Times New Roman" panose="02020603050405020304" pitchFamily="18" charset="0"/>
+                <a:cs typeface="Times New Roman" panose="02020603050405020304" pitchFamily="18" charset="0"/>
+              </a:rPr>
+              <a:t> </a:t>
+            </a:r>
+            <a:r>
+              <a:rPr lang="en-US" sz="3600" dirty="0" err="1" smtClean="0">
+                <a:solidFill>
+                  <a:schemeClr val="tx1"/>
+                </a:solidFill>
+                <a:latin typeface="Times New Roman" panose="02020603050405020304" pitchFamily="18" charset="0"/>
+                <a:cs typeface="Times New Roman" panose="02020603050405020304" pitchFamily="18" charset="0"/>
+              </a:rPr>
+              <a:t>các</a:t>
+            </a:r>
+            <a:r>
+              <a:rPr lang="en-US" sz="3600" dirty="0" smtClean="0">
+                <a:solidFill>
+                  <a:schemeClr val="tx1"/>
+                </a:solidFill>
+                <a:latin typeface="Times New Roman" panose="02020603050405020304" pitchFamily="18" charset="0"/>
+                <a:cs typeface="Times New Roman" panose="02020603050405020304" pitchFamily="18" charset="0"/>
+              </a:rPr>
+              <a:t> </a:t>
+            </a:r>
+            <a:r>
+              <a:rPr lang="en-US" sz="3600" dirty="0" err="1" smtClean="0">
+                <a:solidFill>
+                  <a:schemeClr val="tx1"/>
+                </a:solidFill>
+                <a:latin typeface="Times New Roman" panose="02020603050405020304" pitchFamily="18" charset="0"/>
+                <a:cs typeface="Times New Roman" panose="02020603050405020304" pitchFamily="18" charset="0"/>
+              </a:rPr>
+              <a:t>lĩnh</a:t>
+            </a:r>
+            <a:r>
+              <a:rPr lang="en-US" sz="3600" dirty="0" smtClean="0">
+                <a:solidFill>
+                  <a:schemeClr val="tx1"/>
+                </a:solidFill>
+                <a:latin typeface="Times New Roman" panose="02020603050405020304" pitchFamily="18" charset="0"/>
+                <a:cs typeface="Times New Roman" panose="02020603050405020304" pitchFamily="18" charset="0"/>
+              </a:rPr>
+              <a:t> </a:t>
+            </a:r>
+            <a:r>
+              <a:rPr lang="en-US" sz="3600" dirty="0" err="1" smtClean="0">
+                <a:solidFill>
+                  <a:schemeClr val="tx1"/>
+                </a:solidFill>
+                <a:latin typeface="Times New Roman" panose="02020603050405020304" pitchFamily="18" charset="0"/>
+                <a:cs typeface="Times New Roman" panose="02020603050405020304" pitchFamily="18" charset="0"/>
+              </a:rPr>
+              <a:t>vực</a:t>
+            </a:r>
+            <a:r>
+              <a:rPr lang="en-US" sz="3600" dirty="0" smtClean="0">
+                <a:solidFill>
+                  <a:schemeClr val="tx1"/>
+                </a:solidFill>
+                <a:latin typeface="Times New Roman" panose="02020603050405020304" pitchFamily="18" charset="0"/>
+                <a:cs typeface="Times New Roman" panose="02020603050405020304" pitchFamily="18" charset="0"/>
+              </a:rPr>
+              <a:t> </a:t>
+            </a:r>
+            <a:r>
+              <a:rPr lang="en-US" sz="3600" dirty="0" err="1" smtClean="0">
+                <a:solidFill>
+                  <a:schemeClr val="tx1"/>
+                </a:solidFill>
+                <a:latin typeface="Times New Roman" panose="02020603050405020304" pitchFamily="18" charset="0"/>
+                <a:cs typeface="Times New Roman" panose="02020603050405020304" pitchFamily="18" charset="0"/>
+              </a:rPr>
+              <a:t>khác</a:t>
+            </a:r>
+            <a:endParaRPr lang="en-US" sz="3600" dirty="0">
+              <a:solidFill>
+                <a:schemeClr val="tx1"/>
+              </a:solidFill>
+              <a:latin typeface="Times New Roman" panose="02020603050405020304" pitchFamily="18" charset="0"/>
+              <a:cs typeface="Times New Roman" panose="02020603050405020304" pitchFamily="18" charset="0"/>
+            </a:endParaRPr>
+          </a:p>
+        </p:txBody>
+      </p:sp>
+      <p:sp>
+        <p:nvSpPr>
+          <p:cNvPr id="5" name="Slide Number Placeholder 4"/>
+          <p:cNvSpPr>
+            <a:spLocks noGrp="1"/>
+          </p:cNvSpPr>
+          <p:nvPr>
+            <p:ph type="sldNum" sz="quarter" idx="12"/>
+          </p:nvPr>
+        </p:nvSpPr>
+        <p:spPr/>
+        <p:txBody>
+          <a:bodyPr/>
+          <a:lstStyle/>
+          <a:p>
+            <a:fld id="{D57F1E4F-1CFF-5643-939E-217C01CDF565}" type="slidenum">
+              <a:rPr lang="en-US" smtClean="0"/>
+              <a:pPr/>
+              <a:t>14</a:t>
+            </a:fld>
+            <a:endParaRPr lang="en-US" dirty="0"/>
+          </a:p>
+        </p:txBody>
+      </p:sp>
+    </p:spTree>
+    <p:extLst>
+      <p:ext uri="{BB962C8B-B14F-4D97-AF65-F5344CB8AC3E}">
+        <p14:creationId xmlns:p14="http://schemas.microsoft.com/office/powerpoint/2010/main" val="1485484074"/>
+      </p:ext>
+    </p:extLst>
+  </p:cSld>
+  <p:clrMapOvr>
+    <a:masterClrMapping/>
+  </p:clrMapOvr>
+  <mc:AlternateContent xmlns:mc="http://schemas.openxmlformats.org/markup-compatibility/2006">
+    <mc:Choice xmlns:p14="http://schemas.microsoft.com/office/powerpoint/2010/main" Requires="p14">
+      <p:transition spd="slow" p14:dur="1500">
+        <p:split orient="vert"/>
+      </p:transition>
+    </mc:Choice>
+    <mc:Fallback>
+      <p:transition spd="slow">
+        <p:split orient="vert"/>
+      </p:transition>
+    </mc:Fallback>
+  </mc:AlternateContent>
+  <p:timing>
+    <p:tnLst>
+      <p:par>
+        <p:cTn id="1" dur="indefinite" restart="never" nodeType="tmRoot">
+          <p:childTnLst>
+            <p:seq concurrent="1" nextAc="seek">
+              <p:cTn id="2" dur="indefinite" nodeType="mainSeq">
+                <p:childTnLst>
+                  <p:par>
+                    <p:cTn id="3" fill="hold">
+                      <p:stCondLst>
+                        <p:cond delay="indefinite"/>
+                      </p:stCondLst>
+                      <p:childTnLst>
+                        <p:par>
+                          <p:cTn id="4" fill="hold">
+                            <p:stCondLst>
+                              <p:cond delay="0"/>
+                            </p:stCondLst>
+                            <p:childTnLst>
+                              <p:par>
+                                <p:cTn id="5" presetID="53" presetClass="entr" presetSubtype="16" fill="hold" nodeType="clickEffect">
+                                  <p:stCondLst>
+                                    <p:cond delay="0"/>
+                                  </p:stCondLst>
+                                  <p:childTnLst>
+                                    <p:set>
+                                      <p:cBhvr>
+                                        <p:cTn id="6" dur="1" fill="hold">
+                                          <p:stCondLst>
+                                            <p:cond delay="0"/>
+                                          </p:stCondLst>
+                                        </p:cTn>
+                                        <p:tgtEl>
+                                          <p:spTgt spid="4">
+                                            <p:txEl>
+                                              <p:pRg st="0" end="0"/>
+                                            </p:txEl>
+                                          </p:spTgt>
+                                        </p:tgtEl>
+                                        <p:attrNameLst>
+                                          <p:attrName>style.visibility</p:attrName>
+                                        </p:attrNameLst>
+                                      </p:cBhvr>
+                                      <p:to>
+                                        <p:strVal val="visible"/>
+                                      </p:to>
+                                    </p:set>
+                                    <p:anim calcmode="lin" valueType="num">
+                                      <p:cBhvr>
+                                        <p:cTn id="7" dur="500" fill="hold"/>
+                                        <p:tgtEl>
+                                          <p:spTgt spid="4">
+                                            <p:txEl>
+                                              <p:pRg st="0" end="0"/>
+                                            </p:txEl>
+                                          </p:spTgt>
+                                        </p:tgtEl>
+                                        <p:attrNameLst>
+                                          <p:attrName>ppt_w</p:attrName>
+                                        </p:attrNameLst>
+                                      </p:cBhvr>
+                                      <p:tavLst>
+                                        <p:tav tm="0">
+                                          <p:val>
+                                            <p:fltVal val="0"/>
+                                          </p:val>
+                                        </p:tav>
+                                        <p:tav tm="100000">
+                                          <p:val>
+                                            <p:strVal val="#ppt_w"/>
+                                          </p:val>
+                                        </p:tav>
+                                      </p:tavLst>
+                                    </p:anim>
+                                    <p:anim calcmode="lin" valueType="num">
+                                      <p:cBhvr>
+                                        <p:cTn id="8" dur="500" fill="hold"/>
+                                        <p:tgtEl>
+                                          <p:spTgt spid="4">
+                                            <p:txEl>
+                                              <p:pRg st="0" end="0"/>
+                                            </p:txEl>
+                                          </p:spTgt>
+                                        </p:tgtEl>
+                                        <p:attrNameLst>
+                                          <p:attrName>ppt_h</p:attrName>
+                                        </p:attrNameLst>
+                                      </p:cBhvr>
+                                      <p:tavLst>
+                                        <p:tav tm="0">
+                                          <p:val>
+                                            <p:fltVal val="0"/>
+                                          </p:val>
+                                        </p:tav>
+                                        <p:tav tm="100000">
+                                          <p:val>
+                                            <p:strVal val="#ppt_h"/>
+                                          </p:val>
+                                        </p:tav>
+                                      </p:tavLst>
+                                    </p:anim>
+                                    <p:animEffect transition="in" filter="fade">
+                                      <p:cBhvr>
+                                        <p:cTn id="9" dur="500"/>
+                                        <p:tgtEl>
+                                          <p:spTgt spid="4">
+                                            <p:txEl>
+                                              <p:pRg st="0" end="0"/>
+                                            </p:txEl>
+                                          </p:spTgt>
+                                        </p:tgtEl>
+                                      </p:cBhvr>
+                                    </p:animEffect>
+                                  </p:childTnLst>
+                                </p:cTn>
+                              </p:par>
+                            </p:childTnLst>
+                          </p:cTn>
+                        </p:par>
+                      </p:childTnLst>
+                    </p:cTn>
+                  </p:par>
+                  <p:par>
+                    <p:cTn id="10" fill="hold">
+                      <p:stCondLst>
+                        <p:cond delay="indefinite"/>
+                      </p:stCondLst>
+                      <p:childTnLst>
+                        <p:par>
+                          <p:cTn id="11" fill="hold">
+                            <p:stCondLst>
+                              <p:cond delay="0"/>
+                            </p:stCondLst>
+                            <p:childTnLst>
+                              <p:par>
+                                <p:cTn id="12" presetID="26" presetClass="entr" presetSubtype="0" fill="hold" nodeType="clickEffect">
+                                  <p:stCondLst>
+                                    <p:cond delay="0"/>
+                                  </p:stCondLst>
+                                  <p:childTnLst>
+                                    <p:set>
+                                      <p:cBhvr>
+                                        <p:cTn id="13" dur="1" fill="hold">
+                                          <p:stCondLst>
+                                            <p:cond delay="0"/>
+                                          </p:stCondLst>
+                                        </p:cTn>
+                                        <p:tgtEl>
+                                          <p:spTgt spid="4">
+                                            <p:txEl>
+                                              <p:pRg st="1" end="1"/>
+                                            </p:txEl>
+                                          </p:spTgt>
+                                        </p:tgtEl>
+                                        <p:attrNameLst>
+                                          <p:attrName>style.visibility</p:attrName>
+                                        </p:attrNameLst>
+                                      </p:cBhvr>
+                                      <p:to>
+                                        <p:strVal val="visible"/>
+                                      </p:to>
+                                    </p:set>
+                                    <p:animEffect transition="in" filter="wipe(down)">
+                                      <p:cBhvr>
+                                        <p:cTn id="14" dur="580">
+                                          <p:stCondLst>
+                                            <p:cond delay="0"/>
+                                          </p:stCondLst>
+                                        </p:cTn>
+                                        <p:tgtEl>
+                                          <p:spTgt spid="4">
+                                            <p:txEl>
+                                              <p:pRg st="1" end="1"/>
+                                            </p:txEl>
+                                          </p:spTgt>
+                                        </p:tgtEl>
+                                      </p:cBhvr>
+                                    </p:animEffect>
+                                    <p:anim calcmode="lin" valueType="num">
+                                      <p:cBhvr>
+                                        <p:cTn id="15" dur="1822" tmFilter="0,0; 0.14,0.36; 0.43,0.73; 0.71,0.91; 1.0,1.0">
+                                          <p:stCondLst>
+                                            <p:cond delay="0"/>
+                                          </p:stCondLst>
+                                        </p:cTn>
+                                        <p:tgtEl>
+                                          <p:spTgt spid="4">
+                                            <p:txEl>
+                                              <p:pRg st="1" end="1"/>
+                                            </p:txEl>
+                                          </p:spTgt>
+                                        </p:tgtEl>
+                                        <p:attrNameLst>
+                                          <p:attrName>ppt_x</p:attrName>
+                                        </p:attrNameLst>
+                                      </p:cBhvr>
+                                      <p:tavLst>
+                                        <p:tav tm="0">
+                                          <p:val>
+                                            <p:strVal val="#ppt_x-0.25"/>
+                                          </p:val>
+                                        </p:tav>
+                                        <p:tav tm="100000">
+                                          <p:val>
+                                            <p:strVal val="#ppt_x"/>
+                                          </p:val>
+                                        </p:tav>
+                                      </p:tavLst>
+                                    </p:anim>
+                                    <p:anim calcmode="lin" valueType="num">
+                                      <p:cBhvr>
+                                        <p:cTn id="16" dur="664" tmFilter="0.0,0.0; 0.25,0.07; 0.50,0.2; 0.75,0.467; 1.0,1.0">
+                                          <p:stCondLst>
+                                            <p:cond delay="0"/>
+                                          </p:stCondLst>
+                                        </p:cTn>
+                                        <p:tgtEl>
+                                          <p:spTgt spid="4">
+                                            <p:txEl>
+                                              <p:pRg st="1" end="1"/>
+                                            </p:txEl>
+                                          </p:spTgt>
+                                        </p:tgtEl>
+                                        <p:attrNameLst>
+                                          <p:attrName>ppt_y</p:attrName>
+                                        </p:attrNameLst>
+                                      </p:cBhvr>
+                                      <p:tavLst>
+                                        <p:tav tm="0" fmla="#ppt_y-sin(pi*$)/3">
+                                          <p:val>
+                                            <p:fltVal val="0.5"/>
+                                          </p:val>
+                                        </p:tav>
+                                        <p:tav tm="100000">
+                                          <p:val>
+                                            <p:fltVal val="1"/>
+                                          </p:val>
+                                        </p:tav>
+                                      </p:tavLst>
+                                    </p:anim>
+                                    <p:anim calcmode="lin" valueType="num">
+                                      <p:cBhvr>
+                                        <p:cTn id="17" dur="664" tmFilter="0, 0; 0.125,0.2665; 0.25,0.4; 0.375,0.465; 0.5,0.5;  0.625,0.535; 0.75,0.6; 0.875,0.7335; 1,1">
+                                          <p:stCondLst>
+                                            <p:cond delay="664"/>
+                                          </p:stCondLst>
+                                        </p:cTn>
+                                        <p:tgtEl>
+                                          <p:spTgt spid="4">
+                                            <p:txEl>
+                                              <p:pRg st="1" end="1"/>
+                                            </p:txEl>
+                                          </p:spTgt>
+                                        </p:tgtEl>
+                                        <p:attrNameLst>
+                                          <p:attrName>ppt_y</p:attrName>
+                                        </p:attrNameLst>
+                                      </p:cBhvr>
+                                      <p:tavLst>
+                                        <p:tav tm="0" fmla="#ppt_y-sin(pi*$)/9">
+                                          <p:val>
+                                            <p:fltVal val="0"/>
+                                          </p:val>
+                                        </p:tav>
+                                        <p:tav tm="100000">
+                                          <p:val>
+                                            <p:fltVal val="1"/>
+                                          </p:val>
+                                        </p:tav>
+                                      </p:tavLst>
+                                    </p:anim>
+                                    <p:anim calcmode="lin" valueType="num">
+                                      <p:cBhvr>
+                                        <p:cTn id="18" dur="332" tmFilter="0, 0; 0.125,0.2665; 0.25,0.4; 0.375,0.465; 0.5,0.5;  0.625,0.535; 0.75,0.6; 0.875,0.7335; 1,1">
+                                          <p:stCondLst>
+                                            <p:cond delay="1324"/>
+                                          </p:stCondLst>
+                                        </p:cTn>
+                                        <p:tgtEl>
+                                          <p:spTgt spid="4">
+                                            <p:txEl>
+                                              <p:pRg st="1" end="1"/>
+                                            </p:txEl>
+                                          </p:spTgt>
+                                        </p:tgtEl>
+                                        <p:attrNameLst>
+                                          <p:attrName>ppt_y</p:attrName>
+                                        </p:attrNameLst>
+                                      </p:cBhvr>
+                                      <p:tavLst>
+                                        <p:tav tm="0" fmla="#ppt_y-sin(pi*$)/27">
+                                          <p:val>
+                                            <p:fltVal val="0"/>
+                                          </p:val>
+                                        </p:tav>
+                                        <p:tav tm="100000">
+                                          <p:val>
+                                            <p:fltVal val="1"/>
+                                          </p:val>
+                                        </p:tav>
+                                      </p:tavLst>
+                                    </p:anim>
+                                    <p:anim calcmode="lin" valueType="num">
+                                      <p:cBhvr>
+                                        <p:cTn id="19" dur="164" tmFilter="0, 0; 0.125,0.2665; 0.25,0.4; 0.375,0.465; 0.5,0.5;  0.625,0.535; 0.75,0.6; 0.875,0.7335; 1,1">
+                                          <p:stCondLst>
+                                            <p:cond delay="1656"/>
+                                          </p:stCondLst>
+                                        </p:cTn>
+                                        <p:tgtEl>
+                                          <p:spTgt spid="4">
+                                            <p:txEl>
+                                              <p:pRg st="1" end="1"/>
+                                            </p:txEl>
+                                          </p:spTgt>
+                                        </p:tgtEl>
+                                        <p:attrNameLst>
+                                          <p:attrName>ppt_y</p:attrName>
+                                        </p:attrNameLst>
+                                      </p:cBhvr>
+                                      <p:tavLst>
+                                        <p:tav tm="0" fmla="#ppt_y-sin(pi*$)/81">
+                                          <p:val>
+                                            <p:fltVal val="0"/>
+                                          </p:val>
+                                        </p:tav>
+                                        <p:tav tm="100000">
+                                          <p:val>
+                                            <p:fltVal val="1"/>
+                                          </p:val>
+                                        </p:tav>
+                                      </p:tavLst>
+                                    </p:anim>
+                                    <p:animScale>
+                                      <p:cBhvr>
+                                        <p:cTn id="20" dur="26">
+                                          <p:stCondLst>
+                                            <p:cond delay="650"/>
+                                          </p:stCondLst>
+                                        </p:cTn>
+                                        <p:tgtEl>
+                                          <p:spTgt spid="4">
+                                            <p:txEl>
+                                              <p:pRg st="1" end="1"/>
+                                            </p:txEl>
+                                          </p:spTgt>
+                                        </p:tgtEl>
+                                      </p:cBhvr>
+                                      <p:to x="100000" y="60000"/>
+                                    </p:animScale>
+                                    <p:animScale>
+                                      <p:cBhvr>
+                                        <p:cTn id="21" dur="166" decel="50000">
+                                          <p:stCondLst>
+                                            <p:cond delay="676"/>
+                                          </p:stCondLst>
+                                        </p:cTn>
+                                        <p:tgtEl>
+                                          <p:spTgt spid="4">
+                                            <p:txEl>
+                                              <p:pRg st="1" end="1"/>
+                                            </p:txEl>
+                                          </p:spTgt>
+                                        </p:tgtEl>
+                                      </p:cBhvr>
+                                      <p:to x="100000" y="100000"/>
+                                    </p:animScale>
+                                    <p:animScale>
+                                      <p:cBhvr>
+                                        <p:cTn id="22" dur="26">
+                                          <p:stCondLst>
+                                            <p:cond delay="1312"/>
+                                          </p:stCondLst>
+                                        </p:cTn>
+                                        <p:tgtEl>
+                                          <p:spTgt spid="4">
+                                            <p:txEl>
+                                              <p:pRg st="1" end="1"/>
+                                            </p:txEl>
+                                          </p:spTgt>
+                                        </p:tgtEl>
+                                      </p:cBhvr>
+                                      <p:to x="100000" y="80000"/>
+                                    </p:animScale>
+                                    <p:animScale>
+                                      <p:cBhvr>
+                                        <p:cTn id="23" dur="166" decel="50000">
+                                          <p:stCondLst>
+                                            <p:cond delay="1338"/>
+                                          </p:stCondLst>
+                                        </p:cTn>
+                                        <p:tgtEl>
+                                          <p:spTgt spid="4">
+                                            <p:txEl>
+                                              <p:pRg st="1" end="1"/>
+                                            </p:txEl>
+                                          </p:spTgt>
+                                        </p:tgtEl>
+                                      </p:cBhvr>
+                                      <p:to x="100000" y="100000"/>
+                                    </p:animScale>
+                                    <p:animScale>
+                                      <p:cBhvr>
+                                        <p:cTn id="24" dur="26">
+                                          <p:stCondLst>
+                                            <p:cond delay="1642"/>
+                                          </p:stCondLst>
+                                        </p:cTn>
+                                        <p:tgtEl>
+                                          <p:spTgt spid="4">
+                                            <p:txEl>
+                                              <p:pRg st="1" end="1"/>
+                                            </p:txEl>
+                                          </p:spTgt>
+                                        </p:tgtEl>
+                                      </p:cBhvr>
+                                      <p:to x="100000" y="90000"/>
+                                    </p:animScale>
+                                    <p:animScale>
+                                      <p:cBhvr>
+                                        <p:cTn id="25" dur="166" decel="50000">
+                                          <p:stCondLst>
+                                            <p:cond delay="1668"/>
+                                          </p:stCondLst>
+                                        </p:cTn>
+                                        <p:tgtEl>
+                                          <p:spTgt spid="4">
+                                            <p:txEl>
+                                              <p:pRg st="1" end="1"/>
+                                            </p:txEl>
+                                          </p:spTgt>
+                                        </p:tgtEl>
+                                      </p:cBhvr>
+                                      <p:to x="100000" y="100000"/>
+                                    </p:animScale>
+                                    <p:animScale>
+                                      <p:cBhvr>
+                                        <p:cTn id="26" dur="26">
+                                          <p:stCondLst>
+                                            <p:cond delay="1808"/>
+                                          </p:stCondLst>
+                                        </p:cTn>
+                                        <p:tgtEl>
+                                          <p:spTgt spid="4">
+                                            <p:txEl>
+                                              <p:pRg st="1" end="1"/>
+                                            </p:txEl>
+                                          </p:spTgt>
+                                        </p:tgtEl>
+                                      </p:cBhvr>
+                                      <p:to x="100000" y="95000"/>
+                                    </p:animScale>
+                                    <p:animScale>
+                                      <p:cBhvr>
+                                        <p:cTn id="27" dur="166" decel="50000">
+                                          <p:stCondLst>
+                                            <p:cond delay="1834"/>
+                                          </p:stCondLst>
+                                        </p:cTn>
+                                        <p:tgtEl>
+                                          <p:spTgt spid="4">
+                                            <p:txEl>
+                                              <p:pRg st="1" end="1"/>
+                                            </p:txEl>
+                                          </p:spTgt>
+                                        </p:tgtEl>
+                                      </p:cBhvr>
+                                      <p:to x="100000" y="100000"/>
+                                    </p:animScale>
+                                  </p:childTnLst>
+                                </p:cTn>
+                              </p:par>
+                            </p:childTnLst>
+                          </p:cTn>
+                        </p:par>
+                      </p:childTnLst>
+                    </p:cTn>
+                  </p:par>
+                  <p:par>
+                    <p:cTn id="28" fill="hold">
+                      <p:stCondLst>
+                        <p:cond delay="indefinite"/>
+                      </p:stCondLst>
+                      <p:childTnLst>
+                        <p:par>
+                          <p:cTn id="29" fill="hold">
+                            <p:stCondLst>
+                              <p:cond delay="0"/>
+                            </p:stCondLst>
+                            <p:childTnLst>
+                              <p:par>
+                                <p:cTn id="30" presetID="21" presetClass="entr" presetSubtype="1" fill="hold" nodeType="clickEffect">
+                                  <p:stCondLst>
+                                    <p:cond delay="0"/>
+                                  </p:stCondLst>
+                                  <p:childTnLst>
+                                    <p:set>
+                                      <p:cBhvr>
+                                        <p:cTn id="31" dur="1" fill="hold">
+                                          <p:stCondLst>
+                                            <p:cond delay="0"/>
+                                          </p:stCondLst>
+                                        </p:cTn>
+                                        <p:tgtEl>
+                                          <p:spTgt spid="4">
+                                            <p:txEl>
+                                              <p:pRg st="2" end="2"/>
+                                            </p:txEl>
+                                          </p:spTgt>
+                                        </p:tgtEl>
+                                        <p:attrNameLst>
+                                          <p:attrName>style.visibility</p:attrName>
+                                        </p:attrNameLst>
+                                      </p:cBhvr>
+                                      <p:to>
+                                        <p:strVal val="visible"/>
+                                      </p:to>
+                                    </p:set>
+                                    <p:animEffect transition="in" filter="wheel(1)">
+                                      <p:cBhvr>
+                                        <p:cTn id="32" dur="1000"/>
+                                        <p:tgtEl>
+                                          <p:spTgt spid="4">
+                                            <p:txEl>
+                                              <p:pRg st="2" end="2"/>
+                                            </p:txEl>
+                                          </p:spTgt>
+                                        </p:tgtEl>
+                                      </p:cBhvr>
+                                    </p:animEffect>
+                                  </p:childTnLst>
+                                </p:cTn>
+                              </p:par>
+                            </p:childTnLst>
+                          </p:cTn>
+                        </p:par>
+                      </p:childTnLst>
+                    </p:cTn>
+                  </p:par>
+                </p:childTnLst>
+              </p:cTn>
+              <p:prevCondLst>
+                <p:cond evt="onPrev" delay="0">
+                  <p:tgtEl>
+                    <p:sldTgt/>
+                  </p:tgtEl>
+                </p:cond>
+              </p:prevCondLst>
+              <p:nextCondLst>
+                <p:cond evt="onNext" delay="0">
+                  <p:tgtEl>
+                    <p:sldTgt/>
+                  </p:tgtEl>
+                </p:cond>
+              </p:nextCondLst>
+            </p:seq>
+          </p:childTnLst>
+        </p:cTn>
+      </p:par>
+    </p:tnLst>
+  </p:timing>
+</p:sld>
+</file>
+
+<file path=ppt/slides/slide15.xml><?xml version="1.0" encoding="utf-8"?>
 <p:sld xmlns:a="http://schemas.openxmlformats.org/drawingml/2006/main" xmlns:r="http://schemas.openxmlformats.org/officeDocument/2006/relationships" xmlns:p="http://schemas.openxmlformats.org/presentationml/2006/main">
   <p:cSld>
     <p:spTree>
@@ -13563,8 +17495,8 @@
         </p:nvSpPr>
         <p:spPr>
           <a:xfrm>
-            <a:off x="6364903" y="4362856"/>
-            <a:ext cx="2852249" cy="1513914"/>
+            <a:off x="5773003" y="4362856"/>
+            <a:ext cx="3903260" cy="1513914"/>
           </a:xfrm>
         </p:spPr>
         <p:txBody>
@@ -13581,7 +17513,7 @@
                 <a:latin typeface="Times New Roman" panose="02020603050405020304" pitchFamily="18" charset="0"/>
                 <a:cs typeface="Times New Roman" panose="02020603050405020304" pitchFamily="18" charset="0"/>
               </a:rPr>
-              <a:t>Design by </a:t>
+              <a:t>Designer</a:t>
             </a:r>
             <a:r>
               <a:rPr lang="en-US" sz="2400" i="1" dirty="0" smtClean="0">
@@ -13593,8 +17525,6 @@
               </a:rPr>
               <a:t>: </a:t>
             </a:r>
-          </a:p>
-          <a:p>
             <a:r>
               <a:rPr lang="en-US" sz="2400" dirty="0" err="1" smtClean="0">
                 <a:solidFill>
@@ -13655,6 +17585,26 @@
           </a:p>
           <a:p>
             <a:r>
+              <a:rPr lang="en-US" sz="2400" i="1" u="sng" dirty="0" smtClean="0">
+                <a:solidFill>
+                  <a:schemeClr val="tx1"/>
+                </a:solidFill>
+                <a:latin typeface="Times New Roman" panose="02020603050405020304" pitchFamily="18" charset="0"/>
+                <a:cs typeface="Times New Roman" panose="02020603050405020304" pitchFamily="18" charset="0"/>
+              </a:rPr>
+              <a:t>Coder:</a:t>
+            </a:r>
+            <a:r>
+              <a:rPr lang="en-US" sz="2400" dirty="0" smtClean="0">
+                <a:solidFill>
+                  <a:schemeClr val="tx1"/>
+                </a:solidFill>
+                <a:latin typeface="Times New Roman" panose="02020603050405020304" pitchFamily="18" charset="0"/>
+                <a:cs typeface="Times New Roman" panose="02020603050405020304" pitchFamily="18" charset="0"/>
+              </a:rPr>
+              <a:t> </a:t>
+            </a:r>
+            <a:r>
               <a:rPr lang="en-US" sz="2400" dirty="0" err="1" smtClean="0">
                 <a:solidFill>
                   <a:schemeClr val="tx1"/>
@@ -13711,6 +17661,30 @@
               <a:latin typeface="Times New Roman" panose="02020603050405020304" pitchFamily="18" charset="0"/>
               <a:cs typeface="Times New Roman" panose="02020603050405020304" pitchFamily="18" charset="0"/>
             </a:endParaRPr>
+          </a:p>
+        </p:txBody>
+      </p:sp>
+      <p:sp>
+        <p:nvSpPr>
+          <p:cNvPr id="3" name="Slide Number Placeholder 2"/>
+          <p:cNvSpPr>
+            <a:spLocks noGrp="1"/>
+          </p:cNvSpPr>
+          <p:nvPr>
+            <p:ph type="sldNum" sz="quarter" idx="12"/>
+          </p:nvPr>
+        </p:nvSpPr>
+        <p:spPr/>
+        <p:txBody>
+          <a:bodyPr/>
+          <a:lstStyle/>
+          <a:p>
+            <a:fld id="{D57F1E4F-1CFF-5643-939E-217C01CDF565}" type="slidenum">
+              <a:rPr lang="en-US" smtClean="0"/>
+              <a:pPr/>
+              <a:t>15</a:t>
+            </a:fld>
+            <a:endParaRPr lang="en-US" dirty="0"/>
           </a:p>
         </p:txBody>
       </p:sp>
@@ -13724,6 +17698,9 @@
   <p:clrMapOvr>
     <a:masterClrMapping/>
   </p:clrMapOvr>
+  <p:transition spd="med">
+    <p:pull/>
+  </p:transition>
   <p:timing>
     <p:tnLst>
       <p:par>
@@ -14056,6 +18033,30 @@
           </a:p>
         </p:txBody>
       </p:sp>
+      <p:sp>
+        <p:nvSpPr>
+          <p:cNvPr id="3" name="Slide Number Placeholder 2"/>
+          <p:cNvSpPr>
+            <a:spLocks noGrp="1"/>
+          </p:cNvSpPr>
+          <p:nvPr>
+            <p:ph type="sldNum" sz="quarter" idx="12"/>
+          </p:nvPr>
+        </p:nvSpPr>
+        <p:spPr/>
+        <p:txBody>
+          <a:bodyPr/>
+          <a:lstStyle/>
+          <a:p>
+            <a:fld id="{D57F1E4F-1CFF-5643-939E-217C01CDF565}" type="slidenum">
+              <a:rPr lang="en-US" smtClean="0"/>
+              <a:pPr/>
+              <a:t>2</a:t>
+            </a:fld>
+            <a:endParaRPr lang="en-US" dirty="0"/>
+          </a:p>
+        </p:txBody>
+      </p:sp>
     </p:spTree>
     <p:extLst>
       <p:ext uri="{BB962C8B-B14F-4D97-AF65-F5344CB8AC3E}">
@@ -14066,13 +18067,13 @@
   <p:clrMapOvr>
     <a:masterClrMapping/>
   </p:clrMapOvr>
-  <mc:AlternateContent xmlns:mc="http://schemas.openxmlformats.org/markup-compatibility/2006">
-    <mc:Choice xmlns:p15="http://schemas.microsoft.com/office/powerpoint/2012/main" Requires="p15">
+  <mc:AlternateContent xmlns:mc="http://schemas.openxmlformats.org/markup-compatibility/2006" xmlns:p15="http://schemas.microsoft.com/office/powerpoint/2012/main">
+    <mc:Choice Requires="p15">
       <p:transition xmlns:p14="http://schemas.microsoft.com/office/powerpoint/2010/main" spd="slow" p14:dur="2000">
         <p15:prstTrans prst="fracture"/>
       </p:transition>
     </mc:Choice>
-    <mc:Fallback>
+    <mc:Fallback xmlns="">
       <p:transition spd="slow">
         <p:fade/>
       </p:transition>
@@ -14664,6 +18665,30 @@
           </a:p>
         </p:txBody>
       </p:sp>
+      <p:sp>
+        <p:nvSpPr>
+          <p:cNvPr id="2" name="Slide Number Placeholder 1"/>
+          <p:cNvSpPr>
+            <a:spLocks noGrp="1"/>
+          </p:cNvSpPr>
+          <p:nvPr>
+            <p:ph type="sldNum" sz="quarter" idx="12"/>
+          </p:nvPr>
+        </p:nvSpPr>
+        <p:spPr/>
+        <p:txBody>
+          <a:bodyPr/>
+          <a:lstStyle/>
+          <a:p>
+            <a:fld id="{D57F1E4F-1CFF-5643-939E-217C01CDF565}" type="slidenum">
+              <a:rPr lang="en-US" smtClean="0"/>
+              <a:pPr/>
+              <a:t>3</a:t>
+            </a:fld>
+            <a:endParaRPr lang="en-US" dirty="0"/>
+          </a:p>
+        </p:txBody>
+      </p:sp>
     </p:spTree>
     <p:extLst>
       <p:ext uri="{BB962C8B-B14F-4D97-AF65-F5344CB8AC3E}">
@@ -14674,13 +18699,13 @@
   <p:clrMapOvr>
     <a:masterClrMapping/>
   </p:clrMapOvr>
-  <mc:AlternateContent xmlns:mc="http://schemas.openxmlformats.org/markup-compatibility/2006">
-    <mc:Choice xmlns:p15="http://schemas.microsoft.com/office/powerpoint/2012/main" Requires="p15">
+  <mc:AlternateContent xmlns:mc="http://schemas.openxmlformats.org/markup-compatibility/2006" xmlns:p15="http://schemas.microsoft.com/office/powerpoint/2012/main">
+    <mc:Choice Requires="p15">
       <p:transition xmlns:p14="http://schemas.microsoft.com/office/powerpoint/2010/main" spd="slow" p14:dur="1250">
         <p15:prstTrans prst="peelOff"/>
       </p:transition>
     </mc:Choice>
-    <mc:Fallback>
+    <mc:Fallback xmlns="">
       <p:transition spd="slow">
         <p:fade/>
       </p:transition>
@@ -14790,6 +18815,30 @@
           </a:graphicData>
         </a:graphic>
       </p:graphicFrame>
+      <p:sp>
+        <p:nvSpPr>
+          <p:cNvPr id="2" name="Slide Number Placeholder 1"/>
+          <p:cNvSpPr>
+            <a:spLocks noGrp="1"/>
+          </p:cNvSpPr>
+          <p:nvPr>
+            <p:ph type="sldNum" sz="quarter" idx="12"/>
+          </p:nvPr>
+        </p:nvSpPr>
+        <p:spPr/>
+        <p:txBody>
+          <a:bodyPr/>
+          <a:lstStyle/>
+          <a:p>
+            <a:fld id="{D57F1E4F-1CFF-5643-939E-217C01CDF565}" type="slidenum">
+              <a:rPr lang="en-US" smtClean="0"/>
+              <a:pPr/>
+              <a:t>4</a:t>
+            </a:fld>
+            <a:endParaRPr lang="en-US" dirty="0"/>
+          </a:p>
+        </p:txBody>
+      </p:sp>
     </p:spTree>
     <p:extLst>
       <p:ext uri="{BB962C8B-B14F-4D97-AF65-F5344CB8AC3E}">
@@ -14800,13 +18849,13 @@
   <p:clrMapOvr>
     <a:masterClrMapping/>
   </p:clrMapOvr>
-  <mc:AlternateContent xmlns:mc="http://schemas.openxmlformats.org/markup-compatibility/2006">
-    <mc:Choice xmlns:p14="http://schemas.microsoft.com/office/powerpoint/2010/main" Requires="p14">
+  <mc:AlternateContent xmlns:mc="http://schemas.openxmlformats.org/markup-compatibility/2006" xmlns:p14="http://schemas.microsoft.com/office/powerpoint/2010/main">
+    <mc:Choice Requires="p14">
       <p:transition spd="slow" p14:dur="1600">
         <p:blinds dir="vert"/>
       </p:transition>
     </mc:Choice>
-    <mc:Fallback>
+    <mc:Fallback xmlns="">
       <p:transition spd="slow">
         <p:blinds dir="vert"/>
       </p:transition>
@@ -15207,6 +19256,30 @@
           </a:p>
         </p:txBody>
       </p:sp>
+      <p:sp>
+        <p:nvSpPr>
+          <p:cNvPr id="5" name="Slide Number Placeholder 4"/>
+          <p:cNvSpPr>
+            <a:spLocks noGrp="1"/>
+          </p:cNvSpPr>
+          <p:nvPr>
+            <p:ph type="sldNum" sz="quarter" idx="12"/>
+          </p:nvPr>
+        </p:nvSpPr>
+        <p:spPr/>
+        <p:txBody>
+          <a:bodyPr/>
+          <a:lstStyle/>
+          <a:p>
+            <a:fld id="{D57F1E4F-1CFF-5643-939E-217C01CDF565}" type="slidenum">
+              <a:rPr lang="en-US" smtClean="0"/>
+              <a:pPr/>
+              <a:t>5</a:t>
+            </a:fld>
+            <a:endParaRPr lang="en-US" dirty="0"/>
+          </a:p>
+        </p:txBody>
+      </p:sp>
     </p:spTree>
     <p:extLst>
       <p:ext uri="{BB962C8B-B14F-4D97-AF65-F5344CB8AC3E}">
@@ -15217,13 +19290,13 @@
   <p:clrMapOvr>
     <a:masterClrMapping/>
   </p:clrMapOvr>
-  <mc:AlternateContent xmlns:mc="http://schemas.openxmlformats.org/markup-compatibility/2006">
-    <mc:Choice xmlns:p14="http://schemas.microsoft.com/office/powerpoint/2010/main" Requires="p14">
+  <mc:AlternateContent xmlns:mc="http://schemas.openxmlformats.org/markup-compatibility/2006" xmlns:p14="http://schemas.microsoft.com/office/powerpoint/2010/main">
+    <mc:Choice Requires="p14">
       <p:transition spd="slow" p14:dur="1500">
         <p:split orient="vert"/>
       </p:transition>
     </mc:Choice>
-    <mc:Fallback>
+    <mc:Fallback xmlns="">
       <p:transition spd="slow">
         <p:split orient="vert"/>
       </p:transition>
@@ -15384,6 +19457,30 @@
           </a:p>
         </p:txBody>
       </p:sp>
+      <p:sp>
+        <p:nvSpPr>
+          <p:cNvPr id="2" name="Slide Number Placeholder 1"/>
+          <p:cNvSpPr>
+            <a:spLocks noGrp="1"/>
+          </p:cNvSpPr>
+          <p:nvPr>
+            <p:ph type="sldNum" sz="quarter" idx="12"/>
+          </p:nvPr>
+        </p:nvSpPr>
+        <p:spPr/>
+        <p:txBody>
+          <a:bodyPr/>
+          <a:lstStyle/>
+          <a:p>
+            <a:fld id="{D57F1E4F-1CFF-5643-939E-217C01CDF565}" type="slidenum">
+              <a:rPr lang="en-US" smtClean="0"/>
+              <a:pPr/>
+              <a:t>6</a:t>
+            </a:fld>
+            <a:endParaRPr lang="en-US" dirty="0"/>
+          </a:p>
+        </p:txBody>
+      </p:sp>
     </p:spTree>
     <p:extLst>
       <p:ext uri="{BB962C8B-B14F-4D97-AF65-F5344CB8AC3E}">
@@ -16134,6 +20231,30 @@
               <a:latin typeface="Times New Roman" panose="02020603050405020304" pitchFamily="18" charset="0"/>
               <a:cs typeface="Times New Roman" panose="02020603050405020304" pitchFamily="18" charset="0"/>
             </a:endParaRPr>
+          </a:p>
+        </p:txBody>
+      </p:sp>
+      <p:sp>
+        <p:nvSpPr>
+          <p:cNvPr id="3" name="Slide Number Placeholder 2"/>
+          <p:cNvSpPr>
+            <a:spLocks noGrp="1"/>
+          </p:cNvSpPr>
+          <p:nvPr>
+            <p:ph type="sldNum" sz="quarter" idx="12"/>
+          </p:nvPr>
+        </p:nvSpPr>
+        <p:spPr/>
+        <p:txBody>
+          <a:bodyPr/>
+          <a:lstStyle/>
+          <a:p>
+            <a:fld id="{D57F1E4F-1CFF-5643-939E-217C01CDF565}" type="slidenum">
+              <a:rPr lang="en-US" smtClean="0"/>
+              <a:pPr/>
+              <a:t>7</a:t>
+            </a:fld>
+            <a:endParaRPr lang="en-US" dirty="0"/>
           </a:p>
         </p:txBody>
       </p:sp>
@@ -16869,6 +20990,30 @@
           </a:prstGeom>
         </p:spPr>
       </p:pic>
+      <p:sp>
+        <p:nvSpPr>
+          <p:cNvPr id="3" name="Slide Number Placeholder 2"/>
+          <p:cNvSpPr>
+            <a:spLocks noGrp="1"/>
+          </p:cNvSpPr>
+          <p:nvPr>
+            <p:ph type="sldNum" sz="quarter" idx="12"/>
+          </p:nvPr>
+        </p:nvSpPr>
+        <p:spPr/>
+        <p:txBody>
+          <a:bodyPr/>
+          <a:lstStyle/>
+          <a:p>
+            <a:fld id="{D57F1E4F-1CFF-5643-939E-217C01CDF565}" type="slidenum">
+              <a:rPr lang="en-US" smtClean="0"/>
+              <a:pPr/>
+              <a:t>8</a:t>
+            </a:fld>
+            <a:endParaRPr lang="en-US" dirty="0"/>
+          </a:p>
+        </p:txBody>
+      </p:sp>
     </p:spTree>
     <p:extLst>
       <p:ext uri="{BB962C8B-B14F-4D97-AF65-F5344CB8AC3E}">
@@ -17220,6 +21365,30 @@
           </a:prstGeom>
         </p:spPr>
       </p:pic>
+      <p:sp>
+        <p:nvSpPr>
+          <p:cNvPr id="2" name="Slide Number Placeholder 1"/>
+          <p:cNvSpPr>
+            <a:spLocks noGrp="1"/>
+          </p:cNvSpPr>
+          <p:nvPr>
+            <p:ph type="sldNum" sz="quarter" idx="12"/>
+          </p:nvPr>
+        </p:nvSpPr>
+        <p:spPr/>
+        <p:txBody>
+          <a:bodyPr/>
+          <a:lstStyle/>
+          <a:p>
+            <a:fld id="{D57F1E4F-1CFF-5643-939E-217C01CDF565}" type="slidenum">
+              <a:rPr lang="en-US" smtClean="0"/>
+              <a:pPr/>
+              <a:t>9</a:t>
+            </a:fld>
+            <a:endParaRPr lang="en-US" dirty="0"/>
+          </a:p>
+        </p:txBody>
+      </p:sp>
     </p:spTree>
     <p:extLst>
       <p:ext uri="{BB962C8B-B14F-4D97-AF65-F5344CB8AC3E}">
@@ -17230,13 +21399,13 @@
   <p:clrMapOvr>
     <a:masterClrMapping/>
   </p:clrMapOvr>
-  <mc:AlternateContent xmlns:mc="http://schemas.openxmlformats.org/markup-compatibility/2006">
-    <mc:Choice xmlns:p15="http://schemas.microsoft.com/office/powerpoint/2012/main" Requires="p15">
+  <mc:AlternateContent xmlns:mc="http://schemas.openxmlformats.org/markup-compatibility/2006" xmlns:p15="http://schemas.microsoft.com/office/powerpoint/2012/main">
+    <mc:Choice Requires="p15">
       <p:transition xmlns:p14="http://schemas.microsoft.com/office/powerpoint/2010/main" spd="slow" p14:dur="2000">
         <p15:prstTrans prst="drape"/>
       </p:transition>
     </mc:Choice>
-    <mc:Fallback>
+    <mc:Fallback xmlns="">
       <p:transition spd="slow">
         <p:fade/>
       </p:transition>
@@ -18076,4 +22245,265 @@
     </a:ext>
   </a:extLst>
 </a:theme>
+</file>
+
+<file path=ppt/theme/theme2.xml><?xml version="1.0" encoding="utf-8"?>
+<a:theme xmlns:a="http://schemas.openxmlformats.org/drawingml/2006/main" name="Office Theme">
+  <a:themeElements>
+    <a:clrScheme name="Office">
+      <a:dk1>
+        <a:sysClr val="windowText" lastClr="000000"/>
+      </a:dk1>
+      <a:lt1>
+        <a:sysClr val="window" lastClr="FFFFFF"/>
+      </a:lt1>
+      <a:dk2>
+        <a:srgbClr val="44546A"/>
+      </a:dk2>
+      <a:lt2>
+        <a:srgbClr val="E7E6E6"/>
+      </a:lt2>
+      <a:accent1>
+        <a:srgbClr val="5B9BD5"/>
+      </a:accent1>
+      <a:accent2>
+        <a:srgbClr val="ED7D31"/>
+      </a:accent2>
+      <a:accent3>
+        <a:srgbClr val="A5A5A5"/>
+      </a:accent3>
+      <a:accent4>
+        <a:srgbClr val="FFC000"/>
+      </a:accent4>
+      <a:accent5>
+        <a:srgbClr val="4472C4"/>
+      </a:accent5>
+      <a:accent6>
+        <a:srgbClr val="70AD47"/>
+      </a:accent6>
+      <a:hlink>
+        <a:srgbClr val="0563C1"/>
+      </a:hlink>
+      <a:folHlink>
+        <a:srgbClr val="954F72"/>
+      </a:folHlink>
+    </a:clrScheme>
+    <a:fontScheme name="Office">
+      <a:majorFont>
+        <a:latin typeface="Calibri Light" panose="020F0302020204030204"/>
+        <a:ea typeface=""/>
+        <a:cs typeface=""/>
+        <a:font script="Jpan" typeface="ＭＳ Ｐゴシック"/>
+        <a:font script="Hang" typeface="맑은 고딕"/>
+        <a:font script="Hans" typeface="宋体"/>
+        <a:font script="Hant" typeface="新細明體"/>
+        <a:font script="Arab" typeface="Times New Roman"/>
+        <a:font script="Hebr" typeface="Times New Roman"/>
+        <a:font script="Thai" typeface="Angsana New"/>
+        <a:font script="Ethi" typeface="Nyala"/>
+        <a:font script="Beng" typeface="Vrinda"/>
+        <a:font script="Gujr" typeface="Shruti"/>
+        <a:font script="Khmr" typeface="MoolBoran"/>
+        <a:font script="Knda" typeface="Tunga"/>
+        <a:font script="Guru" typeface="Raavi"/>
+        <a:font script="Cans" typeface="Euphemia"/>
+        <a:font script="Cher" typeface="Plantagenet Cherokee"/>
+        <a:font script="Yiii" typeface="Microsoft Yi Baiti"/>
+        <a:font script="Tibt" typeface="Microsoft Himalaya"/>
+        <a:font script="Thaa" typeface="MV Boli"/>
+        <a:font script="Deva" typeface="Mangal"/>
+        <a:font script="Telu" typeface="Gautami"/>
+        <a:font script="Taml" typeface="Latha"/>
+        <a:font script="Syrc" typeface="Estrangelo Edessa"/>
+        <a:font script="Orya" typeface="Kalinga"/>
+        <a:font script="Mlym" typeface="Kartika"/>
+        <a:font script="Laoo" typeface="DokChampa"/>
+        <a:font script="Sinh" typeface="Iskoola Pota"/>
+        <a:font script="Mong" typeface="Mongolian Baiti"/>
+        <a:font script="Viet" typeface="Times New Roman"/>
+        <a:font script="Uigh" typeface="Microsoft Uighur"/>
+        <a:font script="Geor" typeface="Sylfaen"/>
+      </a:majorFont>
+      <a:minorFont>
+        <a:latin typeface="Calibri" panose="020F0502020204030204"/>
+        <a:ea typeface=""/>
+        <a:cs typeface=""/>
+        <a:font script="Jpan" typeface="ＭＳ Ｐゴシック"/>
+        <a:font script="Hang" typeface="맑은 고딕"/>
+        <a:font script="Hans" typeface="宋体"/>
+        <a:font script="Hant" typeface="新細明體"/>
+        <a:font script="Arab" typeface="Arial"/>
+        <a:font script="Hebr" typeface="Arial"/>
+        <a:font script="Thai" typeface="Cordia New"/>
+        <a:font script="Ethi" typeface="Nyala"/>
+        <a:font script="Beng" typeface="Vrinda"/>
+        <a:font script="Gujr" typeface="Shruti"/>
+        <a:font script="Khmr" typeface="DaunPenh"/>
+        <a:font script="Knda" typeface="Tunga"/>
+        <a:font script="Guru" typeface="Raavi"/>
+        <a:font script="Cans" typeface="Euphemia"/>
+        <a:font script="Cher" typeface="Plantagenet Cherokee"/>
+        <a:font script="Yiii" typeface="Microsoft Yi Baiti"/>
+        <a:font script="Tibt" typeface="Microsoft Himalaya"/>
+        <a:font script="Thaa" typeface="MV Boli"/>
+        <a:font script="Deva" typeface="Mangal"/>
+        <a:font script="Telu" typeface="Gautami"/>
+        <a:font script="Taml" typeface="Latha"/>
+        <a:font script="Syrc" typeface="Estrangelo Edessa"/>
+        <a:font script="Orya" typeface="Kalinga"/>
+        <a:font script="Mlym" typeface="Kartika"/>
+        <a:font script="Laoo" typeface="DokChampa"/>
+        <a:font script="Sinh" typeface="Iskoola Pota"/>
+        <a:font script="Mong" typeface="Mongolian Baiti"/>
+        <a:font script="Viet" typeface="Arial"/>
+        <a:font script="Uigh" typeface="Microsoft Uighur"/>
+        <a:font script="Geor" typeface="Sylfaen"/>
+      </a:minorFont>
+    </a:fontScheme>
+    <a:fmtScheme name="Office">
+      <a:fillStyleLst>
+        <a:solidFill>
+          <a:schemeClr val="phClr"/>
+        </a:solidFill>
+        <a:gradFill rotWithShape="1">
+          <a:gsLst>
+            <a:gs pos="0">
+              <a:schemeClr val="phClr">
+                <a:lumMod val="110000"/>
+                <a:satMod val="105000"/>
+                <a:tint val="67000"/>
+              </a:schemeClr>
+            </a:gs>
+            <a:gs pos="50000">
+              <a:schemeClr val="phClr">
+                <a:lumMod val="105000"/>
+                <a:satMod val="103000"/>
+                <a:tint val="73000"/>
+              </a:schemeClr>
+            </a:gs>
+            <a:gs pos="100000">
+              <a:schemeClr val="phClr">
+                <a:lumMod val="105000"/>
+                <a:satMod val="109000"/>
+                <a:tint val="81000"/>
+              </a:schemeClr>
+            </a:gs>
+          </a:gsLst>
+          <a:lin ang="5400000" scaled="0"/>
+        </a:gradFill>
+        <a:gradFill rotWithShape="1">
+          <a:gsLst>
+            <a:gs pos="0">
+              <a:schemeClr val="phClr">
+                <a:satMod val="103000"/>
+                <a:lumMod val="102000"/>
+                <a:tint val="94000"/>
+              </a:schemeClr>
+            </a:gs>
+            <a:gs pos="50000">
+              <a:schemeClr val="phClr">
+                <a:satMod val="110000"/>
+                <a:lumMod val="100000"/>
+                <a:shade val="100000"/>
+              </a:schemeClr>
+            </a:gs>
+            <a:gs pos="100000">
+              <a:schemeClr val="phClr">
+                <a:lumMod val="99000"/>
+                <a:satMod val="120000"/>
+                <a:shade val="78000"/>
+              </a:schemeClr>
+            </a:gs>
+          </a:gsLst>
+          <a:lin ang="5400000" scaled="0"/>
+        </a:gradFill>
+      </a:fillStyleLst>
+      <a:lnStyleLst>
+        <a:ln w="6350" cap="flat" cmpd="sng" algn="ctr">
+          <a:solidFill>
+            <a:schemeClr val="phClr"/>
+          </a:solidFill>
+          <a:prstDash val="solid"/>
+          <a:miter lim="800000"/>
+        </a:ln>
+        <a:ln w="12700" cap="flat" cmpd="sng" algn="ctr">
+          <a:solidFill>
+            <a:schemeClr val="phClr"/>
+          </a:solidFill>
+          <a:prstDash val="solid"/>
+          <a:miter lim="800000"/>
+        </a:ln>
+        <a:ln w="19050" cap="flat" cmpd="sng" algn="ctr">
+          <a:solidFill>
+            <a:schemeClr val="phClr"/>
+          </a:solidFill>
+          <a:prstDash val="solid"/>
+          <a:miter lim="800000"/>
+        </a:ln>
+      </a:lnStyleLst>
+      <a:effectStyleLst>
+        <a:effectStyle>
+          <a:effectLst/>
+        </a:effectStyle>
+        <a:effectStyle>
+          <a:effectLst/>
+        </a:effectStyle>
+        <a:effectStyle>
+          <a:effectLst>
+            <a:outerShdw blurRad="57150" dist="19050" dir="5400000" algn="ctr" rotWithShape="0">
+              <a:srgbClr val="000000">
+                <a:alpha val="63000"/>
+              </a:srgbClr>
+            </a:outerShdw>
+          </a:effectLst>
+        </a:effectStyle>
+      </a:effectStyleLst>
+      <a:bgFillStyleLst>
+        <a:solidFill>
+          <a:schemeClr val="phClr"/>
+        </a:solidFill>
+        <a:solidFill>
+          <a:schemeClr val="phClr">
+            <a:tint val="95000"/>
+            <a:satMod val="170000"/>
+          </a:schemeClr>
+        </a:solidFill>
+        <a:gradFill rotWithShape="1">
+          <a:gsLst>
+            <a:gs pos="0">
+              <a:schemeClr val="phClr">
+                <a:tint val="93000"/>
+                <a:satMod val="150000"/>
+                <a:shade val="98000"/>
+                <a:lumMod val="102000"/>
+              </a:schemeClr>
+            </a:gs>
+            <a:gs pos="50000">
+              <a:schemeClr val="phClr">
+                <a:tint val="98000"/>
+                <a:satMod val="130000"/>
+                <a:shade val="90000"/>
+                <a:lumMod val="103000"/>
+              </a:schemeClr>
+            </a:gs>
+            <a:gs pos="100000">
+              <a:schemeClr val="phClr">
+                <a:shade val="63000"/>
+                <a:satMod val="120000"/>
+              </a:schemeClr>
+            </a:gs>
+          </a:gsLst>
+          <a:lin ang="5400000" scaled="0"/>
+        </a:gradFill>
+      </a:bgFillStyleLst>
+    </a:fmtScheme>
+  </a:themeElements>
+  <a:objectDefaults/>
+  <a:extraClrSchemeLst/>
+  <a:extLst>
+    <a:ext uri="{05A4C25C-085E-4340-85A3-A5531E510DB2}">
+      <thm15:themeFamily xmlns:thm15="http://schemas.microsoft.com/office/thememl/2012/main" name="Office Theme" id="{62F939B6-93AF-4DB8-9C6B-D6C7DFDC589F}" vid="{4A3C46E8-61CC-4603-A589-7422A47A8E4A}"/>
+    </a:ext>
+  </a:extLst>
+</a:theme>
 </file>
--- a/DoAnCTDL.pptx
+++ b/DoAnCTDL.pptx
@@ -13968,8 +13968,38 @@
         </p:blipFill>
         <p:spPr>
           <a:xfrm>
-            <a:off x="4166459" y="2606833"/>
+            <a:off x="2378000" y="2166761"/>
             <a:ext cx="3357872" cy="2905125"/>
+          </a:xfrm>
+          <a:prstGeom prst="rect">
+            <a:avLst/>
+          </a:prstGeom>
+        </p:spPr>
+      </p:pic>
+      <p:pic>
+        <p:nvPicPr>
+          <p:cNvPr id="3" name="Picture 2"/>
+          <p:cNvPicPr>
+            <a:picLocks noChangeAspect="1"/>
+          </p:cNvPicPr>
+          <p:nvPr/>
+        </p:nvPicPr>
+        <p:blipFill>
+          <a:blip r:embed="rId4">
+            <a:extLst>
+              <a:ext uri="{28A0092B-C50C-407E-A947-70E740481C1C}">
+                <a14:useLocalDpi xmlns:a14="http://schemas.microsoft.com/office/drawing/2010/main" val="0"/>
+              </a:ext>
+            </a:extLst>
+          </a:blip>
+          <a:stretch>
+            <a:fillRect/>
+          </a:stretch>
+        </p:blipFill>
+        <p:spPr>
+          <a:xfrm>
+            <a:off x="6844552" y="3290094"/>
+            <a:ext cx="3186953" cy="3116393"/>
           </a:xfrm>
           <a:prstGeom prst="rect">
             <a:avLst/>
@@ -14047,6 +14077,59 @@
                                         <p:cTn id="7" dur="500"/>
                                         <p:tgtEl>
                                           <p:spTgt spid="7"/>
+                                        </p:tgtEl>
+                                      </p:cBhvr>
+                                    </p:animEffect>
+                                  </p:childTnLst>
+                                </p:cTn>
+                              </p:par>
+                            </p:childTnLst>
+                          </p:cTn>
+                        </p:par>
+                      </p:childTnLst>
+                    </p:cTn>
+                  </p:par>
+                  <p:par>
+                    <p:cTn id="8" fill="hold">
+                      <p:stCondLst>
+                        <p:cond delay="indefinite"/>
+                      </p:stCondLst>
+                      <p:childTnLst>
+                        <p:par>
+                          <p:cTn id="9" fill="hold">
+                            <p:stCondLst>
+                              <p:cond delay="0"/>
+                            </p:stCondLst>
+                            <p:childTnLst>
+                              <p:par>
+                                <p:cTn id="10" presetID="14" presetClass="entr" presetSubtype="10" fill="hold" nodeType="clickEffect">
+                                  <p:stCondLst>
+                                    <p:cond delay="0"/>
+                                  </p:stCondLst>
+                                  <p:childTnLst>
+                                    <p:set>
+                                      <p:cBhvr>
+                                        <p:cTn id="11" dur="1" fill="hold">
+                                          <p:stCondLst>
+                                            <p:cond delay="0"/>
+                                          </p:stCondLst>
+                                        </p:cTn>
+                                        <p:tgtEl>
+                                          <p:spTgt spid="3"/>
+                                        </p:tgtEl>
+                                        <p:attrNameLst>
+                                          <p:attrName>style.visibility</p:attrName>
+                                        </p:attrNameLst>
+                                      </p:cBhvr>
+                                      <p:to>
+                                        <p:strVal val="visible"/>
+                                      </p:to>
+                                    </p:set>
+                                    <p:animEffect transition="in" filter="randombar(horizontal)">
+                                      <p:cBhvr>
+                                        <p:cTn id="12" dur="500"/>
+                                        <p:tgtEl>
+                                          <p:spTgt spid="3"/>
                                         </p:tgtEl>
                                       </p:cBhvr>
                                     </p:animEffect>
@@ -15658,13 +15741,13 @@
   <p:clrMapOvr>
     <a:masterClrMapping/>
   </p:clrMapOvr>
-  <mc:AlternateContent xmlns:mc="http://schemas.openxmlformats.org/markup-compatibility/2006">
-    <mc:Choice xmlns:p15="http://schemas.microsoft.com/office/powerpoint/2012/main" Requires="p15">
+  <mc:AlternateContent xmlns:mc="http://schemas.openxmlformats.org/markup-compatibility/2006" xmlns:p15="http://schemas.microsoft.com/office/powerpoint/2012/main">
+    <mc:Choice Requires="p15">
       <p:transition xmlns:p14="http://schemas.microsoft.com/office/powerpoint/2010/main" spd="slow" p14:dur="6000">
         <p15:prstTrans prst="curtains"/>
       </p:transition>
     </mc:Choice>
-    <mc:Fallback>
+    <mc:Fallback xmlns="">
       <p:transition spd="slow">
         <p:fade/>
       </p:transition>
@@ -16656,13 +16739,13 @@
   <p:clrMapOvr>
     <a:masterClrMapping/>
   </p:clrMapOvr>
-  <mc:AlternateContent xmlns:mc="http://schemas.openxmlformats.org/markup-compatibility/2006">
-    <mc:Choice xmlns:p14="http://schemas.microsoft.com/office/powerpoint/2010/main" Requires="p14">
+  <mc:AlternateContent xmlns:mc="http://schemas.openxmlformats.org/markup-compatibility/2006" xmlns:p14="http://schemas.microsoft.com/office/powerpoint/2010/main">
+    <mc:Choice Requires="p14">
       <p:transition spd="slow" p14:dur="1500">
         <p:split orient="vert"/>
       </p:transition>
     </mc:Choice>
-    <mc:Fallback>
+    <mc:Fallback xmlns="">
       <p:transition spd="slow">
         <p:split orient="vert"/>
       </p:transition>
